--- a/19 Spatial/spatial audio Part 1- panning.pptx
+++ b/19 Spatial/spatial audio Part 1- panning.pptx
@@ -276,35 +276,35 @@
           <a:p>
             <a:pPr lvl="0"/>
             <a:r>
-              <a:rPr lang="en-US" noProof="0" smtClean="0"/>
+              <a:rPr lang="en-US" noProof="0"/>
               <a:t>Click to edit Master text styles</a:t>
             </a:r>
           </a:p>
           <a:p>
             <a:pPr lvl="1"/>
             <a:r>
-              <a:rPr lang="en-US" noProof="0" smtClean="0"/>
+              <a:rPr lang="en-US" noProof="0"/>
               <a:t>Second level</a:t>
             </a:r>
           </a:p>
           <a:p>
             <a:pPr lvl="2"/>
             <a:r>
-              <a:rPr lang="en-US" noProof="0" smtClean="0"/>
+              <a:rPr lang="en-US" noProof="0"/>
               <a:t>Third level</a:t>
             </a:r>
           </a:p>
           <a:p>
             <a:pPr lvl="3"/>
             <a:r>
-              <a:rPr lang="en-US" noProof="0" smtClean="0"/>
+              <a:rPr lang="en-US" noProof="0"/>
               <a:t>Fourth level</a:t>
             </a:r>
           </a:p>
           <a:p>
             <a:pPr lvl="4"/>
             <a:r>
-              <a:rPr lang="en-US" noProof="0" smtClean="0"/>
+              <a:rPr lang="en-US" noProof="0"/>
               <a:t>Fifth level</a:t>
             </a:r>
           </a:p>
@@ -500,7 +500,7 @@
                 <a:spcPts val="637"/>
               </a:spcBef>
             </a:pPr>
-            <a:endParaRPr lang="en-US" sz="1700" dirty="0" smtClean="0">
+            <a:endParaRPr lang="en-US" sz="1700" dirty="0">
               <a:solidFill>
                 <a:srgbClr val="000000"/>
               </a:solidFill>
@@ -581,7 +581,7 @@
                 <a:spcPts val="637"/>
               </a:spcBef>
             </a:pPr>
-            <a:endParaRPr lang="en-US" sz="1700" dirty="0" smtClean="0">
+            <a:endParaRPr lang="en-US" sz="1700" dirty="0">
               <a:solidFill>
                 <a:srgbClr val="000000"/>
               </a:solidFill>
@@ -662,7 +662,7 @@
                 <a:spcPts val="637"/>
               </a:spcBef>
             </a:pPr>
-            <a:endParaRPr lang="en-US" sz="1700" dirty="0" smtClean="0">
+            <a:endParaRPr lang="en-US" sz="1700" dirty="0">
               <a:solidFill>
                 <a:srgbClr val="000000"/>
               </a:solidFill>
@@ -742,7 +742,7 @@
                 <a:spcPts val="637"/>
               </a:spcBef>
             </a:pPr>
-            <a:endParaRPr lang="en-US" sz="1700" dirty="0" smtClean="0">
+            <a:endParaRPr lang="en-US" sz="1700" dirty="0">
               <a:solidFill>
                 <a:srgbClr val="000000"/>
               </a:solidFill>
@@ -803,10 +803,9 @@
           <a:lstStyle/>
           <a:p>
             <a:r>
-              <a:rPr lang="en-US" smtClean="0"/>
+              <a:rPr lang="en-US"/>
               <a:t>Click to edit Master title style</a:t>
             </a:r>
-            <a:endParaRPr lang="en-US"/>
           </a:p>
         </p:txBody>
       </p:sp>
@@ -868,10 +867,9 @@
           </a:lstStyle>
           <a:p>
             <a:r>
-              <a:rPr lang="en-US" smtClean="0"/>
+              <a:rPr lang="en-US"/>
               <a:t>Click to edit Master subtitle style</a:t>
             </a:r>
-            <a:endParaRPr lang="en-US"/>
           </a:p>
         </p:txBody>
       </p:sp>
@@ -917,10 +915,9 @@
           <a:lstStyle/>
           <a:p>
             <a:r>
-              <a:rPr lang="en-US" smtClean="0"/>
+              <a:rPr lang="en-US"/>
               <a:t>Click to edit Master title style</a:t>
             </a:r>
-            <a:endParaRPr lang="en-US"/>
           </a:p>
         </p:txBody>
       </p:sp>
@@ -941,38 +938,37 @@
           <a:p>
             <a:pPr lvl="0"/>
             <a:r>
-              <a:rPr lang="en-US" smtClean="0"/>
+              <a:rPr lang="en-US"/>
               <a:t>Click to edit Master text styles</a:t>
             </a:r>
           </a:p>
           <a:p>
             <a:pPr lvl="1"/>
             <a:r>
-              <a:rPr lang="en-US" smtClean="0"/>
+              <a:rPr lang="en-US"/>
               <a:t>Second level</a:t>
             </a:r>
           </a:p>
           <a:p>
             <a:pPr lvl="2"/>
             <a:r>
-              <a:rPr lang="en-US" smtClean="0"/>
+              <a:rPr lang="en-US"/>
               <a:t>Third level</a:t>
             </a:r>
           </a:p>
           <a:p>
             <a:pPr lvl="3"/>
             <a:r>
-              <a:rPr lang="en-US" smtClean="0"/>
+              <a:rPr lang="en-US"/>
               <a:t>Fourth level</a:t>
             </a:r>
           </a:p>
           <a:p>
             <a:pPr lvl="4"/>
             <a:r>
-              <a:rPr lang="en-US" smtClean="0"/>
+              <a:rPr lang="en-US"/>
               <a:t>Fifth level</a:t>
             </a:r>
-            <a:endParaRPr lang="en-US"/>
           </a:p>
         </p:txBody>
       </p:sp>
@@ -1023,10 +1019,9 @@
           <a:lstStyle/>
           <a:p>
             <a:r>
-              <a:rPr lang="en-US" smtClean="0"/>
+              <a:rPr lang="en-US"/>
               <a:t>Click to edit Master title style</a:t>
             </a:r>
-            <a:endParaRPr lang="en-US"/>
           </a:p>
         </p:txBody>
       </p:sp>
@@ -1052,38 +1047,37 @@
           <a:p>
             <a:pPr lvl="0"/>
             <a:r>
-              <a:rPr lang="en-US" smtClean="0"/>
+              <a:rPr lang="en-US"/>
               <a:t>Click to edit Master text styles</a:t>
             </a:r>
           </a:p>
           <a:p>
             <a:pPr lvl="1"/>
             <a:r>
-              <a:rPr lang="en-US" smtClean="0"/>
+              <a:rPr lang="en-US"/>
               <a:t>Second level</a:t>
             </a:r>
           </a:p>
           <a:p>
             <a:pPr lvl="2"/>
             <a:r>
-              <a:rPr lang="en-US" smtClean="0"/>
+              <a:rPr lang="en-US"/>
               <a:t>Third level</a:t>
             </a:r>
           </a:p>
           <a:p>
             <a:pPr lvl="3"/>
             <a:r>
-              <a:rPr lang="en-US" smtClean="0"/>
+              <a:rPr lang="en-US"/>
               <a:t>Fourth level</a:t>
             </a:r>
           </a:p>
           <a:p>
             <a:pPr lvl="4"/>
             <a:r>
-              <a:rPr lang="en-US" smtClean="0"/>
+              <a:rPr lang="en-US"/>
               <a:t>Fifth level</a:t>
             </a:r>
-            <a:endParaRPr lang="en-US"/>
           </a:p>
         </p:txBody>
       </p:sp>
@@ -1134,10 +1128,9 @@
           <a:lstStyle/>
           <a:p>
             <a:r>
-              <a:rPr lang="en-US" smtClean="0"/>
+              <a:rPr lang="en-US"/>
               <a:t>Click to edit Master title style</a:t>
             </a:r>
-            <a:endParaRPr lang="en-US"/>
           </a:p>
         </p:txBody>
       </p:sp>
@@ -1199,10 +1192,9 @@
           </a:lstStyle>
           <a:p>
             <a:r>
-              <a:rPr lang="en-US" smtClean="0"/>
+              <a:rPr lang="en-US"/>
               <a:t>Click to edit Master subtitle style</a:t>
             </a:r>
-            <a:endParaRPr lang="en-US"/>
           </a:p>
         </p:txBody>
       </p:sp>
@@ -1248,10 +1240,9 @@
           <a:lstStyle/>
           <a:p>
             <a:r>
-              <a:rPr lang="en-US" smtClean="0"/>
+              <a:rPr lang="en-US"/>
               <a:t>Click to edit Master title style</a:t>
             </a:r>
-            <a:endParaRPr lang="en-US"/>
           </a:p>
         </p:txBody>
       </p:sp>
@@ -1272,38 +1263,37 @@
           <a:p>
             <a:pPr lvl="0"/>
             <a:r>
-              <a:rPr lang="en-US" smtClean="0"/>
+              <a:rPr lang="en-US"/>
               <a:t>Click to edit Master text styles</a:t>
             </a:r>
           </a:p>
           <a:p>
             <a:pPr lvl="1"/>
             <a:r>
-              <a:rPr lang="en-US" smtClean="0"/>
+              <a:rPr lang="en-US"/>
               <a:t>Second level</a:t>
             </a:r>
           </a:p>
           <a:p>
             <a:pPr lvl="2"/>
             <a:r>
-              <a:rPr lang="en-US" smtClean="0"/>
+              <a:rPr lang="en-US"/>
               <a:t>Third level</a:t>
             </a:r>
           </a:p>
           <a:p>
             <a:pPr lvl="3"/>
             <a:r>
-              <a:rPr lang="en-US" smtClean="0"/>
+              <a:rPr lang="en-US"/>
               <a:t>Fourth level</a:t>
             </a:r>
           </a:p>
           <a:p>
             <a:pPr lvl="4"/>
             <a:r>
-              <a:rPr lang="en-US" smtClean="0"/>
+              <a:rPr lang="en-US"/>
               <a:t>Fifth level</a:t>
             </a:r>
-            <a:endParaRPr lang="en-US"/>
           </a:p>
         </p:txBody>
       </p:sp>
@@ -1358,10 +1348,9 @@
           </a:lstStyle>
           <a:p>
             <a:r>
-              <a:rPr lang="en-US" smtClean="0"/>
+              <a:rPr lang="en-US"/>
               <a:t>Click to edit Master title style</a:t>
             </a:r>
-            <a:endParaRPr lang="en-US"/>
           </a:p>
         </p:txBody>
       </p:sp>
@@ -1424,7 +1413,7 @@
           <a:p>
             <a:pPr lvl="0"/>
             <a:r>
-              <a:rPr lang="en-US" smtClean="0"/>
+              <a:rPr lang="en-US"/>
               <a:t>Click to edit Master text styles</a:t>
             </a:r>
           </a:p>
@@ -1472,10 +1461,9 @@
           <a:lstStyle/>
           <a:p>
             <a:r>
-              <a:rPr lang="en-US" smtClean="0"/>
+              <a:rPr lang="en-US"/>
               <a:t>Click to edit Master title style</a:t>
             </a:r>
-            <a:endParaRPr lang="en-US"/>
           </a:p>
         </p:txBody>
       </p:sp>
@@ -1529,38 +1517,37 @@
           <a:p>
             <a:pPr lvl="0"/>
             <a:r>
-              <a:rPr lang="en-US" smtClean="0"/>
+              <a:rPr lang="en-US"/>
               <a:t>Click to edit Master text styles</a:t>
             </a:r>
           </a:p>
           <a:p>
             <a:pPr lvl="1"/>
             <a:r>
-              <a:rPr lang="en-US" smtClean="0"/>
+              <a:rPr lang="en-US"/>
               <a:t>Second level</a:t>
             </a:r>
           </a:p>
           <a:p>
             <a:pPr lvl="2"/>
             <a:r>
-              <a:rPr lang="en-US" smtClean="0"/>
+              <a:rPr lang="en-US"/>
               <a:t>Third level</a:t>
             </a:r>
           </a:p>
           <a:p>
             <a:pPr lvl="3"/>
             <a:r>
-              <a:rPr lang="en-US" smtClean="0"/>
+              <a:rPr lang="en-US"/>
               <a:t>Fourth level</a:t>
             </a:r>
           </a:p>
           <a:p>
             <a:pPr lvl="4"/>
             <a:r>
-              <a:rPr lang="en-US" smtClean="0"/>
+              <a:rPr lang="en-US"/>
               <a:t>Fifth level</a:t>
             </a:r>
-            <a:endParaRPr lang="en-US"/>
           </a:p>
         </p:txBody>
       </p:sp>
@@ -1614,38 +1601,37 @@
           <a:p>
             <a:pPr lvl="0"/>
             <a:r>
-              <a:rPr lang="en-US" smtClean="0"/>
+              <a:rPr lang="en-US"/>
               <a:t>Click to edit Master text styles</a:t>
             </a:r>
           </a:p>
           <a:p>
             <a:pPr lvl="1"/>
             <a:r>
-              <a:rPr lang="en-US" smtClean="0"/>
+              <a:rPr lang="en-US"/>
               <a:t>Second level</a:t>
             </a:r>
           </a:p>
           <a:p>
             <a:pPr lvl="2"/>
             <a:r>
-              <a:rPr lang="en-US" smtClean="0"/>
+              <a:rPr lang="en-US"/>
               <a:t>Third level</a:t>
             </a:r>
           </a:p>
           <a:p>
             <a:pPr lvl="3"/>
             <a:r>
-              <a:rPr lang="en-US" smtClean="0"/>
+              <a:rPr lang="en-US"/>
               <a:t>Fourth level</a:t>
             </a:r>
           </a:p>
           <a:p>
             <a:pPr lvl="4"/>
             <a:r>
-              <a:rPr lang="en-US" smtClean="0"/>
+              <a:rPr lang="en-US"/>
               <a:t>Fifth level</a:t>
             </a:r>
-            <a:endParaRPr lang="en-US"/>
           </a:p>
         </p:txBody>
       </p:sp>
@@ -1700,10 +1686,9 @@
           </a:lstStyle>
           <a:p>
             <a:r>
-              <a:rPr lang="en-US" smtClean="0"/>
+              <a:rPr lang="en-US"/>
               <a:t>Click to edit Master title style</a:t>
             </a:r>
-            <a:endParaRPr lang="en-US"/>
           </a:p>
         </p:txBody>
       </p:sp>
@@ -1766,7 +1751,7 @@
           <a:p>
             <a:pPr lvl="0"/>
             <a:r>
-              <a:rPr lang="en-US" smtClean="0"/>
+              <a:rPr lang="en-US"/>
               <a:t>Click to edit Master text styles</a:t>
             </a:r>
           </a:p>
@@ -1822,38 +1807,37 @@
           <a:p>
             <a:pPr lvl="0"/>
             <a:r>
-              <a:rPr lang="en-US" smtClean="0"/>
+              <a:rPr lang="en-US"/>
               <a:t>Click to edit Master text styles</a:t>
             </a:r>
           </a:p>
           <a:p>
             <a:pPr lvl="1"/>
             <a:r>
-              <a:rPr lang="en-US" smtClean="0"/>
+              <a:rPr lang="en-US"/>
               <a:t>Second level</a:t>
             </a:r>
           </a:p>
           <a:p>
             <a:pPr lvl="2"/>
             <a:r>
-              <a:rPr lang="en-US" smtClean="0"/>
+              <a:rPr lang="en-US"/>
               <a:t>Third level</a:t>
             </a:r>
           </a:p>
           <a:p>
             <a:pPr lvl="3"/>
             <a:r>
-              <a:rPr lang="en-US" smtClean="0"/>
+              <a:rPr lang="en-US"/>
               <a:t>Fourth level</a:t>
             </a:r>
           </a:p>
           <a:p>
             <a:pPr lvl="4"/>
             <a:r>
-              <a:rPr lang="en-US" smtClean="0"/>
+              <a:rPr lang="en-US"/>
               <a:t>Fifth level</a:t>
             </a:r>
-            <a:endParaRPr lang="en-US"/>
           </a:p>
         </p:txBody>
       </p:sp>
@@ -1916,7 +1900,7 @@
           <a:p>
             <a:pPr lvl="0"/>
             <a:r>
-              <a:rPr lang="en-US" smtClean="0"/>
+              <a:rPr lang="en-US"/>
               <a:t>Click to edit Master text styles</a:t>
             </a:r>
           </a:p>
@@ -1972,38 +1956,37 @@
           <a:p>
             <a:pPr lvl="0"/>
             <a:r>
-              <a:rPr lang="en-US" smtClean="0"/>
+              <a:rPr lang="en-US"/>
               <a:t>Click to edit Master text styles</a:t>
             </a:r>
           </a:p>
           <a:p>
             <a:pPr lvl="1"/>
             <a:r>
-              <a:rPr lang="en-US" smtClean="0"/>
+              <a:rPr lang="en-US"/>
               <a:t>Second level</a:t>
             </a:r>
           </a:p>
           <a:p>
             <a:pPr lvl="2"/>
             <a:r>
-              <a:rPr lang="en-US" smtClean="0"/>
+              <a:rPr lang="en-US"/>
               <a:t>Third level</a:t>
             </a:r>
           </a:p>
           <a:p>
             <a:pPr lvl="3"/>
             <a:r>
-              <a:rPr lang="en-US" smtClean="0"/>
+              <a:rPr lang="en-US"/>
               <a:t>Fourth level</a:t>
             </a:r>
           </a:p>
           <a:p>
             <a:pPr lvl="4"/>
             <a:r>
-              <a:rPr lang="en-US" smtClean="0"/>
+              <a:rPr lang="en-US"/>
               <a:t>Fifth level</a:t>
             </a:r>
-            <a:endParaRPr lang="en-US"/>
           </a:p>
         </p:txBody>
       </p:sp>
@@ -2049,10 +2032,9 @@
           <a:lstStyle/>
           <a:p>
             <a:r>
-              <a:rPr lang="en-US" smtClean="0"/>
+              <a:rPr lang="en-US"/>
               <a:t>Click to edit Master title style</a:t>
             </a:r>
-            <a:endParaRPr lang="en-US"/>
           </a:p>
         </p:txBody>
       </p:sp>
@@ -2133,10 +2115,9 @@
           </a:lstStyle>
           <a:p>
             <a:r>
-              <a:rPr lang="en-US" smtClean="0"/>
+              <a:rPr lang="en-US"/>
               <a:t>Click to edit Master title style</a:t>
             </a:r>
-            <a:endParaRPr lang="en-US"/>
           </a:p>
         </p:txBody>
       </p:sp>
@@ -2190,38 +2171,37 @@
           <a:p>
             <a:pPr lvl="0"/>
             <a:r>
-              <a:rPr lang="en-US" smtClean="0"/>
+              <a:rPr lang="en-US"/>
               <a:t>Click to edit Master text styles</a:t>
             </a:r>
           </a:p>
           <a:p>
             <a:pPr lvl="1"/>
             <a:r>
-              <a:rPr lang="en-US" smtClean="0"/>
+              <a:rPr lang="en-US"/>
               <a:t>Second level</a:t>
             </a:r>
           </a:p>
           <a:p>
             <a:pPr lvl="2"/>
             <a:r>
-              <a:rPr lang="en-US" smtClean="0"/>
+              <a:rPr lang="en-US"/>
               <a:t>Third level</a:t>
             </a:r>
           </a:p>
           <a:p>
             <a:pPr lvl="3"/>
             <a:r>
-              <a:rPr lang="en-US" smtClean="0"/>
+              <a:rPr lang="en-US"/>
               <a:t>Fourth level</a:t>
             </a:r>
           </a:p>
           <a:p>
             <a:pPr lvl="4"/>
             <a:r>
-              <a:rPr lang="en-US" smtClean="0"/>
+              <a:rPr lang="en-US"/>
               <a:t>Fifth level</a:t>
             </a:r>
-            <a:endParaRPr lang="en-US"/>
           </a:p>
         </p:txBody>
       </p:sp>
@@ -2284,7 +2264,7 @@
           <a:p>
             <a:pPr lvl="0"/>
             <a:r>
-              <a:rPr lang="en-US" smtClean="0"/>
+              <a:rPr lang="en-US"/>
               <a:t>Click to edit Master text styles</a:t>
             </a:r>
           </a:p>
@@ -2332,10 +2312,9 @@
           <a:lstStyle/>
           <a:p>
             <a:r>
-              <a:rPr lang="en-US" smtClean="0"/>
+              <a:rPr lang="en-US"/>
               <a:t>Click to edit Master title style</a:t>
             </a:r>
-            <a:endParaRPr lang="en-US"/>
           </a:p>
         </p:txBody>
       </p:sp>
@@ -2356,38 +2335,37 @@
           <a:p>
             <a:pPr lvl="0"/>
             <a:r>
-              <a:rPr lang="en-US" smtClean="0"/>
+              <a:rPr lang="en-US"/>
               <a:t>Click to edit Master text styles</a:t>
             </a:r>
           </a:p>
           <a:p>
             <a:pPr lvl="1"/>
             <a:r>
-              <a:rPr lang="en-US" smtClean="0"/>
+              <a:rPr lang="en-US"/>
               <a:t>Second level</a:t>
             </a:r>
           </a:p>
           <a:p>
             <a:pPr lvl="2"/>
             <a:r>
-              <a:rPr lang="en-US" smtClean="0"/>
+              <a:rPr lang="en-US"/>
               <a:t>Third level</a:t>
             </a:r>
           </a:p>
           <a:p>
             <a:pPr lvl="3"/>
             <a:r>
-              <a:rPr lang="en-US" smtClean="0"/>
+              <a:rPr lang="en-US"/>
               <a:t>Fourth level</a:t>
             </a:r>
           </a:p>
           <a:p>
             <a:pPr lvl="4"/>
             <a:r>
-              <a:rPr lang="en-US" smtClean="0"/>
+              <a:rPr lang="en-US"/>
               <a:t>Fifth level</a:t>
             </a:r>
-            <a:endParaRPr lang="en-US"/>
           </a:p>
         </p:txBody>
       </p:sp>
@@ -2442,10 +2420,9 @@
           </a:lstStyle>
           <a:p>
             <a:r>
-              <a:rPr lang="en-US" smtClean="0"/>
+              <a:rPr lang="en-US"/>
               <a:t>Click to edit Master title style</a:t>
             </a:r>
-            <a:endParaRPr lang="en-US"/>
           </a:p>
         </p:txBody>
       </p:sp>
@@ -2507,7 +2484,7 @@
           </a:lstStyle>
           <a:p>
             <a:pPr lvl="0"/>
-            <a:endParaRPr lang="en-US" noProof="0" smtClean="0">
+            <a:endParaRPr lang="en-US" noProof="0">
               <a:sym typeface="Arial" charset="0"/>
             </a:endParaRPr>
           </a:p>
@@ -2572,7 +2549,7 @@
           <a:p>
             <a:pPr lvl="0"/>
             <a:r>
-              <a:rPr lang="en-US" smtClean="0"/>
+              <a:rPr lang="en-US"/>
               <a:t>Click to edit Master text styles</a:t>
             </a:r>
           </a:p>
@@ -2620,10 +2597,9 @@
           <a:lstStyle/>
           <a:p>
             <a:r>
-              <a:rPr lang="en-US" smtClean="0"/>
+              <a:rPr lang="en-US"/>
               <a:t>Click to edit Master title style</a:t>
             </a:r>
-            <a:endParaRPr lang="en-US"/>
           </a:p>
         </p:txBody>
       </p:sp>
@@ -2644,38 +2620,37 @@
           <a:p>
             <a:pPr lvl="0"/>
             <a:r>
-              <a:rPr lang="en-US" smtClean="0"/>
+              <a:rPr lang="en-US"/>
               <a:t>Click to edit Master text styles</a:t>
             </a:r>
           </a:p>
           <a:p>
             <a:pPr lvl="1"/>
             <a:r>
-              <a:rPr lang="en-US" smtClean="0"/>
+              <a:rPr lang="en-US"/>
               <a:t>Second level</a:t>
             </a:r>
           </a:p>
           <a:p>
             <a:pPr lvl="2"/>
             <a:r>
-              <a:rPr lang="en-US" smtClean="0"/>
+              <a:rPr lang="en-US"/>
               <a:t>Third level</a:t>
             </a:r>
           </a:p>
           <a:p>
             <a:pPr lvl="3"/>
             <a:r>
-              <a:rPr lang="en-US" smtClean="0"/>
+              <a:rPr lang="en-US"/>
               <a:t>Fourth level</a:t>
             </a:r>
           </a:p>
           <a:p>
             <a:pPr lvl="4"/>
             <a:r>
-              <a:rPr lang="en-US" smtClean="0"/>
+              <a:rPr lang="en-US"/>
               <a:t>Fifth level</a:t>
             </a:r>
-            <a:endParaRPr lang="en-US"/>
           </a:p>
         </p:txBody>
       </p:sp>
@@ -2726,10 +2701,9 @@
           <a:lstStyle/>
           <a:p>
             <a:r>
-              <a:rPr lang="en-US" smtClean="0"/>
+              <a:rPr lang="en-US"/>
               <a:t>Click to edit Master title style</a:t>
             </a:r>
-            <a:endParaRPr lang="en-US"/>
           </a:p>
         </p:txBody>
       </p:sp>
@@ -2755,38 +2729,37 @@
           <a:p>
             <a:pPr lvl="0"/>
             <a:r>
-              <a:rPr lang="en-US" smtClean="0"/>
+              <a:rPr lang="en-US"/>
               <a:t>Click to edit Master text styles</a:t>
             </a:r>
           </a:p>
           <a:p>
             <a:pPr lvl="1"/>
             <a:r>
-              <a:rPr lang="en-US" smtClean="0"/>
+              <a:rPr lang="en-US"/>
               <a:t>Second level</a:t>
             </a:r>
           </a:p>
           <a:p>
             <a:pPr lvl="2"/>
             <a:r>
-              <a:rPr lang="en-US" smtClean="0"/>
+              <a:rPr lang="en-US"/>
               <a:t>Third level</a:t>
             </a:r>
           </a:p>
           <a:p>
             <a:pPr lvl="3"/>
             <a:r>
-              <a:rPr lang="en-US" smtClean="0"/>
+              <a:rPr lang="en-US"/>
               <a:t>Fourth level</a:t>
             </a:r>
           </a:p>
           <a:p>
             <a:pPr lvl="4"/>
             <a:r>
-              <a:rPr lang="en-US" smtClean="0"/>
+              <a:rPr lang="en-US"/>
               <a:t>Fifth level</a:t>
             </a:r>
-            <a:endParaRPr lang="en-US"/>
           </a:p>
         </p:txBody>
       </p:sp>
@@ -2837,10 +2810,9 @@
           <a:lstStyle/>
           <a:p>
             <a:r>
-              <a:rPr lang="en-US" smtClean="0"/>
+              <a:rPr lang="en-US"/>
               <a:t>Click to edit Master title style</a:t>
             </a:r>
-            <a:endParaRPr lang="en-US"/>
           </a:p>
         </p:txBody>
       </p:sp>
@@ -2905,10 +2877,9 @@
           </a:lstStyle>
           <a:p>
             <a:r>
-              <a:rPr lang="en-US" smtClean="0"/>
+              <a:rPr lang="en-US"/>
               <a:t>Click to edit Master subtitle style</a:t>
             </a:r>
-            <a:endParaRPr lang="en-US"/>
           </a:p>
         </p:txBody>
       </p:sp>
@@ -2954,10 +2925,9 @@
           <a:lstStyle/>
           <a:p>
             <a:r>
-              <a:rPr lang="en-US" smtClean="0"/>
+              <a:rPr lang="en-US"/>
               <a:t>Click to edit Master title style</a:t>
             </a:r>
-            <a:endParaRPr lang="en-US"/>
           </a:p>
         </p:txBody>
       </p:sp>
@@ -2986,38 +2956,37 @@
           <a:p>
             <a:pPr lvl="0"/>
             <a:r>
-              <a:rPr lang="en-US" smtClean="0"/>
+              <a:rPr lang="en-US"/>
               <a:t>Click to edit Master text styles</a:t>
             </a:r>
           </a:p>
           <a:p>
             <a:pPr lvl="1"/>
             <a:r>
-              <a:rPr lang="en-US" smtClean="0"/>
+              <a:rPr lang="en-US"/>
               <a:t>Second level</a:t>
             </a:r>
           </a:p>
           <a:p>
             <a:pPr lvl="2"/>
             <a:r>
-              <a:rPr lang="en-US" smtClean="0"/>
+              <a:rPr lang="en-US"/>
               <a:t>Third level</a:t>
             </a:r>
           </a:p>
           <a:p>
             <a:pPr lvl="3"/>
             <a:r>
-              <a:rPr lang="en-US" smtClean="0"/>
+              <a:rPr lang="en-US"/>
               <a:t>Fourth level</a:t>
             </a:r>
           </a:p>
           <a:p>
             <a:pPr lvl="4"/>
             <a:r>
-              <a:rPr lang="en-US" smtClean="0"/>
+              <a:rPr lang="en-US"/>
               <a:t>Fifth level</a:t>
             </a:r>
-            <a:endParaRPr lang="en-US"/>
           </a:p>
         </p:txBody>
       </p:sp>
@@ -3072,10 +3041,9 @@
           </a:lstStyle>
           <a:p>
             <a:r>
-              <a:rPr lang="en-US" smtClean="0"/>
+              <a:rPr lang="en-US"/>
               <a:t>Click to edit Master title style</a:t>
             </a:r>
-            <a:endParaRPr lang="en-US"/>
           </a:p>
         </p:txBody>
       </p:sp>
@@ -3141,7 +3109,7 @@
           <a:p>
             <a:pPr lvl="0"/>
             <a:r>
-              <a:rPr lang="en-US" smtClean="0"/>
+              <a:rPr lang="en-US"/>
               <a:t>Click to edit Master text styles</a:t>
             </a:r>
           </a:p>
@@ -3189,10 +3157,9 @@
           <a:lstStyle/>
           <a:p>
             <a:r>
-              <a:rPr lang="en-US" smtClean="0"/>
+              <a:rPr lang="en-US"/>
               <a:t>Click to edit Master title style</a:t>
             </a:r>
-            <a:endParaRPr lang="en-US"/>
           </a:p>
         </p:txBody>
       </p:sp>
@@ -3249,38 +3216,37 @@
           <a:p>
             <a:pPr lvl="0"/>
             <a:r>
-              <a:rPr lang="en-US" smtClean="0"/>
+              <a:rPr lang="en-US"/>
               <a:t>Click to edit Master text styles</a:t>
             </a:r>
           </a:p>
           <a:p>
             <a:pPr lvl="1"/>
             <a:r>
-              <a:rPr lang="en-US" smtClean="0"/>
+              <a:rPr lang="en-US"/>
               <a:t>Second level</a:t>
             </a:r>
           </a:p>
           <a:p>
             <a:pPr lvl="2"/>
             <a:r>
-              <a:rPr lang="en-US" smtClean="0"/>
+              <a:rPr lang="en-US"/>
               <a:t>Third level</a:t>
             </a:r>
           </a:p>
           <a:p>
             <a:pPr lvl="3"/>
             <a:r>
-              <a:rPr lang="en-US" smtClean="0"/>
+              <a:rPr lang="en-US"/>
               <a:t>Fourth level</a:t>
             </a:r>
           </a:p>
           <a:p>
             <a:pPr lvl="4"/>
             <a:r>
-              <a:rPr lang="en-US" smtClean="0"/>
+              <a:rPr lang="en-US"/>
               <a:t>Fifth level</a:t>
             </a:r>
-            <a:endParaRPr lang="en-US"/>
           </a:p>
         </p:txBody>
       </p:sp>
@@ -3337,38 +3303,37 @@
           <a:p>
             <a:pPr lvl="0"/>
             <a:r>
-              <a:rPr lang="en-US" smtClean="0"/>
+              <a:rPr lang="en-US"/>
               <a:t>Click to edit Master text styles</a:t>
             </a:r>
           </a:p>
           <a:p>
             <a:pPr lvl="1"/>
             <a:r>
-              <a:rPr lang="en-US" smtClean="0"/>
+              <a:rPr lang="en-US"/>
               <a:t>Second level</a:t>
             </a:r>
           </a:p>
           <a:p>
             <a:pPr lvl="2"/>
             <a:r>
-              <a:rPr lang="en-US" smtClean="0"/>
+              <a:rPr lang="en-US"/>
               <a:t>Third level</a:t>
             </a:r>
           </a:p>
           <a:p>
             <a:pPr lvl="3"/>
             <a:r>
-              <a:rPr lang="en-US" smtClean="0"/>
+              <a:rPr lang="en-US"/>
               <a:t>Fourth level</a:t>
             </a:r>
           </a:p>
           <a:p>
             <a:pPr lvl="4"/>
             <a:r>
-              <a:rPr lang="en-US" smtClean="0"/>
+              <a:rPr lang="en-US"/>
               <a:t>Fifth level</a:t>
             </a:r>
-            <a:endParaRPr lang="en-US"/>
           </a:p>
         </p:txBody>
       </p:sp>
@@ -3423,10 +3388,9 @@
           </a:lstStyle>
           <a:p>
             <a:r>
-              <a:rPr lang="en-US" smtClean="0"/>
+              <a:rPr lang="en-US"/>
               <a:t>Click to edit Master title style</a:t>
             </a:r>
-            <a:endParaRPr lang="en-US"/>
           </a:p>
         </p:txBody>
       </p:sp>
@@ -3492,7 +3456,7 @@
           <a:p>
             <a:pPr lvl="0"/>
             <a:r>
-              <a:rPr lang="en-US" smtClean="0"/>
+              <a:rPr lang="en-US"/>
               <a:t>Click to edit Master text styles</a:t>
             </a:r>
           </a:p>
@@ -3551,38 +3515,37 @@
           <a:p>
             <a:pPr lvl="0"/>
             <a:r>
-              <a:rPr lang="en-US" smtClean="0"/>
+              <a:rPr lang="en-US"/>
               <a:t>Click to edit Master text styles</a:t>
             </a:r>
           </a:p>
           <a:p>
             <a:pPr lvl="1"/>
             <a:r>
-              <a:rPr lang="en-US" smtClean="0"/>
+              <a:rPr lang="en-US"/>
               <a:t>Second level</a:t>
             </a:r>
           </a:p>
           <a:p>
             <a:pPr lvl="2"/>
             <a:r>
-              <a:rPr lang="en-US" smtClean="0"/>
+              <a:rPr lang="en-US"/>
               <a:t>Third level</a:t>
             </a:r>
           </a:p>
           <a:p>
             <a:pPr lvl="3"/>
             <a:r>
-              <a:rPr lang="en-US" smtClean="0"/>
+              <a:rPr lang="en-US"/>
               <a:t>Fourth level</a:t>
             </a:r>
           </a:p>
           <a:p>
             <a:pPr lvl="4"/>
             <a:r>
-              <a:rPr lang="en-US" smtClean="0"/>
+              <a:rPr lang="en-US"/>
               <a:t>Fifth level</a:t>
             </a:r>
-            <a:endParaRPr lang="en-US"/>
           </a:p>
         </p:txBody>
       </p:sp>
@@ -3648,7 +3611,7 @@
           <a:p>
             <a:pPr lvl="0"/>
             <a:r>
-              <a:rPr lang="en-US" smtClean="0"/>
+              <a:rPr lang="en-US"/>
               <a:t>Click to edit Master text styles</a:t>
             </a:r>
           </a:p>
@@ -3707,38 +3670,37 @@
           <a:p>
             <a:pPr lvl="0"/>
             <a:r>
-              <a:rPr lang="en-US" smtClean="0"/>
+              <a:rPr lang="en-US"/>
               <a:t>Click to edit Master text styles</a:t>
             </a:r>
           </a:p>
           <a:p>
             <a:pPr lvl="1"/>
             <a:r>
-              <a:rPr lang="en-US" smtClean="0"/>
+              <a:rPr lang="en-US"/>
               <a:t>Second level</a:t>
             </a:r>
           </a:p>
           <a:p>
             <a:pPr lvl="2"/>
             <a:r>
-              <a:rPr lang="en-US" smtClean="0"/>
+              <a:rPr lang="en-US"/>
               <a:t>Third level</a:t>
             </a:r>
           </a:p>
           <a:p>
             <a:pPr lvl="3"/>
             <a:r>
-              <a:rPr lang="en-US" smtClean="0"/>
+              <a:rPr lang="en-US"/>
               <a:t>Fourth level</a:t>
             </a:r>
           </a:p>
           <a:p>
             <a:pPr lvl="4"/>
             <a:r>
-              <a:rPr lang="en-US" smtClean="0"/>
+              <a:rPr lang="en-US"/>
               <a:t>Fifth level</a:t>
             </a:r>
-            <a:endParaRPr lang="en-US"/>
           </a:p>
         </p:txBody>
       </p:sp>
@@ -3784,10 +3746,9 @@
           <a:lstStyle/>
           <a:p>
             <a:r>
-              <a:rPr lang="en-US" smtClean="0"/>
+              <a:rPr lang="en-US"/>
               <a:t>Click to edit Master title style</a:t>
             </a:r>
-            <a:endParaRPr lang="en-US"/>
           </a:p>
         </p:txBody>
       </p:sp>
@@ -3868,10 +3829,9 @@
           </a:lstStyle>
           <a:p>
             <a:r>
-              <a:rPr lang="en-US" smtClean="0"/>
+              <a:rPr lang="en-US"/>
               <a:t>Click to edit Master title style</a:t>
             </a:r>
-            <a:endParaRPr lang="en-US"/>
           </a:p>
         </p:txBody>
       </p:sp>
@@ -3934,7 +3894,7 @@
           <a:p>
             <a:pPr lvl="0"/>
             <a:r>
-              <a:rPr lang="en-US" smtClean="0"/>
+              <a:rPr lang="en-US"/>
               <a:t>Click to edit Master text styles</a:t>
             </a:r>
           </a:p>
@@ -3991,10 +3951,9 @@
           </a:lstStyle>
           <a:p>
             <a:r>
-              <a:rPr lang="en-US" smtClean="0"/>
+              <a:rPr lang="en-US"/>
               <a:t>Click to edit Master title style</a:t>
             </a:r>
-            <a:endParaRPr lang="en-US"/>
           </a:p>
         </p:txBody>
       </p:sp>
@@ -4051,38 +4010,37 @@
           <a:p>
             <a:pPr lvl="0"/>
             <a:r>
-              <a:rPr lang="en-US" smtClean="0"/>
+              <a:rPr lang="en-US"/>
               <a:t>Click to edit Master text styles</a:t>
             </a:r>
           </a:p>
           <a:p>
             <a:pPr lvl="1"/>
             <a:r>
-              <a:rPr lang="en-US" smtClean="0"/>
+              <a:rPr lang="en-US"/>
               <a:t>Second level</a:t>
             </a:r>
           </a:p>
           <a:p>
             <a:pPr lvl="2"/>
             <a:r>
-              <a:rPr lang="en-US" smtClean="0"/>
+              <a:rPr lang="en-US"/>
               <a:t>Third level</a:t>
             </a:r>
           </a:p>
           <a:p>
             <a:pPr lvl="3"/>
             <a:r>
-              <a:rPr lang="en-US" smtClean="0"/>
+              <a:rPr lang="en-US"/>
               <a:t>Fourth level</a:t>
             </a:r>
           </a:p>
           <a:p>
             <a:pPr lvl="4"/>
             <a:r>
-              <a:rPr lang="en-US" smtClean="0"/>
+              <a:rPr lang="en-US"/>
               <a:t>Fifth level</a:t>
             </a:r>
-            <a:endParaRPr lang="en-US"/>
           </a:p>
         </p:txBody>
       </p:sp>
@@ -4148,7 +4106,7 @@
           <a:p>
             <a:pPr lvl="0"/>
             <a:r>
-              <a:rPr lang="en-US" smtClean="0"/>
+              <a:rPr lang="en-US"/>
               <a:t>Click to edit Master text styles</a:t>
             </a:r>
           </a:p>
@@ -4205,10 +4163,9 @@
           </a:lstStyle>
           <a:p>
             <a:r>
-              <a:rPr lang="en-US" smtClean="0"/>
+              <a:rPr lang="en-US"/>
               <a:t>Click to edit Master title style</a:t>
             </a:r>
-            <a:endParaRPr lang="en-US"/>
           </a:p>
         </p:txBody>
       </p:sp>
@@ -4273,7 +4230,7 @@
           </a:lstStyle>
           <a:p>
             <a:pPr lvl="0"/>
-            <a:endParaRPr lang="en-US" noProof="0" smtClean="0">
+            <a:endParaRPr lang="en-US" noProof="0">
               <a:sym typeface="Arial" charset="0"/>
             </a:endParaRPr>
           </a:p>
@@ -4341,7 +4298,7 @@
           <a:p>
             <a:pPr lvl="0"/>
             <a:r>
-              <a:rPr lang="en-US" smtClean="0"/>
+              <a:rPr lang="en-US"/>
               <a:t>Click to edit Master text styles</a:t>
             </a:r>
           </a:p>
@@ -4389,10 +4346,9 @@
           <a:lstStyle/>
           <a:p>
             <a:r>
-              <a:rPr lang="en-US" smtClean="0"/>
+              <a:rPr lang="en-US"/>
               <a:t>Click to edit Master title style</a:t>
             </a:r>
-            <a:endParaRPr lang="en-US"/>
           </a:p>
         </p:txBody>
       </p:sp>
@@ -4421,38 +4377,37 @@
           <a:p>
             <a:pPr lvl="0"/>
             <a:r>
-              <a:rPr lang="en-US" smtClean="0"/>
+              <a:rPr lang="en-US"/>
               <a:t>Click to edit Master text styles</a:t>
             </a:r>
           </a:p>
           <a:p>
             <a:pPr lvl="1"/>
             <a:r>
-              <a:rPr lang="en-US" smtClean="0"/>
+              <a:rPr lang="en-US"/>
               <a:t>Second level</a:t>
             </a:r>
           </a:p>
           <a:p>
             <a:pPr lvl="2"/>
             <a:r>
-              <a:rPr lang="en-US" smtClean="0"/>
+              <a:rPr lang="en-US"/>
               <a:t>Third level</a:t>
             </a:r>
           </a:p>
           <a:p>
             <a:pPr lvl="3"/>
             <a:r>
-              <a:rPr lang="en-US" smtClean="0"/>
+              <a:rPr lang="en-US"/>
               <a:t>Fourth level</a:t>
             </a:r>
           </a:p>
           <a:p>
             <a:pPr lvl="4"/>
             <a:r>
-              <a:rPr lang="en-US" smtClean="0"/>
+              <a:rPr lang="en-US"/>
               <a:t>Fifth level</a:t>
             </a:r>
-            <a:endParaRPr lang="en-US"/>
           </a:p>
         </p:txBody>
       </p:sp>
@@ -4503,10 +4458,9 @@
           <a:lstStyle/>
           <a:p>
             <a:r>
-              <a:rPr lang="en-US" smtClean="0"/>
+              <a:rPr lang="en-US"/>
               <a:t>Click to edit Master title style</a:t>
             </a:r>
-            <a:endParaRPr lang="en-US"/>
           </a:p>
         </p:txBody>
       </p:sp>
@@ -4535,38 +4489,37 @@
           <a:p>
             <a:pPr lvl="0"/>
             <a:r>
-              <a:rPr lang="en-US" smtClean="0"/>
+              <a:rPr lang="en-US"/>
               <a:t>Click to edit Master text styles</a:t>
             </a:r>
           </a:p>
           <a:p>
             <a:pPr lvl="1"/>
             <a:r>
-              <a:rPr lang="en-US" smtClean="0"/>
+              <a:rPr lang="en-US"/>
               <a:t>Second level</a:t>
             </a:r>
           </a:p>
           <a:p>
             <a:pPr lvl="2"/>
             <a:r>
-              <a:rPr lang="en-US" smtClean="0"/>
+              <a:rPr lang="en-US"/>
               <a:t>Third level</a:t>
             </a:r>
           </a:p>
           <a:p>
             <a:pPr lvl="3"/>
             <a:r>
-              <a:rPr lang="en-US" smtClean="0"/>
+              <a:rPr lang="en-US"/>
               <a:t>Fourth level</a:t>
             </a:r>
           </a:p>
           <a:p>
             <a:pPr lvl="4"/>
             <a:r>
-              <a:rPr lang="en-US" smtClean="0"/>
+              <a:rPr lang="en-US"/>
               <a:t>Fifth level</a:t>
             </a:r>
-            <a:endParaRPr lang="en-US"/>
           </a:p>
         </p:txBody>
       </p:sp>
@@ -4617,10 +4570,9 @@
           <a:lstStyle/>
           <a:p>
             <a:r>
-              <a:rPr lang="en-US" smtClean="0"/>
+              <a:rPr lang="en-US"/>
               <a:t>Click to edit Master title style</a:t>
             </a:r>
-            <a:endParaRPr lang="en-US"/>
           </a:p>
         </p:txBody>
       </p:sp>
@@ -4685,10 +4637,9 @@
           </a:lstStyle>
           <a:p>
             <a:r>
-              <a:rPr lang="en-US" smtClean="0"/>
+              <a:rPr lang="en-US"/>
               <a:t>Click to edit Master subtitle style</a:t>
             </a:r>
-            <a:endParaRPr lang="en-US"/>
           </a:p>
         </p:txBody>
       </p:sp>
@@ -4734,10 +4685,9 @@
           <a:lstStyle/>
           <a:p>
             <a:r>
-              <a:rPr lang="en-US" smtClean="0"/>
+              <a:rPr lang="en-US"/>
               <a:t>Click to edit Master title style</a:t>
             </a:r>
-            <a:endParaRPr lang="en-US"/>
           </a:p>
         </p:txBody>
       </p:sp>
@@ -4766,38 +4716,37 @@
           <a:p>
             <a:pPr lvl="0"/>
             <a:r>
-              <a:rPr lang="en-US" smtClean="0"/>
+              <a:rPr lang="en-US"/>
               <a:t>Click to edit Master text styles</a:t>
             </a:r>
           </a:p>
           <a:p>
             <a:pPr lvl="1"/>
             <a:r>
-              <a:rPr lang="en-US" smtClean="0"/>
+              <a:rPr lang="en-US"/>
               <a:t>Second level</a:t>
             </a:r>
           </a:p>
           <a:p>
             <a:pPr lvl="2"/>
             <a:r>
-              <a:rPr lang="en-US" smtClean="0"/>
+              <a:rPr lang="en-US"/>
               <a:t>Third level</a:t>
             </a:r>
           </a:p>
           <a:p>
             <a:pPr lvl="3"/>
             <a:r>
-              <a:rPr lang="en-US" smtClean="0"/>
+              <a:rPr lang="en-US"/>
               <a:t>Fourth level</a:t>
             </a:r>
           </a:p>
           <a:p>
             <a:pPr lvl="4"/>
             <a:r>
-              <a:rPr lang="en-US" smtClean="0"/>
+              <a:rPr lang="en-US"/>
               <a:t>Fifth level</a:t>
             </a:r>
-            <a:endParaRPr lang="en-US"/>
           </a:p>
         </p:txBody>
       </p:sp>
@@ -4852,10 +4801,9 @@
           </a:lstStyle>
           <a:p>
             <a:r>
-              <a:rPr lang="en-US" smtClean="0"/>
+              <a:rPr lang="en-US"/>
               <a:t>Click to edit Master title style</a:t>
             </a:r>
-            <a:endParaRPr lang="en-US"/>
           </a:p>
         </p:txBody>
       </p:sp>
@@ -4921,7 +4869,7 @@
           <a:p>
             <a:pPr lvl="0"/>
             <a:r>
-              <a:rPr lang="en-US" smtClean="0"/>
+              <a:rPr lang="en-US"/>
               <a:t>Click to edit Master text styles</a:t>
             </a:r>
           </a:p>
@@ -4969,10 +4917,9 @@
           <a:lstStyle/>
           <a:p>
             <a:r>
-              <a:rPr lang="en-US" smtClean="0"/>
+              <a:rPr lang="en-US"/>
               <a:t>Click to edit Master title style</a:t>
             </a:r>
-            <a:endParaRPr lang="en-US"/>
           </a:p>
         </p:txBody>
       </p:sp>
@@ -5029,38 +4976,37 @@
           <a:p>
             <a:pPr lvl="0"/>
             <a:r>
-              <a:rPr lang="en-US" smtClean="0"/>
+              <a:rPr lang="en-US"/>
               <a:t>Click to edit Master text styles</a:t>
             </a:r>
           </a:p>
           <a:p>
             <a:pPr lvl="1"/>
             <a:r>
-              <a:rPr lang="en-US" smtClean="0"/>
+              <a:rPr lang="en-US"/>
               <a:t>Second level</a:t>
             </a:r>
           </a:p>
           <a:p>
             <a:pPr lvl="2"/>
             <a:r>
-              <a:rPr lang="en-US" smtClean="0"/>
+              <a:rPr lang="en-US"/>
               <a:t>Third level</a:t>
             </a:r>
           </a:p>
           <a:p>
             <a:pPr lvl="3"/>
             <a:r>
-              <a:rPr lang="en-US" smtClean="0"/>
+              <a:rPr lang="en-US"/>
               <a:t>Fourth level</a:t>
             </a:r>
           </a:p>
           <a:p>
             <a:pPr lvl="4"/>
             <a:r>
-              <a:rPr lang="en-US" smtClean="0"/>
+              <a:rPr lang="en-US"/>
               <a:t>Fifth level</a:t>
             </a:r>
-            <a:endParaRPr lang="en-US"/>
           </a:p>
         </p:txBody>
       </p:sp>
@@ -5117,38 +5063,37 @@
           <a:p>
             <a:pPr lvl="0"/>
             <a:r>
-              <a:rPr lang="en-US" smtClean="0"/>
+              <a:rPr lang="en-US"/>
               <a:t>Click to edit Master text styles</a:t>
             </a:r>
           </a:p>
           <a:p>
             <a:pPr lvl="1"/>
             <a:r>
-              <a:rPr lang="en-US" smtClean="0"/>
+              <a:rPr lang="en-US"/>
               <a:t>Second level</a:t>
             </a:r>
           </a:p>
           <a:p>
             <a:pPr lvl="2"/>
             <a:r>
-              <a:rPr lang="en-US" smtClean="0"/>
+              <a:rPr lang="en-US"/>
               <a:t>Third level</a:t>
             </a:r>
           </a:p>
           <a:p>
             <a:pPr lvl="3"/>
             <a:r>
-              <a:rPr lang="en-US" smtClean="0"/>
+              <a:rPr lang="en-US"/>
               <a:t>Fourth level</a:t>
             </a:r>
           </a:p>
           <a:p>
             <a:pPr lvl="4"/>
             <a:r>
-              <a:rPr lang="en-US" smtClean="0"/>
+              <a:rPr lang="en-US"/>
               <a:t>Fifth level</a:t>
             </a:r>
-            <a:endParaRPr lang="en-US"/>
           </a:p>
         </p:txBody>
       </p:sp>
@@ -5203,10 +5148,9 @@
           </a:lstStyle>
           <a:p>
             <a:r>
-              <a:rPr lang="en-US" smtClean="0"/>
+              <a:rPr lang="en-US"/>
               <a:t>Click to edit Master title style</a:t>
             </a:r>
-            <a:endParaRPr lang="en-US"/>
           </a:p>
         </p:txBody>
       </p:sp>
@@ -5272,7 +5216,7 @@
           <a:p>
             <a:pPr lvl="0"/>
             <a:r>
-              <a:rPr lang="en-US" smtClean="0"/>
+              <a:rPr lang="en-US"/>
               <a:t>Click to edit Master text styles</a:t>
             </a:r>
           </a:p>
@@ -5331,38 +5275,37 @@
           <a:p>
             <a:pPr lvl="0"/>
             <a:r>
-              <a:rPr lang="en-US" smtClean="0"/>
+              <a:rPr lang="en-US"/>
               <a:t>Click to edit Master text styles</a:t>
             </a:r>
           </a:p>
           <a:p>
             <a:pPr lvl="1"/>
             <a:r>
-              <a:rPr lang="en-US" smtClean="0"/>
+              <a:rPr lang="en-US"/>
               <a:t>Second level</a:t>
             </a:r>
           </a:p>
           <a:p>
             <a:pPr lvl="2"/>
             <a:r>
-              <a:rPr lang="en-US" smtClean="0"/>
+              <a:rPr lang="en-US"/>
               <a:t>Third level</a:t>
             </a:r>
           </a:p>
           <a:p>
             <a:pPr lvl="3"/>
             <a:r>
-              <a:rPr lang="en-US" smtClean="0"/>
+              <a:rPr lang="en-US"/>
               <a:t>Fourth level</a:t>
             </a:r>
           </a:p>
           <a:p>
             <a:pPr lvl="4"/>
             <a:r>
-              <a:rPr lang="en-US" smtClean="0"/>
+              <a:rPr lang="en-US"/>
               <a:t>Fifth level</a:t>
             </a:r>
-            <a:endParaRPr lang="en-US"/>
           </a:p>
         </p:txBody>
       </p:sp>
@@ -5428,7 +5371,7 @@
           <a:p>
             <a:pPr lvl="0"/>
             <a:r>
-              <a:rPr lang="en-US" smtClean="0"/>
+              <a:rPr lang="en-US"/>
               <a:t>Click to edit Master text styles</a:t>
             </a:r>
           </a:p>
@@ -5487,38 +5430,37 @@
           <a:p>
             <a:pPr lvl="0"/>
             <a:r>
-              <a:rPr lang="en-US" smtClean="0"/>
+              <a:rPr lang="en-US"/>
               <a:t>Click to edit Master text styles</a:t>
             </a:r>
           </a:p>
           <a:p>
             <a:pPr lvl="1"/>
             <a:r>
-              <a:rPr lang="en-US" smtClean="0"/>
+              <a:rPr lang="en-US"/>
               <a:t>Second level</a:t>
             </a:r>
           </a:p>
           <a:p>
             <a:pPr lvl="2"/>
             <a:r>
-              <a:rPr lang="en-US" smtClean="0"/>
+              <a:rPr lang="en-US"/>
               <a:t>Third level</a:t>
             </a:r>
           </a:p>
           <a:p>
             <a:pPr lvl="3"/>
             <a:r>
-              <a:rPr lang="en-US" smtClean="0"/>
+              <a:rPr lang="en-US"/>
               <a:t>Fourth level</a:t>
             </a:r>
           </a:p>
           <a:p>
             <a:pPr lvl="4"/>
             <a:r>
-              <a:rPr lang="en-US" smtClean="0"/>
+              <a:rPr lang="en-US"/>
               <a:t>Fifth level</a:t>
             </a:r>
-            <a:endParaRPr lang="en-US"/>
           </a:p>
         </p:txBody>
       </p:sp>
@@ -5564,10 +5506,9 @@
           <a:lstStyle/>
           <a:p>
             <a:r>
-              <a:rPr lang="en-US" smtClean="0"/>
+              <a:rPr lang="en-US"/>
               <a:t>Click to edit Master title style</a:t>
             </a:r>
-            <a:endParaRPr lang="en-US"/>
           </a:p>
         </p:txBody>
       </p:sp>
@@ -5613,10 +5554,9 @@
           <a:lstStyle/>
           <a:p>
             <a:r>
-              <a:rPr lang="en-US" smtClean="0"/>
+              <a:rPr lang="en-US"/>
               <a:t>Click to edit Master title style</a:t>
             </a:r>
-            <a:endParaRPr lang="en-US"/>
           </a:p>
         </p:txBody>
       </p:sp>
@@ -5670,38 +5610,37 @@
           <a:p>
             <a:pPr lvl="0"/>
             <a:r>
-              <a:rPr lang="en-US" smtClean="0"/>
+              <a:rPr lang="en-US"/>
               <a:t>Click to edit Master text styles</a:t>
             </a:r>
           </a:p>
           <a:p>
             <a:pPr lvl="1"/>
             <a:r>
-              <a:rPr lang="en-US" smtClean="0"/>
+              <a:rPr lang="en-US"/>
               <a:t>Second level</a:t>
             </a:r>
           </a:p>
           <a:p>
             <a:pPr lvl="2"/>
             <a:r>
-              <a:rPr lang="en-US" smtClean="0"/>
+              <a:rPr lang="en-US"/>
               <a:t>Third level</a:t>
             </a:r>
           </a:p>
           <a:p>
             <a:pPr lvl="3"/>
             <a:r>
-              <a:rPr lang="en-US" smtClean="0"/>
+              <a:rPr lang="en-US"/>
               <a:t>Fourth level</a:t>
             </a:r>
           </a:p>
           <a:p>
             <a:pPr lvl="4"/>
             <a:r>
-              <a:rPr lang="en-US" smtClean="0"/>
+              <a:rPr lang="en-US"/>
               <a:t>Fifth level</a:t>
             </a:r>
-            <a:endParaRPr lang="en-US"/>
           </a:p>
         </p:txBody>
       </p:sp>
@@ -5755,38 +5694,37 @@
           <a:p>
             <a:pPr lvl="0"/>
             <a:r>
-              <a:rPr lang="en-US" smtClean="0"/>
+              <a:rPr lang="en-US"/>
               <a:t>Click to edit Master text styles</a:t>
             </a:r>
           </a:p>
           <a:p>
             <a:pPr lvl="1"/>
             <a:r>
-              <a:rPr lang="en-US" smtClean="0"/>
+              <a:rPr lang="en-US"/>
               <a:t>Second level</a:t>
             </a:r>
           </a:p>
           <a:p>
             <a:pPr lvl="2"/>
             <a:r>
-              <a:rPr lang="en-US" smtClean="0"/>
+              <a:rPr lang="en-US"/>
               <a:t>Third level</a:t>
             </a:r>
           </a:p>
           <a:p>
             <a:pPr lvl="3"/>
             <a:r>
-              <a:rPr lang="en-US" smtClean="0"/>
+              <a:rPr lang="en-US"/>
               <a:t>Fourth level</a:t>
             </a:r>
           </a:p>
           <a:p>
             <a:pPr lvl="4"/>
             <a:r>
-              <a:rPr lang="en-US" smtClean="0"/>
+              <a:rPr lang="en-US"/>
               <a:t>Fifth level</a:t>
             </a:r>
-            <a:endParaRPr lang="en-US"/>
           </a:p>
         </p:txBody>
       </p:sp>
@@ -5867,10 +5805,9 @@
           </a:lstStyle>
           <a:p>
             <a:r>
-              <a:rPr lang="en-US" smtClean="0"/>
+              <a:rPr lang="en-US"/>
               <a:t>Click to edit Master title style</a:t>
             </a:r>
-            <a:endParaRPr lang="en-US"/>
           </a:p>
         </p:txBody>
       </p:sp>
@@ -5927,38 +5864,37 @@
           <a:p>
             <a:pPr lvl="0"/>
             <a:r>
-              <a:rPr lang="en-US" smtClean="0"/>
+              <a:rPr lang="en-US"/>
               <a:t>Click to edit Master text styles</a:t>
             </a:r>
           </a:p>
           <a:p>
             <a:pPr lvl="1"/>
             <a:r>
-              <a:rPr lang="en-US" smtClean="0"/>
+              <a:rPr lang="en-US"/>
               <a:t>Second level</a:t>
             </a:r>
           </a:p>
           <a:p>
             <a:pPr lvl="2"/>
             <a:r>
-              <a:rPr lang="en-US" smtClean="0"/>
+              <a:rPr lang="en-US"/>
               <a:t>Third level</a:t>
             </a:r>
           </a:p>
           <a:p>
             <a:pPr lvl="3"/>
             <a:r>
-              <a:rPr lang="en-US" smtClean="0"/>
+              <a:rPr lang="en-US"/>
               <a:t>Fourth level</a:t>
             </a:r>
           </a:p>
           <a:p>
             <a:pPr lvl="4"/>
             <a:r>
-              <a:rPr lang="en-US" smtClean="0"/>
+              <a:rPr lang="en-US"/>
               <a:t>Fifth level</a:t>
             </a:r>
-            <a:endParaRPr lang="en-US"/>
           </a:p>
         </p:txBody>
       </p:sp>
@@ -6024,7 +5960,7 @@
           <a:p>
             <a:pPr lvl="0"/>
             <a:r>
-              <a:rPr lang="en-US" smtClean="0"/>
+              <a:rPr lang="en-US"/>
               <a:t>Click to edit Master text styles</a:t>
             </a:r>
           </a:p>
@@ -6081,10 +6017,9 @@
           </a:lstStyle>
           <a:p>
             <a:r>
-              <a:rPr lang="en-US" smtClean="0"/>
+              <a:rPr lang="en-US"/>
               <a:t>Click to edit Master title style</a:t>
             </a:r>
-            <a:endParaRPr lang="en-US"/>
           </a:p>
         </p:txBody>
       </p:sp>
@@ -6149,7 +6084,7 @@
           </a:lstStyle>
           <a:p>
             <a:pPr lvl="0"/>
-            <a:endParaRPr lang="en-US" noProof="0" smtClean="0">
+            <a:endParaRPr lang="en-US" noProof="0">
               <a:sym typeface="Arial" charset="0"/>
             </a:endParaRPr>
           </a:p>
@@ -6217,7 +6152,7 @@
           <a:p>
             <a:pPr lvl="0"/>
             <a:r>
-              <a:rPr lang="en-US" smtClean="0"/>
+              <a:rPr lang="en-US"/>
               <a:t>Click to edit Master text styles</a:t>
             </a:r>
           </a:p>
@@ -6265,10 +6200,9 @@
           <a:lstStyle/>
           <a:p>
             <a:r>
-              <a:rPr lang="en-US" smtClean="0"/>
+              <a:rPr lang="en-US"/>
               <a:t>Click to edit Master title style</a:t>
             </a:r>
-            <a:endParaRPr lang="en-US"/>
           </a:p>
         </p:txBody>
       </p:sp>
@@ -6297,38 +6231,37 @@
           <a:p>
             <a:pPr lvl="0"/>
             <a:r>
-              <a:rPr lang="en-US" smtClean="0"/>
+              <a:rPr lang="en-US"/>
               <a:t>Click to edit Master text styles</a:t>
             </a:r>
           </a:p>
           <a:p>
             <a:pPr lvl="1"/>
             <a:r>
-              <a:rPr lang="en-US" smtClean="0"/>
+              <a:rPr lang="en-US"/>
               <a:t>Second level</a:t>
             </a:r>
           </a:p>
           <a:p>
             <a:pPr lvl="2"/>
             <a:r>
-              <a:rPr lang="en-US" smtClean="0"/>
+              <a:rPr lang="en-US"/>
               <a:t>Third level</a:t>
             </a:r>
           </a:p>
           <a:p>
             <a:pPr lvl="3"/>
             <a:r>
-              <a:rPr lang="en-US" smtClean="0"/>
+              <a:rPr lang="en-US"/>
               <a:t>Fourth level</a:t>
             </a:r>
           </a:p>
           <a:p>
             <a:pPr lvl="4"/>
             <a:r>
-              <a:rPr lang="en-US" smtClean="0"/>
+              <a:rPr lang="en-US"/>
               <a:t>Fifth level</a:t>
             </a:r>
-            <a:endParaRPr lang="en-US"/>
           </a:p>
         </p:txBody>
       </p:sp>
@@ -6379,10 +6312,9 @@
           <a:lstStyle/>
           <a:p>
             <a:r>
-              <a:rPr lang="en-US" smtClean="0"/>
+              <a:rPr lang="en-US"/>
               <a:t>Click to edit Master title style</a:t>
             </a:r>
-            <a:endParaRPr lang="en-US"/>
           </a:p>
         </p:txBody>
       </p:sp>
@@ -6411,38 +6343,37 @@
           <a:p>
             <a:pPr lvl="0"/>
             <a:r>
-              <a:rPr lang="en-US" smtClean="0"/>
+              <a:rPr lang="en-US"/>
               <a:t>Click to edit Master text styles</a:t>
             </a:r>
           </a:p>
           <a:p>
             <a:pPr lvl="1"/>
             <a:r>
-              <a:rPr lang="en-US" smtClean="0"/>
+              <a:rPr lang="en-US"/>
               <a:t>Second level</a:t>
             </a:r>
           </a:p>
           <a:p>
             <a:pPr lvl="2"/>
             <a:r>
-              <a:rPr lang="en-US" smtClean="0"/>
+              <a:rPr lang="en-US"/>
               <a:t>Third level</a:t>
             </a:r>
           </a:p>
           <a:p>
             <a:pPr lvl="3"/>
             <a:r>
-              <a:rPr lang="en-US" smtClean="0"/>
+              <a:rPr lang="en-US"/>
               <a:t>Fourth level</a:t>
             </a:r>
           </a:p>
           <a:p>
             <a:pPr lvl="4"/>
             <a:r>
-              <a:rPr lang="en-US" smtClean="0"/>
+              <a:rPr lang="en-US"/>
               <a:t>Fifth level</a:t>
             </a:r>
-            <a:endParaRPr lang="en-US"/>
           </a:p>
         </p:txBody>
       </p:sp>
@@ -6493,10 +6424,9 @@
           <a:lstStyle/>
           <a:p>
             <a:r>
-              <a:rPr lang="en-US" smtClean="0"/>
+              <a:rPr lang="en-US"/>
               <a:t>Click to edit Master title style</a:t>
             </a:r>
-            <a:endParaRPr lang="en-US"/>
           </a:p>
         </p:txBody>
       </p:sp>
@@ -6558,10 +6488,9 @@
           </a:lstStyle>
           <a:p>
             <a:r>
-              <a:rPr lang="en-US" smtClean="0"/>
+              <a:rPr lang="en-US"/>
               <a:t>Click to edit Master subtitle style</a:t>
             </a:r>
-            <a:endParaRPr lang="en-US"/>
           </a:p>
         </p:txBody>
       </p:sp>
@@ -6607,10 +6536,9 @@
           <a:lstStyle/>
           <a:p>
             <a:r>
-              <a:rPr lang="en-US" smtClean="0"/>
+              <a:rPr lang="en-US"/>
               <a:t>Click to edit Master title style</a:t>
             </a:r>
-            <a:endParaRPr lang="en-US"/>
           </a:p>
         </p:txBody>
       </p:sp>
@@ -6631,38 +6559,37 @@
           <a:p>
             <a:pPr lvl="0"/>
             <a:r>
-              <a:rPr lang="en-US" smtClean="0"/>
+              <a:rPr lang="en-US"/>
               <a:t>Click to edit Master text styles</a:t>
             </a:r>
           </a:p>
           <a:p>
             <a:pPr lvl="1"/>
             <a:r>
-              <a:rPr lang="en-US" smtClean="0"/>
+              <a:rPr lang="en-US"/>
               <a:t>Second level</a:t>
             </a:r>
           </a:p>
           <a:p>
             <a:pPr lvl="2"/>
             <a:r>
-              <a:rPr lang="en-US" smtClean="0"/>
+              <a:rPr lang="en-US"/>
               <a:t>Third level</a:t>
             </a:r>
           </a:p>
           <a:p>
             <a:pPr lvl="3"/>
             <a:r>
-              <a:rPr lang="en-US" smtClean="0"/>
+              <a:rPr lang="en-US"/>
               <a:t>Fourth level</a:t>
             </a:r>
           </a:p>
           <a:p>
             <a:pPr lvl="4"/>
             <a:r>
-              <a:rPr lang="en-US" smtClean="0"/>
+              <a:rPr lang="en-US"/>
               <a:t>Fifth level</a:t>
             </a:r>
-            <a:endParaRPr lang="en-US"/>
           </a:p>
         </p:txBody>
       </p:sp>
@@ -6717,10 +6644,9 @@
           </a:lstStyle>
           <a:p>
             <a:r>
-              <a:rPr lang="en-US" smtClean="0"/>
+              <a:rPr lang="en-US"/>
               <a:t>Click to edit Master title style</a:t>
             </a:r>
-            <a:endParaRPr lang="en-US"/>
           </a:p>
         </p:txBody>
       </p:sp>
@@ -6783,7 +6709,7 @@
           <a:p>
             <a:pPr lvl="0"/>
             <a:r>
-              <a:rPr lang="en-US" smtClean="0"/>
+              <a:rPr lang="en-US"/>
               <a:t>Click to edit Master text styles</a:t>
             </a:r>
           </a:p>
@@ -6831,10 +6757,9 @@
           <a:lstStyle/>
           <a:p>
             <a:r>
-              <a:rPr lang="en-US" smtClean="0"/>
+              <a:rPr lang="en-US"/>
               <a:t>Click to edit Master title style</a:t>
             </a:r>
-            <a:endParaRPr lang="en-US"/>
           </a:p>
         </p:txBody>
       </p:sp>
@@ -6888,38 +6813,37 @@
           <a:p>
             <a:pPr lvl="0"/>
             <a:r>
-              <a:rPr lang="en-US" smtClean="0"/>
+              <a:rPr lang="en-US"/>
               <a:t>Click to edit Master text styles</a:t>
             </a:r>
           </a:p>
           <a:p>
             <a:pPr lvl="1"/>
             <a:r>
-              <a:rPr lang="en-US" smtClean="0"/>
+              <a:rPr lang="en-US"/>
               <a:t>Second level</a:t>
             </a:r>
           </a:p>
           <a:p>
             <a:pPr lvl="2"/>
             <a:r>
-              <a:rPr lang="en-US" smtClean="0"/>
+              <a:rPr lang="en-US"/>
               <a:t>Third level</a:t>
             </a:r>
           </a:p>
           <a:p>
             <a:pPr lvl="3"/>
             <a:r>
-              <a:rPr lang="en-US" smtClean="0"/>
+              <a:rPr lang="en-US"/>
               <a:t>Fourth level</a:t>
             </a:r>
           </a:p>
           <a:p>
             <a:pPr lvl="4"/>
             <a:r>
-              <a:rPr lang="en-US" smtClean="0"/>
+              <a:rPr lang="en-US"/>
               <a:t>Fifth level</a:t>
             </a:r>
-            <a:endParaRPr lang="en-US"/>
           </a:p>
         </p:txBody>
       </p:sp>
@@ -6973,38 +6897,37 @@
           <a:p>
             <a:pPr lvl="0"/>
             <a:r>
-              <a:rPr lang="en-US" smtClean="0"/>
+              <a:rPr lang="en-US"/>
               <a:t>Click to edit Master text styles</a:t>
             </a:r>
           </a:p>
           <a:p>
             <a:pPr lvl="1"/>
             <a:r>
-              <a:rPr lang="en-US" smtClean="0"/>
+              <a:rPr lang="en-US"/>
               <a:t>Second level</a:t>
             </a:r>
           </a:p>
           <a:p>
             <a:pPr lvl="2"/>
             <a:r>
-              <a:rPr lang="en-US" smtClean="0"/>
+              <a:rPr lang="en-US"/>
               <a:t>Third level</a:t>
             </a:r>
           </a:p>
           <a:p>
             <a:pPr lvl="3"/>
             <a:r>
-              <a:rPr lang="en-US" smtClean="0"/>
+              <a:rPr lang="en-US"/>
               <a:t>Fourth level</a:t>
             </a:r>
           </a:p>
           <a:p>
             <a:pPr lvl="4"/>
             <a:r>
-              <a:rPr lang="en-US" smtClean="0"/>
+              <a:rPr lang="en-US"/>
               <a:t>Fifth level</a:t>
             </a:r>
-            <a:endParaRPr lang="en-US"/>
           </a:p>
         </p:txBody>
       </p:sp>
@@ -7059,10 +6982,9 @@
           </a:lstStyle>
           <a:p>
             <a:r>
-              <a:rPr lang="en-US" smtClean="0"/>
+              <a:rPr lang="en-US"/>
               <a:t>Click to edit Master title style</a:t>
             </a:r>
-            <a:endParaRPr lang="en-US"/>
           </a:p>
         </p:txBody>
       </p:sp>
@@ -7125,7 +7047,7 @@
           <a:p>
             <a:pPr lvl="0"/>
             <a:r>
-              <a:rPr lang="en-US" smtClean="0"/>
+              <a:rPr lang="en-US"/>
               <a:t>Click to edit Master text styles</a:t>
             </a:r>
           </a:p>
@@ -7181,38 +7103,37 @@
           <a:p>
             <a:pPr lvl="0"/>
             <a:r>
-              <a:rPr lang="en-US" smtClean="0"/>
+              <a:rPr lang="en-US"/>
               <a:t>Click to edit Master text styles</a:t>
             </a:r>
           </a:p>
           <a:p>
             <a:pPr lvl="1"/>
             <a:r>
-              <a:rPr lang="en-US" smtClean="0"/>
+              <a:rPr lang="en-US"/>
               <a:t>Second level</a:t>
             </a:r>
           </a:p>
           <a:p>
             <a:pPr lvl="2"/>
             <a:r>
-              <a:rPr lang="en-US" smtClean="0"/>
+              <a:rPr lang="en-US"/>
               <a:t>Third level</a:t>
             </a:r>
           </a:p>
           <a:p>
             <a:pPr lvl="3"/>
             <a:r>
-              <a:rPr lang="en-US" smtClean="0"/>
+              <a:rPr lang="en-US"/>
               <a:t>Fourth level</a:t>
             </a:r>
           </a:p>
           <a:p>
             <a:pPr lvl="4"/>
             <a:r>
-              <a:rPr lang="en-US" smtClean="0"/>
+              <a:rPr lang="en-US"/>
               <a:t>Fifth level</a:t>
             </a:r>
-            <a:endParaRPr lang="en-US"/>
           </a:p>
         </p:txBody>
       </p:sp>
@@ -7275,7 +7196,7 @@
           <a:p>
             <a:pPr lvl="0"/>
             <a:r>
-              <a:rPr lang="en-US" smtClean="0"/>
+              <a:rPr lang="en-US"/>
               <a:t>Click to edit Master text styles</a:t>
             </a:r>
           </a:p>
@@ -7331,38 +7252,37 @@
           <a:p>
             <a:pPr lvl="0"/>
             <a:r>
-              <a:rPr lang="en-US" smtClean="0"/>
+              <a:rPr lang="en-US"/>
               <a:t>Click to edit Master text styles</a:t>
             </a:r>
           </a:p>
           <a:p>
             <a:pPr lvl="1"/>
             <a:r>
-              <a:rPr lang="en-US" smtClean="0"/>
+              <a:rPr lang="en-US"/>
               <a:t>Second level</a:t>
             </a:r>
           </a:p>
           <a:p>
             <a:pPr lvl="2"/>
             <a:r>
-              <a:rPr lang="en-US" smtClean="0"/>
+              <a:rPr lang="en-US"/>
               <a:t>Third level</a:t>
             </a:r>
           </a:p>
           <a:p>
             <a:pPr lvl="3"/>
             <a:r>
-              <a:rPr lang="en-US" smtClean="0"/>
+              <a:rPr lang="en-US"/>
               <a:t>Fourth level</a:t>
             </a:r>
           </a:p>
           <a:p>
             <a:pPr lvl="4"/>
             <a:r>
-              <a:rPr lang="en-US" smtClean="0"/>
+              <a:rPr lang="en-US"/>
               <a:t>Fifth level</a:t>
             </a:r>
-            <a:endParaRPr lang="en-US"/>
           </a:p>
         </p:txBody>
       </p:sp>
@@ -7417,10 +7337,9 @@
           </a:lstStyle>
           <a:p>
             <a:r>
-              <a:rPr lang="en-US" smtClean="0"/>
+              <a:rPr lang="en-US"/>
               <a:t>Click to edit Master title style</a:t>
             </a:r>
-            <a:endParaRPr lang="en-US"/>
           </a:p>
         </p:txBody>
       </p:sp>
@@ -7483,7 +7402,7 @@
           <a:p>
             <a:pPr lvl="0"/>
             <a:r>
-              <a:rPr lang="en-US" smtClean="0"/>
+              <a:rPr lang="en-US"/>
               <a:t>Click to edit Master text styles</a:t>
             </a:r>
           </a:p>
@@ -7539,38 +7458,37 @@
           <a:p>
             <a:pPr lvl="0"/>
             <a:r>
-              <a:rPr lang="en-US" smtClean="0"/>
+              <a:rPr lang="en-US"/>
               <a:t>Click to edit Master text styles</a:t>
             </a:r>
           </a:p>
           <a:p>
             <a:pPr lvl="1"/>
             <a:r>
-              <a:rPr lang="en-US" smtClean="0"/>
+              <a:rPr lang="en-US"/>
               <a:t>Second level</a:t>
             </a:r>
           </a:p>
           <a:p>
             <a:pPr lvl="2"/>
             <a:r>
-              <a:rPr lang="en-US" smtClean="0"/>
+              <a:rPr lang="en-US"/>
               <a:t>Third level</a:t>
             </a:r>
           </a:p>
           <a:p>
             <a:pPr lvl="3"/>
             <a:r>
-              <a:rPr lang="en-US" smtClean="0"/>
+              <a:rPr lang="en-US"/>
               <a:t>Fourth level</a:t>
             </a:r>
           </a:p>
           <a:p>
             <a:pPr lvl="4"/>
             <a:r>
-              <a:rPr lang="en-US" smtClean="0"/>
+              <a:rPr lang="en-US"/>
               <a:t>Fifth level</a:t>
             </a:r>
-            <a:endParaRPr lang="en-US"/>
           </a:p>
         </p:txBody>
       </p:sp>
@@ -7633,7 +7551,7 @@
           <a:p>
             <a:pPr lvl="0"/>
             <a:r>
-              <a:rPr lang="en-US" smtClean="0"/>
+              <a:rPr lang="en-US"/>
               <a:t>Click to edit Master text styles</a:t>
             </a:r>
           </a:p>
@@ -7689,38 +7607,37 @@
           <a:p>
             <a:pPr lvl="0"/>
             <a:r>
-              <a:rPr lang="en-US" smtClean="0"/>
+              <a:rPr lang="en-US"/>
               <a:t>Click to edit Master text styles</a:t>
             </a:r>
           </a:p>
           <a:p>
             <a:pPr lvl="1"/>
             <a:r>
-              <a:rPr lang="en-US" smtClean="0"/>
+              <a:rPr lang="en-US"/>
               <a:t>Second level</a:t>
             </a:r>
           </a:p>
           <a:p>
             <a:pPr lvl="2"/>
             <a:r>
-              <a:rPr lang="en-US" smtClean="0"/>
+              <a:rPr lang="en-US"/>
               <a:t>Third level</a:t>
             </a:r>
           </a:p>
           <a:p>
             <a:pPr lvl="3"/>
             <a:r>
-              <a:rPr lang="en-US" smtClean="0"/>
+              <a:rPr lang="en-US"/>
               <a:t>Fourth level</a:t>
             </a:r>
           </a:p>
           <a:p>
             <a:pPr lvl="4"/>
             <a:r>
-              <a:rPr lang="en-US" smtClean="0"/>
+              <a:rPr lang="en-US"/>
               <a:t>Fifth level</a:t>
             </a:r>
-            <a:endParaRPr lang="en-US"/>
           </a:p>
         </p:txBody>
       </p:sp>
@@ -7766,10 +7683,9 @@
           <a:lstStyle/>
           <a:p>
             <a:r>
-              <a:rPr lang="en-US" smtClean="0"/>
+              <a:rPr lang="en-US"/>
               <a:t>Click to edit Master title style</a:t>
             </a:r>
-            <a:endParaRPr lang="en-US"/>
           </a:p>
         </p:txBody>
       </p:sp>
@@ -7850,10 +7766,9 @@
           </a:lstStyle>
           <a:p>
             <a:r>
-              <a:rPr lang="en-US" smtClean="0"/>
+              <a:rPr lang="en-US"/>
               <a:t>Click to edit Master title style</a:t>
             </a:r>
-            <a:endParaRPr lang="en-US"/>
           </a:p>
         </p:txBody>
       </p:sp>
@@ -7907,38 +7822,37 @@
           <a:p>
             <a:pPr lvl="0"/>
             <a:r>
-              <a:rPr lang="en-US" smtClean="0"/>
+              <a:rPr lang="en-US"/>
               <a:t>Click to edit Master text styles</a:t>
             </a:r>
           </a:p>
           <a:p>
             <a:pPr lvl="1"/>
             <a:r>
-              <a:rPr lang="en-US" smtClean="0"/>
+              <a:rPr lang="en-US"/>
               <a:t>Second level</a:t>
             </a:r>
           </a:p>
           <a:p>
             <a:pPr lvl="2"/>
             <a:r>
-              <a:rPr lang="en-US" smtClean="0"/>
+              <a:rPr lang="en-US"/>
               <a:t>Third level</a:t>
             </a:r>
           </a:p>
           <a:p>
             <a:pPr lvl="3"/>
             <a:r>
-              <a:rPr lang="en-US" smtClean="0"/>
+              <a:rPr lang="en-US"/>
               <a:t>Fourth level</a:t>
             </a:r>
           </a:p>
           <a:p>
             <a:pPr lvl="4"/>
             <a:r>
-              <a:rPr lang="en-US" smtClean="0"/>
+              <a:rPr lang="en-US"/>
               <a:t>Fifth level</a:t>
             </a:r>
-            <a:endParaRPr lang="en-US"/>
           </a:p>
         </p:txBody>
       </p:sp>
@@ -8001,7 +7915,7 @@
           <a:p>
             <a:pPr lvl="0"/>
             <a:r>
-              <a:rPr lang="en-US" smtClean="0"/>
+              <a:rPr lang="en-US"/>
               <a:t>Click to edit Master text styles</a:t>
             </a:r>
           </a:p>
@@ -8058,10 +7972,9 @@
           </a:lstStyle>
           <a:p>
             <a:r>
-              <a:rPr lang="en-US" smtClean="0"/>
+              <a:rPr lang="en-US"/>
               <a:t>Click to edit Master title style</a:t>
             </a:r>
-            <a:endParaRPr lang="en-US"/>
           </a:p>
         </p:txBody>
       </p:sp>
@@ -8123,7 +8036,7 @@
           </a:lstStyle>
           <a:p>
             <a:pPr lvl="0"/>
-            <a:endParaRPr lang="en-US" noProof="0" smtClean="0">
+            <a:endParaRPr lang="en-US" noProof="0">
               <a:sym typeface="Arial" charset="0"/>
             </a:endParaRPr>
           </a:p>
@@ -8188,7 +8101,7 @@
           <a:p>
             <a:pPr lvl="0"/>
             <a:r>
-              <a:rPr lang="en-US" smtClean="0"/>
+              <a:rPr lang="en-US"/>
               <a:t>Click to edit Master text styles</a:t>
             </a:r>
           </a:p>
@@ -8236,10 +8149,9 @@
           <a:lstStyle/>
           <a:p>
             <a:r>
-              <a:rPr lang="en-US" smtClean="0"/>
+              <a:rPr lang="en-US"/>
               <a:t>Click to edit Master title style</a:t>
             </a:r>
-            <a:endParaRPr lang="en-US"/>
           </a:p>
         </p:txBody>
       </p:sp>
@@ -8260,38 +8172,37 @@
           <a:p>
             <a:pPr lvl="0"/>
             <a:r>
-              <a:rPr lang="en-US" smtClean="0"/>
+              <a:rPr lang="en-US"/>
               <a:t>Click to edit Master text styles</a:t>
             </a:r>
           </a:p>
           <a:p>
             <a:pPr lvl="1"/>
             <a:r>
-              <a:rPr lang="en-US" smtClean="0"/>
+              <a:rPr lang="en-US"/>
               <a:t>Second level</a:t>
             </a:r>
           </a:p>
           <a:p>
             <a:pPr lvl="2"/>
             <a:r>
-              <a:rPr lang="en-US" smtClean="0"/>
+              <a:rPr lang="en-US"/>
               <a:t>Third level</a:t>
             </a:r>
           </a:p>
           <a:p>
             <a:pPr lvl="3"/>
             <a:r>
-              <a:rPr lang="en-US" smtClean="0"/>
+              <a:rPr lang="en-US"/>
               <a:t>Fourth level</a:t>
             </a:r>
           </a:p>
           <a:p>
             <a:pPr lvl="4"/>
             <a:r>
-              <a:rPr lang="en-US" smtClean="0"/>
+              <a:rPr lang="en-US"/>
               <a:t>Fifth level</a:t>
             </a:r>
-            <a:endParaRPr lang="en-US"/>
           </a:p>
         </p:txBody>
       </p:sp>
@@ -8342,10 +8253,9 @@
           <a:lstStyle/>
           <a:p>
             <a:r>
-              <a:rPr lang="en-US" smtClean="0"/>
+              <a:rPr lang="en-US"/>
               <a:t>Click to edit Master title style</a:t>
             </a:r>
-            <a:endParaRPr lang="en-US"/>
           </a:p>
         </p:txBody>
       </p:sp>
@@ -8371,38 +8281,37 @@
           <a:p>
             <a:pPr lvl="0"/>
             <a:r>
-              <a:rPr lang="en-US" smtClean="0"/>
+              <a:rPr lang="en-US"/>
               <a:t>Click to edit Master text styles</a:t>
             </a:r>
           </a:p>
           <a:p>
             <a:pPr lvl="1"/>
             <a:r>
-              <a:rPr lang="en-US" smtClean="0"/>
+              <a:rPr lang="en-US"/>
               <a:t>Second level</a:t>
             </a:r>
           </a:p>
           <a:p>
             <a:pPr lvl="2"/>
             <a:r>
-              <a:rPr lang="en-US" smtClean="0"/>
+              <a:rPr lang="en-US"/>
               <a:t>Third level</a:t>
             </a:r>
           </a:p>
           <a:p>
             <a:pPr lvl="3"/>
             <a:r>
-              <a:rPr lang="en-US" smtClean="0"/>
+              <a:rPr lang="en-US"/>
               <a:t>Fourth level</a:t>
             </a:r>
           </a:p>
           <a:p>
             <a:pPr lvl="4"/>
             <a:r>
-              <a:rPr lang="en-US" smtClean="0"/>
+              <a:rPr lang="en-US"/>
               <a:t>Fifth level</a:t>
             </a:r>
-            <a:endParaRPr lang="en-US"/>
           </a:p>
         </p:txBody>
       </p:sp>
@@ -8456,10 +8365,9 @@
           <a:lstStyle/>
           <a:p>
             <a:r>
-              <a:rPr lang="en-US" smtClean="0"/>
+              <a:rPr lang="en-US"/>
               <a:t>Click to edit Master title style</a:t>
             </a:r>
-            <a:endParaRPr lang="en-US"/>
           </a:p>
         </p:txBody>
       </p:sp>
@@ -8524,10 +8432,9 @@
           </a:lstStyle>
           <a:p>
             <a:r>
-              <a:rPr lang="en-US" smtClean="0"/>
+              <a:rPr lang="en-US"/>
               <a:t>Click to edit Master subtitle style</a:t>
             </a:r>
-            <a:endParaRPr lang="en-US"/>
           </a:p>
         </p:txBody>
       </p:sp>
@@ -8581,10 +8488,9 @@
           <a:lstStyle/>
           <a:p>
             <a:r>
-              <a:rPr lang="en-US" smtClean="0"/>
+              <a:rPr lang="en-US"/>
               <a:t>Click to edit Master title style</a:t>
             </a:r>
-            <a:endParaRPr lang="en-US"/>
           </a:p>
         </p:txBody>
       </p:sp>
@@ -8613,38 +8519,37 @@
           <a:p>
             <a:pPr lvl="0"/>
             <a:r>
-              <a:rPr lang="en-US" smtClean="0"/>
+              <a:rPr lang="en-US"/>
               <a:t>Click to edit Master text styles</a:t>
             </a:r>
           </a:p>
           <a:p>
             <a:pPr lvl="1"/>
             <a:r>
-              <a:rPr lang="en-US" smtClean="0"/>
+              <a:rPr lang="en-US"/>
               <a:t>Second level</a:t>
             </a:r>
           </a:p>
           <a:p>
             <a:pPr lvl="2"/>
             <a:r>
-              <a:rPr lang="en-US" smtClean="0"/>
+              <a:rPr lang="en-US"/>
               <a:t>Third level</a:t>
             </a:r>
           </a:p>
           <a:p>
             <a:pPr lvl="3"/>
             <a:r>
-              <a:rPr lang="en-US" smtClean="0"/>
+              <a:rPr lang="en-US"/>
               <a:t>Fourth level</a:t>
             </a:r>
           </a:p>
           <a:p>
             <a:pPr lvl="4"/>
             <a:r>
-              <a:rPr lang="en-US" smtClean="0"/>
+              <a:rPr lang="en-US"/>
               <a:t>Fifth level</a:t>
             </a:r>
-            <a:endParaRPr lang="en-US"/>
           </a:p>
         </p:txBody>
       </p:sp>
@@ -8702,10 +8607,9 @@
           </a:lstStyle>
           <a:p>
             <a:r>
-              <a:rPr lang="en-US" smtClean="0"/>
+              <a:rPr lang="en-US"/>
               <a:t>Click to edit Master title style</a:t>
             </a:r>
-            <a:endParaRPr lang="en-US"/>
           </a:p>
         </p:txBody>
       </p:sp>
@@ -8771,7 +8675,7 @@
           <a:p>
             <a:pPr lvl="0"/>
             <a:r>
-              <a:rPr lang="en-US" smtClean="0"/>
+              <a:rPr lang="en-US"/>
               <a:t>Click to edit Master text styles</a:t>
             </a:r>
           </a:p>
@@ -8827,10 +8731,9 @@
           <a:lstStyle/>
           <a:p>
             <a:r>
-              <a:rPr lang="en-US" smtClean="0"/>
+              <a:rPr lang="en-US"/>
               <a:t>Click to edit Master title style</a:t>
             </a:r>
-            <a:endParaRPr lang="en-US"/>
           </a:p>
         </p:txBody>
       </p:sp>
@@ -8887,38 +8790,37 @@
           <a:p>
             <a:pPr lvl="0"/>
             <a:r>
-              <a:rPr lang="en-US" smtClean="0"/>
+              <a:rPr lang="en-US"/>
               <a:t>Click to edit Master text styles</a:t>
             </a:r>
           </a:p>
           <a:p>
             <a:pPr lvl="1"/>
             <a:r>
-              <a:rPr lang="en-US" smtClean="0"/>
+              <a:rPr lang="en-US"/>
               <a:t>Second level</a:t>
             </a:r>
           </a:p>
           <a:p>
             <a:pPr lvl="2"/>
             <a:r>
-              <a:rPr lang="en-US" smtClean="0"/>
+              <a:rPr lang="en-US"/>
               <a:t>Third level</a:t>
             </a:r>
           </a:p>
           <a:p>
             <a:pPr lvl="3"/>
             <a:r>
-              <a:rPr lang="en-US" smtClean="0"/>
+              <a:rPr lang="en-US"/>
               <a:t>Fourth level</a:t>
             </a:r>
           </a:p>
           <a:p>
             <a:pPr lvl="4"/>
             <a:r>
-              <a:rPr lang="en-US" smtClean="0"/>
+              <a:rPr lang="en-US"/>
               <a:t>Fifth level</a:t>
             </a:r>
-            <a:endParaRPr lang="en-US"/>
           </a:p>
         </p:txBody>
       </p:sp>
@@ -8975,38 +8877,37 @@
           <a:p>
             <a:pPr lvl="0"/>
             <a:r>
-              <a:rPr lang="en-US" smtClean="0"/>
+              <a:rPr lang="en-US"/>
               <a:t>Click to edit Master text styles</a:t>
             </a:r>
           </a:p>
           <a:p>
             <a:pPr lvl="1"/>
             <a:r>
-              <a:rPr lang="en-US" smtClean="0"/>
+              <a:rPr lang="en-US"/>
               <a:t>Second level</a:t>
             </a:r>
           </a:p>
           <a:p>
             <a:pPr lvl="2"/>
             <a:r>
-              <a:rPr lang="en-US" smtClean="0"/>
+              <a:rPr lang="en-US"/>
               <a:t>Third level</a:t>
             </a:r>
           </a:p>
           <a:p>
             <a:pPr lvl="3"/>
             <a:r>
-              <a:rPr lang="en-US" smtClean="0"/>
+              <a:rPr lang="en-US"/>
               <a:t>Fourth level</a:t>
             </a:r>
           </a:p>
           <a:p>
             <a:pPr lvl="4"/>
             <a:r>
-              <a:rPr lang="en-US" smtClean="0"/>
+              <a:rPr lang="en-US"/>
               <a:t>Fifth level</a:t>
             </a:r>
-            <a:endParaRPr lang="en-US"/>
           </a:p>
         </p:txBody>
       </p:sp>
@@ -9052,10 +8953,9 @@
           <a:lstStyle/>
           <a:p>
             <a:r>
-              <a:rPr lang="en-US" smtClean="0"/>
+              <a:rPr lang="en-US"/>
               <a:t>Click to edit Master title style</a:t>
             </a:r>
-            <a:endParaRPr lang="en-US"/>
           </a:p>
         </p:txBody>
       </p:sp>
@@ -9113,10 +9013,9 @@
           </a:lstStyle>
           <a:p>
             <a:r>
-              <a:rPr lang="en-US" smtClean="0"/>
+              <a:rPr lang="en-US"/>
               <a:t>Click to edit Master title style</a:t>
             </a:r>
-            <a:endParaRPr lang="en-US"/>
           </a:p>
         </p:txBody>
       </p:sp>
@@ -9182,7 +9081,7 @@
           <a:p>
             <a:pPr lvl="0"/>
             <a:r>
-              <a:rPr lang="en-US" smtClean="0"/>
+              <a:rPr lang="en-US"/>
               <a:t>Click to edit Master text styles</a:t>
             </a:r>
           </a:p>
@@ -9241,38 +9140,37 @@
           <a:p>
             <a:pPr lvl="0"/>
             <a:r>
-              <a:rPr lang="en-US" smtClean="0"/>
+              <a:rPr lang="en-US"/>
               <a:t>Click to edit Master text styles</a:t>
             </a:r>
           </a:p>
           <a:p>
             <a:pPr lvl="1"/>
             <a:r>
-              <a:rPr lang="en-US" smtClean="0"/>
+              <a:rPr lang="en-US"/>
               <a:t>Second level</a:t>
             </a:r>
           </a:p>
           <a:p>
             <a:pPr lvl="2"/>
             <a:r>
-              <a:rPr lang="en-US" smtClean="0"/>
+              <a:rPr lang="en-US"/>
               <a:t>Third level</a:t>
             </a:r>
           </a:p>
           <a:p>
             <a:pPr lvl="3"/>
             <a:r>
-              <a:rPr lang="en-US" smtClean="0"/>
+              <a:rPr lang="en-US"/>
               <a:t>Fourth level</a:t>
             </a:r>
           </a:p>
           <a:p>
             <a:pPr lvl="4"/>
             <a:r>
-              <a:rPr lang="en-US" smtClean="0"/>
+              <a:rPr lang="en-US"/>
               <a:t>Fifth level</a:t>
             </a:r>
-            <a:endParaRPr lang="en-US"/>
           </a:p>
         </p:txBody>
       </p:sp>
@@ -9338,7 +9236,7 @@
           <a:p>
             <a:pPr lvl="0"/>
             <a:r>
-              <a:rPr lang="en-US" smtClean="0"/>
+              <a:rPr lang="en-US"/>
               <a:t>Click to edit Master text styles</a:t>
             </a:r>
           </a:p>
@@ -9397,38 +9295,37 @@
           <a:p>
             <a:pPr lvl="0"/>
             <a:r>
-              <a:rPr lang="en-US" smtClean="0"/>
+              <a:rPr lang="en-US"/>
               <a:t>Click to edit Master text styles</a:t>
             </a:r>
           </a:p>
           <a:p>
             <a:pPr lvl="1"/>
             <a:r>
-              <a:rPr lang="en-US" smtClean="0"/>
+              <a:rPr lang="en-US"/>
               <a:t>Second level</a:t>
             </a:r>
           </a:p>
           <a:p>
             <a:pPr lvl="2"/>
             <a:r>
-              <a:rPr lang="en-US" smtClean="0"/>
+              <a:rPr lang="en-US"/>
               <a:t>Third level</a:t>
             </a:r>
           </a:p>
           <a:p>
             <a:pPr lvl="3"/>
             <a:r>
-              <a:rPr lang="en-US" smtClean="0"/>
+              <a:rPr lang="en-US"/>
               <a:t>Fourth level</a:t>
             </a:r>
           </a:p>
           <a:p>
             <a:pPr lvl="4"/>
             <a:r>
-              <a:rPr lang="en-US" smtClean="0"/>
+              <a:rPr lang="en-US"/>
               <a:t>Fifth level</a:t>
             </a:r>
-            <a:endParaRPr lang="en-US"/>
           </a:p>
         </p:txBody>
       </p:sp>
@@ -9482,10 +9379,9 @@
           <a:lstStyle/>
           <a:p>
             <a:r>
-              <a:rPr lang="en-US" smtClean="0"/>
+              <a:rPr lang="en-US"/>
               <a:t>Click to edit Master title style</a:t>
             </a:r>
-            <a:endParaRPr lang="en-US"/>
           </a:p>
         </p:txBody>
       </p:sp>
@@ -9569,10 +9465,9 @@
           </a:lstStyle>
           <a:p>
             <a:r>
-              <a:rPr lang="en-US" smtClean="0"/>
+              <a:rPr lang="en-US"/>
               <a:t>Click to edit Master title style</a:t>
             </a:r>
-            <a:endParaRPr lang="en-US"/>
           </a:p>
         </p:txBody>
       </p:sp>
@@ -9629,38 +9524,37 @@
           <a:p>
             <a:pPr lvl="0"/>
             <a:r>
-              <a:rPr lang="en-US" smtClean="0"/>
+              <a:rPr lang="en-US"/>
               <a:t>Click to edit Master text styles</a:t>
             </a:r>
           </a:p>
           <a:p>
             <a:pPr lvl="1"/>
             <a:r>
-              <a:rPr lang="en-US" smtClean="0"/>
+              <a:rPr lang="en-US"/>
               <a:t>Second level</a:t>
             </a:r>
           </a:p>
           <a:p>
             <a:pPr lvl="2"/>
             <a:r>
-              <a:rPr lang="en-US" smtClean="0"/>
+              <a:rPr lang="en-US"/>
               <a:t>Third level</a:t>
             </a:r>
           </a:p>
           <a:p>
             <a:pPr lvl="3"/>
             <a:r>
-              <a:rPr lang="en-US" smtClean="0"/>
+              <a:rPr lang="en-US"/>
               <a:t>Fourth level</a:t>
             </a:r>
           </a:p>
           <a:p>
             <a:pPr lvl="4"/>
             <a:r>
-              <a:rPr lang="en-US" smtClean="0"/>
+              <a:rPr lang="en-US"/>
               <a:t>Fifth level</a:t>
             </a:r>
-            <a:endParaRPr lang="en-US"/>
           </a:p>
         </p:txBody>
       </p:sp>
@@ -9726,7 +9620,7 @@
           <a:p>
             <a:pPr lvl="0"/>
             <a:r>
-              <a:rPr lang="en-US" smtClean="0"/>
+              <a:rPr lang="en-US"/>
               <a:t>Click to edit Master text styles</a:t>
             </a:r>
           </a:p>
@@ -9786,10 +9680,9 @@
           </a:lstStyle>
           <a:p>
             <a:r>
-              <a:rPr lang="en-US" smtClean="0"/>
+              <a:rPr lang="en-US"/>
               <a:t>Click to edit Master title style</a:t>
             </a:r>
-            <a:endParaRPr lang="en-US"/>
           </a:p>
         </p:txBody>
       </p:sp>
@@ -9854,7 +9747,7 @@
           </a:lstStyle>
           <a:p>
             <a:pPr lvl="0"/>
-            <a:endParaRPr lang="en-US" noProof="0" smtClean="0">
+            <a:endParaRPr lang="en-US" noProof="0">
               <a:sym typeface="Gill Sans" charset="0"/>
             </a:endParaRPr>
           </a:p>
@@ -9922,7 +9815,7 @@
           <a:p>
             <a:pPr lvl="0"/>
             <a:r>
-              <a:rPr lang="en-US" smtClean="0"/>
+              <a:rPr lang="en-US"/>
               <a:t>Click to edit Master text styles</a:t>
             </a:r>
           </a:p>
@@ -9978,10 +9871,9 @@
           <a:lstStyle/>
           <a:p>
             <a:r>
-              <a:rPr lang="en-US" smtClean="0"/>
+              <a:rPr lang="en-US"/>
               <a:t>Click to edit Master title style</a:t>
             </a:r>
-            <a:endParaRPr lang="en-US"/>
           </a:p>
         </p:txBody>
       </p:sp>
@@ -10010,38 +9902,37 @@
           <a:p>
             <a:pPr lvl="0"/>
             <a:r>
-              <a:rPr lang="en-US" smtClean="0"/>
+              <a:rPr lang="en-US"/>
               <a:t>Click to edit Master text styles</a:t>
             </a:r>
           </a:p>
           <a:p>
             <a:pPr lvl="1"/>
             <a:r>
-              <a:rPr lang="en-US" smtClean="0"/>
+              <a:rPr lang="en-US"/>
               <a:t>Second level</a:t>
             </a:r>
           </a:p>
           <a:p>
             <a:pPr lvl="2"/>
             <a:r>
-              <a:rPr lang="en-US" smtClean="0"/>
+              <a:rPr lang="en-US"/>
               <a:t>Third level</a:t>
             </a:r>
           </a:p>
           <a:p>
             <a:pPr lvl="3"/>
             <a:r>
-              <a:rPr lang="en-US" smtClean="0"/>
+              <a:rPr lang="en-US"/>
               <a:t>Fourth level</a:t>
             </a:r>
           </a:p>
           <a:p>
             <a:pPr lvl="4"/>
             <a:r>
-              <a:rPr lang="en-US" smtClean="0"/>
+              <a:rPr lang="en-US"/>
               <a:t>Fifth level</a:t>
             </a:r>
-            <a:endParaRPr lang="en-US"/>
           </a:p>
         </p:txBody>
       </p:sp>
@@ -10095,10 +9986,9 @@
           <a:lstStyle/>
           <a:p>
             <a:r>
-              <a:rPr lang="en-US" smtClean="0"/>
+              <a:rPr lang="en-US"/>
               <a:t>Click to edit Master title style</a:t>
             </a:r>
-            <a:endParaRPr lang="en-US"/>
           </a:p>
         </p:txBody>
       </p:sp>
@@ -10127,38 +10017,37 @@
           <a:p>
             <a:pPr lvl="0"/>
             <a:r>
-              <a:rPr lang="en-US" smtClean="0"/>
+              <a:rPr lang="en-US"/>
               <a:t>Click to edit Master text styles</a:t>
             </a:r>
           </a:p>
           <a:p>
             <a:pPr lvl="1"/>
             <a:r>
-              <a:rPr lang="en-US" smtClean="0"/>
+              <a:rPr lang="en-US"/>
               <a:t>Second level</a:t>
             </a:r>
           </a:p>
           <a:p>
             <a:pPr lvl="2"/>
             <a:r>
-              <a:rPr lang="en-US" smtClean="0"/>
+              <a:rPr lang="en-US"/>
               <a:t>Third level</a:t>
             </a:r>
           </a:p>
           <a:p>
             <a:pPr lvl="3"/>
             <a:r>
-              <a:rPr lang="en-US" smtClean="0"/>
+              <a:rPr lang="en-US"/>
               <a:t>Fourth level</a:t>
             </a:r>
           </a:p>
           <a:p>
             <a:pPr lvl="4"/>
             <a:r>
-              <a:rPr lang="en-US" smtClean="0"/>
+              <a:rPr lang="en-US"/>
               <a:t>Fifth level</a:t>
             </a:r>
-            <a:endParaRPr lang="en-US"/>
           </a:p>
         </p:txBody>
       </p:sp>
@@ -10209,7 +10098,7 @@
           <a:lstStyle/>
           <a:p>
             <a:r>
-              <a:rPr lang="en-US" smtClean="0"/>
+              <a:rPr lang="en-US"/>
               <a:t>Click to edit Master title style</a:t>
             </a:r>
             <a:endParaRPr lang="en-GB"/>
@@ -10328,7 +10217,7 @@
           </a:lstStyle>
           <a:p>
             <a:r>
-              <a:rPr lang="en-US" smtClean="0"/>
+              <a:rPr lang="en-US"/>
               <a:t>Click to edit Master subtitle style</a:t>
             </a:r>
             <a:endParaRPr lang="en-GB"/>
@@ -10359,7 +10248,7 @@
                 </a:solidFill>
               </a:rPr>
               <a:pPr/>
-              <a:t>19/03/2020</a:t>
+              <a:t>01/12/2023</a:t>
             </a:fld>
             <a:endParaRPr lang="en-GB">
               <a:solidFill>
@@ -10478,7 +10367,7 @@
           <a:lstStyle/>
           <a:p>
             <a:r>
-              <a:rPr lang="en-US" smtClean="0"/>
+              <a:rPr lang="en-US"/>
               <a:t>Click to edit Master title style</a:t>
             </a:r>
             <a:endParaRPr lang="en-GB"/>
@@ -10502,35 +10391,35 @@
           <a:p>
             <a:pPr lvl="0"/>
             <a:r>
-              <a:rPr lang="en-US" smtClean="0"/>
+              <a:rPr lang="en-US"/>
               <a:t>Click to edit Master text styles</a:t>
             </a:r>
           </a:p>
           <a:p>
             <a:pPr lvl="1"/>
             <a:r>
-              <a:rPr lang="en-US" smtClean="0"/>
+              <a:rPr lang="en-US"/>
               <a:t>Second level</a:t>
             </a:r>
           </a:p>
           <a:p>
             <a:pPr lvl="2"/>
             <a:r>
-              <a:rPr lang="en-US" smtClean="0"/>
+              <a:rPr lang="en-US"/>
               <a:t>Third level</a:t>
             </a:r>
           </a:p>
           <a:p>
             <a:pPr lvl="3"/>
             <a:r>
-              <a:rPr lang="en-US" smtClean="0"/>
+              <a:rPr lang="en-US"/>
               <a:t>Fourth level</a:t>
             </a:r>
           </a:p>
           <a:p>
             <a:pPr lvl="4"/>
             <a:r>
-              <a:rPr lang="en-US" smtClean="0"/>
+              <a:rPr lang="en-US"/>
               <a:t>Fifth level</a:t>
             </a:r>
             <a:endParaRPr lang="en-GB"/>
@@ -10561,7 +10450,7 @@
                 </a:solidFill>
               </a:rPr>
               <a:pPr/>
-              <a:t>19/03/2020</a:t>
+              <a:t>01/12/2023</a:t>
             </a:fld>
             <a:endParaRPr lang="en-GB">
               <a:solidFill>
@@ -10689,7 +10578,7 @@
           </a:lstStyle>
           <a:p>
             <a:r>
-              <a:rPr lang="en-US" smtClean="0"/>
+              <a:rPr lang="en-US"/>
               <a:t>Click to edit Master title style</a:t>
             </a:r>
             <a:endParaRPr lang="en-GB"/>
@@ -10809,7 +10698,7 @@
           <a:p>
             <a:pPr lvl="0"/>
             <a:r>
-              <a:rPr lang="en-US" smtClean="0"/>
+              <a:rPr lang="en-US"/>
               <a:t>Click to edit Master text styles</a:t>
             </a:r>
           </a:p>
@@ -10839,7 +10728,7 @@
                 </a:solidFill>
               </a:rPr>
               <a:pPr/>
-              <a:t>19/03/2020</a:t>
+              <a:t>01/12/2023</a:t>
             </a:fld>
             <a:endParaRPr lang="en-GB">
               <a:solidFill>
@@ -10984,7 +10873,7 @@
           <a:lstStyle/>
           <a:p>
             <a:r>
-              <a:rPr lang="en-US" smtClean="0"/>
+              <a:rPr lang="en-US"/>
               <a:t>Click to edit Master title style</a:t>
             </a:r>
             <a:endParaRPr lang="en-GB"/>
@@ -11041,35 +10930,35 @@
           <a:p>
             <a:pPr lvl="0"/>
             <a:r>
-              <a:rPr lang="en-US" smtClean="0"/>
+              <a:rPr lang="en-US"/>
               <a:t>Click to edit Master text styles</a:t>
             </a:r>
           </a:p>
           <a:p>
             <a:pPr lvl="1"/>
             <a:r>
-              <a:rPr lang="en-US" smtClean="0"/>
+              <a:rPr lang="en-US"/>
               <a:t>Second level</a:t>
             </a:r>
           </a:p>
           <a:p>
             <a:pPr lvl="2"/>
             <a:r>
-              <a:rPr lang="en-US" smtClean="0"/>
+              <a:rPr lang="en-US"/>
               <a:t>Third level</a:t>
             </a:r>
           </a:p>
           <a:p>
             <a:pPr lvl="3"/>
             <a:r>
-              <a:rPr lang="en-US" smtClean="0"/>
+              <a:rPr lang="en-US"/>
               <a:t>Fourth level</a:t>
             </a:r>
           </a:p>
           <a:p>
             <a:pPr lvl="4"/>
             <a:r>
-              <a:rPr lang="en-US" smtClean="0"/>
+              <a:rPr lang="en-US"/>
               <a:t>Fifth level</a:t>
             </a:r>
             <a:endParaRPr lang="en-GB"/>
@@ -11126,35 +11015,35 @@
           <a:p>
             <a:pPr lvl="0"/>
             <a:r>
-              <a:rPr lang="en-US" smtClean="0"/>
+              <a:rPr lang="en-US"/>
               <a:t>Click to edit Master text styles</a:t>
             </a:r>
           </a:p>
           <a:p>
             <a:pPr lvl="1"/>
             <a:r>
-              <a:rPr lang="en-US" smtClean="0"/>
+              <a:rPr lang="en-US"/>
               <a:t>Second level</a:t>
             </a:r>
           </a:p>
           <a:p>
             <a:pPr lvl="2"/>
             <a:r>
-              <a:rPr lang="en-US" smtClean="0"/>
+              <a:rPr lang="en-US"/>
               <a:t>Third level</a:t>
             </a:r>
           </a:p>
           <a:p>
             <a:pPr lvl="3"/>
             <a:r>
-              <a:rPr lang="en-US" smtClean="0"/>
+              <a:rPr lang="en-US"/>
               <a:t>Fourth level</a:t>
             </a:r>
           </a:p>
           <a:p>
             <a:pPr lvl="4"/>
             <a:r>
-              <a:rPr lang="en-US" smtClean="0"/>
+              <a:rPr lang="en-US"/>
               <a:t>Fifth level</a:t>
             </a:r>
             <a:endParaRPr lang="en-GB"/>
@@ -11185,7 +11074,7 @@
                 </a:solidFill>
               </a:rPr>
               <a:pPr/>
-              <a:t>19/03/2020</a:t>
+              <a:t>01/12/2023</a:t>
             </a:fld>
             <a:endParaRPr lang="en-GB">
               <a:solidFill>
@@ -11308,7 +11197,7 @@
           </a:lstStyle>
           <a:p>
             <a:r>
-              <a:rPr lang="en-US" smtClean="0"/>
+              <a:rPr lang="en-US"/>
               <a:t>Click to edit Master title style</a:t>
             </a:r>
             <a:endParaRPr lang="en-GB"/>
@@ -11374,7 +11263,7 @@
           <a:p>
             <a:pPr lvl="0"/>
             <a:r>
-              <a:rPr lang="en-US" smtClean="0"/>
+              <a:rPr lang="en-US"/>
               <a:t>Click to edit Master text styles</a:t>
             </a:r>
           </a:p>
@@ -11430,35 +11319,35 @@
           <a:p>
             <a:pPr lvl="0"/>
             <a:r>
-              <a:rPr lang="en-US" smtClean="0"/>
+              <a:rPr lang="en-US"/>
               <a:t>Click to edit Master text styles</a:t>
             </a:r>
           </a:p>
           <a:p>
             <a:pPr lvl="1"/>
             <a:r>
-              <a:rPr lang="en-US" smtClean="0"/>
+              <a:rPr lang="en-US"/>
               <a:t>Second level</a:t>
             </a:r>
           </a:p>
           <a:p>
             <a:pPr lvl="2"/>
             <a:r>
-              <a:rPr lang="en-US" smtClean="0"/>
+              <a:rPr lang="en-US"/>
               <a:t>Third level</a:t>
             </a:r>
           </a:p>
           <a:p>
             <a:pPr lvl="3"/>
             <a:r>
-              <a:rPr lang="en-US" smtClean="0"/>
+              <a:rPr lang="en-US"/>
               <a:t>Fourth level</a:t>
             </a:r>
           </a:p>
           <a:p>
             <a:pPr lvl="4"/>
             <a:r>
-              <a:rPr lang="en-US" smtClean="0"/>
+              <a:rPr lang="en-US"/>
               <a:t>Fifth level</a:t>
             </a:r>
             <a:endParaRPr lang="en-GB"/>
@@ -11524,7 +11413,7 @@
           <a:p>
             <a:pPr lvl="0"/>
             <a:r>
-              <a:rPr lang="en-US" smtClean="0"/>
+              <a:rPr lang="en-US"/>
               <a:t>Click to edit Master text styles</a:t>
             </a:r>
           </a:p>
@@ -11580,35 +11469,35 @@
           <a:p>
             <a:pPr lvl="0"/>
             <a:r>
-              <a:rPr lang="en-US" smtClean="0"/>
+              <a:rPr lang="en-US"/>
               <a:t>Click to edit Master text styles</a:t>
             </a:r>
           </a:p>
           <a:p>
             <a:pPr lvl="1"/>
             <a:r>
-              <a:rPr lang="en-US" smtClean="0"/>
+              <a:rPr lang="en-US"/>
               <a:t>Second level</a:t>
             </a:r>
           </a:p>
           <a:p>
             <a:pPr lvl="2"/>
             <a:r>
-              <a:rPr lang="en-US" smtClean="0"/>
+              <a:rPr lang="en-US"/>
               <a:t>Third level</a:t>
             </a:r>
           </a:p>
           <a:p>
             <a:pPr lvl="3"/>
             <a:r>
-              <a:rPr lang="en-US" smtClean="0"/>
+              <a:rPr lang="en-US"/>
               <a:t>Fourth level</a:t>
             </a:r>
           </a:p>
           <a:p>
             <a:pPr lvl="4"/>
             <a:r>
-              <a:rPr lang="en-US" smtClean="0"/>
+              <a:rPr lang="en-US"/>
               <a:t>Fifth level</a:t>
             </a:r>
             <a:endParaRPr lang="en-GB"/>
@@ -11639,7 +11528,7 @@
                 </a:solidFill>
               </a:rPr>
               <a:pPr/>
-              <a:t>19/03/2020</a:t>
+              <a:t>01/12/2023</a:t>
             </a:fld>
             <a:endParaRPr lang="en-GB">
               <a:solidFill>
@@ -11758,7 +11647,7 @@
           <a:lstStyle/>
           <a:p>
             <a:r>
-              <a:rPr lang="en-US" smtClean="0"/>
+              <a:rPr lang="en-US"/>
               <a:t>Click to edit Master title style</a:t>
             </a:r>
             <a:endParaRPr lang="en-GB"/>
@@ -11789,7 +11678,7 @@
                 </a:solidFill>
               </a:rPr>
               <a:pPr/>
-              <a:t>19/03/2020</a:t>
+              <a:t>01/12/2023</a:t>
             </a:fld>
             <a:endParaRPr lang="en-GB">
               <a:solidFill>
@@ -11916,7 +11805,7 @@
                 </a:solidFill>
               </a:rPr>
               <a:pPr/>
-              <a:t>19/03/2020</a:t>
+              <a:t>01/12/2023</a:t>
             </a:fld>
             <a:endParaRPr lang="en-GB">
               <a:solidFill>
@@ -12044,7 +11933,7 @@
           </a:lstStyle>
           <a:p>
             <a:r>
-              <a:rPr lang="en-US" smtClean="0"/>
+              <a:rPr lang="en-US"/>
               <a:t>Click to edit Master title style</a:t>
             </a:r>
             <a:endParaRPr lang="en-GB"/>
@@ -12101,35 +11990,35 @@
           <a:p>
             <a:pPr lvl="0"/>
             <a:r>
-              <a:rPr lang="en-US" smtClean="0"/>
+              <a:rPr lang="en-US"/>
               <a:t>Click to edit Master text styles</a:t>
             </a:r>
           </a:p>
           <a:p>
             <a:pPr lvl="1"/>
             <a:r>
-              <a:rPr lang="en-US" smtClean="0"/>
+              <a:rPr lang="en-US"/>
               <a:t>Second level</a:t>
             </a:r>
           </a:p>
           <a:p>
             <a:pPr lvl="2"/>
             <a:r>
-              <a:rPr lang="en-US" smtClean="0"/>
+              <a:rPr lang="en-US"/>
               <a:t>Third level</a:t>
             </a:r>
           </a:p>
           <a:p>
             <a:pPr lvl="3"/>
             <a:r>
-              <a:rPr lang="en-US" smtClean="0"/>
+              <a:rPr lang="en-US"/>
               <a:t>Fourth level</a:t>
             </a:r>
           </a:p>
           <a:p>
             <a:pPr lvl="4"/>
             <a:r>
-              <a:rPr lang="en-US" smtClean="0"/>
+              <a:rPr lang="en-US"/>
               <a:t>Fifth level</a:t>
             </a:r>
             <a:endParaRPr lang="en-GB"/>
@@ -12195,7 +12084,7 @@
           <a:p>
             <a:pPr lvl="0"/>
             <a:r>
-              <a:rPr lang="en-US" smtClean="0"/>
+              <a:rPr lang="en-US"/>
               <a:t>Click to edit Master text styles</a:t>
             </a:r>
           </a:p>
@@ -12225,7 +12114,7 @@
                 </a:solidFill>
               </a:rPr>
               <a:pPr/>
-              <a:t>19/03/2020</a:t>
+              <a:t>01/12/2023</a:t>
             </a:fld>
             <a:endParaRPr lang="en-GB">
               <a:solidFill>
@@ -12353,7 +12242,7 @@
           </a:lstStyle>
           <a:p>
             <a:r>
-              <a:rPr lang="en-US" smtClean="0"/>
+              <a:rPr lang="en-US"/>
               <a:t>Click to edit Master title style</a:t>
             </a:r>
             <a:endParaRPr lang="en-GB"/>
@@ -12480,7 +12369,7 @@
           <a:p>
             <a:pPr lvl="0"/>
             <a:r>
-              <a:rPr lang="en-US" smtClean="0"/>
+              <a:rPr lang="en-US"/>
               <a:t>Click to edit Master text styles</a:t>
             </a:r>
           </a:p>
@@ -12510,7 +12399,7 @@
                 </a:solidFill>
               </a:rPr>
               <a:pPr/>
-              <a:t>19/03/2020</a:t>
+              <a:t>01/12/2023</a:t>
             </a:fld>
             <a:endParaRPr lang="en-GB">
               <a:solidFill>
@@ -12629,7 +12518,7 @@
           <a:lstStyle/>
           <a:p>
             <a:r>
-              <a:rPr lang="en-US" smtClean="0"/>
+              <a:rPr lang="en-US"/>
               <a:t>Click to edit Master title style</a:t>
             </a:r>
             <a:endParaRPr lang="en-GB"/>
@@ -12653,35 +12542,35 @@
           <a:p>
             <a:pPr lvl="0"/>
             <a:r>
-              <a:rPr lang="en-US" smtClean="0"/>
+              <a:rPr lang="en-US"/>
               <a:t>Click to edit Master text styles</a:t>
             </a:r>
           </a:p>
           <a:p>
             <a:pPr lvl="1"/>
             <a:r>
-              <a:rPr lang="en-US" smtClean="0"/>
+              <a:rPr lang="en-US"/>
               <a:t>Second level</a:t>
             </a:r>
           </a:p>
           <a:p>
             <a:pPr lvl="2"/>
             <a:r>
-              <a:rPr lang="en-US" smtClean="0"/>
+              <a:rPr lang="en-US"/>
               <a:t>Third level</a:t>
             </a:r>
           </a:p>
           <a:p>
             <a:pPr lvl="3"/>
             <a:r>
-              <a:rPr lang="en-US" smtClean="0"/>
+              <a:rPr lang="en-US"/>
               <a:t>Fourth level</a:t>
             </a:r>
           </a:p>
           <a:p>
             <a:pPr lvl="4"/>
             <a:r>
-              <a:rPr lang="en-US" smtClean="0"/>
+              <a:rPr lang="en-US"/>
               <a:t>Fifth level</a:t>
             </a:r>
             <a:endParaRPr lang="en-GB"/>
@@ -12712,7 +12601,7 @@
                 </a:solidFill>
               </a:rPr>
               <a:pPr/>
-              <a:t>19/03/2020</a:t>
+              <a:t>01/12/2023</a:t>
             </a:fld>
             <a:endParaRPr lang="en-GB">
               <a:solidFill>
@@ -12836,7 +12725,7 @@
           <a:lstStyle/>
           <a:p>
             <a:r>
-              <a:rPr lang="en-US" smtClean="0"/>
+              <a:rPr lang="en-US"/>
               <a:t>Click to edit Master title style</a:t>
             </a:r>
             <a:endParaRPr lang="en-GB"/>
@@ -12865,35 +12754,35 @@
           <a:p>
             <a:pPr lvl="0"/>
             <a:r>
-              <a:rPr lang="en-US" smtClean="0"/>
+              <a:rPr lang="en-US"/>
               <a:t>Click to edit Master text styles</a:t>
             </a:r>
           </a:p>
           <a:p>
             <a:pPr lvl="1"/>
             <a:r>
-              <a:rPr lang="en-US" smtClean="0"/>
+              <a:rPr lang="en-US"/>
               <a:t>Second level</a:t>
             </a:r>
           </a:p>
           <a:p>
             <a:pPr lvl="2"/>
             <a:r>
-              <a:rPr lang="en-US" smtClean="0"/>
+              <a:rPr lang="en-US"/>
               <a:t>Third level</a:t>
             </a:r>
           </a:p>
           <a:p>
             <a:pPr lvl="3"/>
             <a:r>
-              <a:rPr lang="en-US" smtClean="0"/>
+              <a:rPr lang="en-US"/>
               <a:t>Fourth level</a:t>
             </a:r>
           </a:p>
           <a:p>
             <a:pPr lvl="4"/>
             <a:r>
-              <a:rPr lang="en-US" smtClean="0"/>
+              <a:rPr lang="en-US"/>
               <a:t>Fifth level</a:t>
             </a:r>
             <a:endParaRPr lang="en-GB"/>
@@ -12924,7 +12813,7 @@
                 </a:solidFill>
               </a:rPr>
               <a:pPr/>
-              <a:t>19/03/2020</a:t>
+              <a:t>01/12/2023</a:t>
             </a:fld>
             <a:endParaRPr lang="en-GB">
               <a:solidFill>
@@ -13052,10 +12941,9 @@
           </a:lstStyle>
           <a:p>
             <a:r>
-              <a:rPr lang="en-US" smtClean="0"/>
+              <a:rPr lang="en-US"/>
               <a:t>Click to edit Master title style</a:t>
             </a:r>
-            <a:endParaRPr lang="en-US"/>
           </a:p>
         </p:txBody>
       </p:sp>
@@ -13109,38 +12997,37 @@
           <a:p>
             <a:pPr lvl="0"/>
             <a:r>
-              <a:rPr lang="en-US" smtClean="0"/>
+              <a:rPr lang="en-US"/>
               <a:t>Click to edit Master text styles</a:t>
             </a:r>
           </a:p>
           <a:p>
             <a:pPr lvl="1"/>
             <a:r>
-              <a:rPr lang="en-US" smtClean="0"/>
+              <a:rPr lang="en-US"/>
               <a:t>Second level</a:t>
             </a:r>
           </a:p>
           <a:p>
             <a:pPr lvl="2"/>
             <a:r>
-              <a:rPr lang="en-US" smtClean="0"/>
+              <a:rPr lang="en-US"/>
               <a:t>Third level</a:t>
             </a:r>
           </a:p>
           <a:p>
             <a:pPr lvl="3"/>
             <a:r>
-              <a:rPr lang="en-US" smtClean="0"/>
+              <a:rPr lang="en-US"/>
               <a:t>Fourth level</a:t>
             </a:r>
           </a:p>
           <a:p>
             <a:pPr lvl="4"/>
             <a:r>
-              <a:rPr lang="en-US" smtClean="0"/>
+              <a:rPr lang="en-US"/>
               <a:t>Fifth level</a:t>
             </a:r>
-            <a:endParaRPr lang="en-US"/>
           </a:p>
         </p:txBody>
       </p:sp>
@@ -13203,7 +13090,7 @@
           <a:p>
             <a:pPr lvl="0"/>
             <a:r>
-              <a:rPr lang="en-US" smtClean="0"/>
+              <a:rPr lang="en-US"/>
               <a:t>Click to edit Master text styles</a:t>
             </a:r>
           </a:p>
@@ -13260,10 +13147,9 @@
           </a:lstStyle>
           <a:p>
             <a:r>
-              <a:rPr lang="en-US" smtClean="0"/>
+              <a:rPr lang="en-US"/>
               <a:t>Click to edit Master title style</a:t>
             </a:r>
-            <a:endParaRPr lang="en-US"/>
           </a:p>
         </p:txBody>
       </p:sp>
@@ -13325,7 +13211,7 @@
           </a:lstStyle>
           <a:p>
             <a:pPr lvl="0"/>
-            <a:endParaRPr lang="en-US" noProof="0" smtClean="0">
+            <a:endParaRPr lang="en-US" noProof="0">
               <a:sym typeface="Arial" charset="0"/>
             </a:endParaRPr>
           </a:p>
@@ -13390,7 +13276,7 @@
           <a:p>
             <a:pPr lvl="0"/>
             <a:r>
-              <a:rPr lang="en-US" smtClean="0"/>
+              <a:rPr lang="en-US"/>
               <a:t>Click to edit Master text styles</a:t>
             </a:r>
           </a:p>
@@ -13466,7 +13352,7 @@
           <a:p>
             <a:pPr lvl="0"/>
             <a:r>
-              <a:rPr lang="en-US" smtClean="0">
+              <a:rPr lang="en-US">
                 <a:sym typeface="Arial" pitchFamily="34" charset="0"/>
               </a:rPr>
               <a:t>Click to edit Master title style</a:t>
@@ -13510,7 +13396,7 @@
           <a:p>
             <a:pPr lvl="0"/>
             <a:r>
-              <a:rPr lang="en-US" smtClean="0">
+              <a:rPr lang="en-US">
                 <a:sym typeface="Arial" pitchFamily="34" charset="0"/>
               </a:rPr>
               <a:t>Click to edit Master text styles</a:t>
@@ -13519,7 +13405,7 @@
           <a:p>
             <a:pPr lvl="1"/>
             <a:r>
-              <a:rPr lang="en-US" smtClean="0">
+              <a:rPr lang="en-US">
                 <a:sym typeface="Arial" pitchFamily="34" charset="0"/>
               </a:rPr>
               <a:t>Second level</a:t>
@@ -13528,7 +13414,7 @@
           <a:p>
             <a:pPr lvl="2"/>
             <a:r>
-              <a:rPr lang="en-US" smtClean="0">
+              <a:rPr lang="en-US">
                 <a:sym typeface="Arial" pitchFamily="34" charset="0"/>
               </a:rPr>
               <a:t>Third level</a:t>
@@ -13537,7 +13423,7 @@
           <a:p>
             <a:pPr lvl="3"/>
             <a:r>
-              <a:rPr lang="en-US" smtClean="0">
+              <a:rPr lang="en-US">
                 <a:sym typeface="Arial" pitchFamily="34" charset="0"/>
               </a:rPr>
               <a:t>Fourth level</a:t>
@@ -13546,7 +13432,7 @@
           <a:p>
             <a:pPr lvl="4"/>
             <a:r>
-              <a:rPr lang="en-US" smtClean="0">
+              <a:rPr lang="en-US">
                 <a:sym typeface="Arial" pitchFamily="34" charset="0"/>
               </a:rPr>
               <a:t>Fifth level</a:t>
@@ -14128,7 +14014,7 @@
           <a:p>
             <a:pPr lvl="0"/>
             <a:r>
-              <a:rPr lang="en-US" smtClean="0">
+              <a:rPr lang="en-US">
                 <a:sym typeface="Arial" pitchFamily="34" charset="0"/>
               </a:rPr>
               <a:t>Click to edit Master title style</a:t>
@@ -14172,7 +14058,7 @@
           <a:p>
             <a:pPr lvl="0"/>
             <a:r>
-              <a:rPr lang="en-US" smtClean="0">
+              <a:rPr lang="en-US">
                 <a:sym typeface="Arial" pitchFamily="34" charset="0"/>
               </a:rPr>
               <a:t>Click to edit Master text styles</a:t>
@@ -14181,7 +14067,7 @@
           <a:p>
             <a:pPr lvl="1"/>
             <a:r>
-              <a:rPr lang="en-US" smtClean="0">
+              <a:rPr lang="en-US">
                 <a:sym typeface="Arial" pitchFamily="34" charset="0"/>
               </a:rPr>
               <a:t>Second level</a:t>
@@ -14190,7 +14076,7 @@
           <a:p>
             <a:pPr lvl="2"/>
             <a:r>
-              <a:rPr lang="en-US" smtClean="0">
+              <a:rPr lang="en-US">
                 <a:sym typeface="Arial" pitchFamily="34" charset="0"/>
               </a:rPr>
               <a:t>Third level</a:t>
@@ -14199,7 +14085,7 @@
           <a:p>
             <a:pPr lvl="3"/>
             <a:r>
-              <a:rPr lang="en-US" smtClean="0">
+              <a:rPr lang="en-US">
                 <a:sym typeface="Arial" pitchFamily="34" charset="0"/>
               </a:rPr>
               <a:t>Fourth level</a:t>
@@ -14208,7 +14094,7 @@
           <a:p>
             <a:pPr lvl="4"/>
             <a:r>
-              <a:rPr lang="en-US" smtClean="0">
+              <a:rPr lang="en-US">
                 <a:sym typeface="Arial" pitchFamily="34" charset="0"/>
               </a:rPr>
               <a:t>Fifth level</a:t>
@@ -14822,7 +14708,7 @@
           <a:p>
             <a:pPr lvl="0"/>
             <a:r>
-              <a:rPr lang="en-US" smtClean="0">
+              <a:rPr lang="en-US">
                 <a:sym typeface="Arial" pitchFamily="34" charset="0"/>
               </a:rPr>
               <a:t>Click to edit Master title style</a:t>
@@ -15436,7 +15322,7 @@
           <a:p>
             <a:pPr lvl="0"/>
             <a:r>
-              <a:rPr lang="en-US" smtClean="0">
+              <a:rPr lang="en-US">
                 <a:sym typeface="Arial" pitchFamily="34" charset="0"/>
               </a:rPr>
               <a:t>Click to edit Master title style</a:t>
@@ -16018,7 +15904,7 @@
           <a:p>
             <a:pPr lvl="0"/>
             <a:r>
-              <a:rPr lang="en-US" smtClean="0">
+              <a:rPr lang="en-US">
                 <a:sym typeface="Arial" pitchFamily="34" charset="0"/>
               </a:rPr>
               <a:t>Click to edit Master title style</a:t>
@@ -16062,7 +15948,7 @@
           <a:p>
             <a:pPr lvl="0"/>
             <a:r>
-              <a:rPr lang="en-US" smtClean="0">
+              <a:rPr lang="en-US">
                 <a:sym typeface="Arial" pitchFamily="34" charset="0"/>
               </a:rPr>
               <a:t>Click to edit Master text styles</a:t>
@@ -16071,7 +15957,7 @@
           <a:p>
             <a:pPr lvl="1"/>
             <a:r>
-              <a:rPr lang="en-US" smtClean="0">
+              <a:rPr lang="en-US">
                 <a:sym typeface="Arial" pitchFamily="34" charset="0"/>
               </a:rPr>
               <a:t>Second level</a:t>
@@ -16080,7 +15966,7 @@
           <a:p>
             <a:pPr lvl="2"/>
             <a:r>
-              <a:rPr lang="en-US" smtClean="0">
+              <a:rPr lang="en-US">
                 <a:sym typeface="Arial" pitchFamily="34" charset="0"/>
               </a:rPr>
               <a:t>Third level</a:t>
@@ -16089,7 +15975,7 @@
           <a:p>
             <a:pPr lvl="3"/>
             <a:r>
-              <a:rPr lang="en-US" smtClean="0">
+              <a:rPr lang="en-US">
                 <a:sym typeface="Arial" pitchFamily="34" charset="0"/>
               </a:rPr>
               <a:t>Fourth level</a:t>
@@ -16098,7 +15984,7 @@
           <a:p>
             <a:pPr lvl="4"/>
             <a:r>
-              <a:rPr lang="en-US" smtClean="0">
+              <a:rPr lang="en-US">
                 <a:sym typeface="Arial" pitchFamily="34" charset="0"/>
               </a:rPr>
               <a:t>Fifth level</a:t>
@@ -17146,7 +17032,7 @@
           <a:lstStyle/>
           <a:p>
             <a:r>
-              <a:rPr lang="en-US" smtClean="0"/>
+              <a:rPr lang="en-US"/>
               <a:t>Click to edit Master title style</a:t>
             </a:r>
             <a:endParaRPr lang="en-GB"/>
@@ -17180,35 +17066,35 @@
           <a:p>
             <a:pPr lvl="0"/>
             <a:r>
-              <a:rPr lang="en-US" smtClean="0"/>
+              <a:rPr lang="en-US"/>
               <a:t>Click to edit Master text styles</a:t>
             </a:r>
           </a:p>
           <a:p>
             <a:pPr lvl="1"/>
             <a:r>
-              <a:rPr lang="en-US" smtClean="0"/>
+              <a:rPr lang="en-US"/>
               <a:t>Second level</a:t>
             </a:r>
           </a:p>
           <a:p>
             <a:pPr lvl="2"/>
             <a:r>
-              <a:rPr lang="en-US" smtClean="0"/>
+              <a:rPr lang="en-US"/>
               <a:t>Third level</a:t>
             </a:r>
           </a:p>
           <a:p>
             <a:pPr lvl="3"/>
             <a:r>
-              <a:rPr lang="en-US" smtClean="0"/>
+              <a:rPr lang="en-US"/>
               <a:t>Fourth level</a:t>
             </a:r>
           </a:p>
           <a:p>
             <a:pPr lvl="4"/>
             <a:r>
-              <a:rPr lang="en-US" smtClean="0"/>
+              <a:rPr lang="en-US"/>
               <a:t>Fifth level</a:t>
             </a:r>
             <a:endParaRPr lang="en-GB"/>
@@ -17275,7 +17161,7 @@
                   <a:spcPts val="0"/>
                 </a:spcAft>
               </a:pPr>
-              <a:t>19/03/2020</a:t>
+              <a:t>01/12/2023</a:t>
             </a:fld>
             <a:endParaRPr lang="en-GB">
               <a:solidFill>
@@ -17747,27 +17633,8 @@
                 <a:cs typeface="Arial" pitchFamily="34" charset="0"/>
                 <a:sym typeface="Arial" pitchFamily="34" charset="0"/>
               </a:rPr>
-              <a:t>Spatial </a:t>
-            </a:r>
-            <a:r>
-              <a:rPr lang="en-US" sz="7300" dirty="0" smtClean="0">
-                <a:solidFill>
-                  <a:schemeClr val="tx1"/>
-                </a:solidFill>
-                <a:latin typeface="Arial" pitchFamily="34" charset="0"/>
-                <a:cs typeface="Arial" pitchFamily="34" charset="0"/>
-                <a:sym typeface="Arial" pitchFamily="34" charset="0"/>
-              </a:rPr>
-              <a:t>Audio Part 1: Stereo</a:t>
-            </a:r>
-            <a:endParaRPr lang="en-US" sz="7300" dirty="0">
-              <a:solidFill>
-                <a:schemeClr val="tx1"/>
-              </a:solidFill>
-              <a:latin typeface="Arial" pitchFamily="34" charset="0"/>
-              <a:cs typeface="Arial" pitchFamily="34" charset="0"/>
-              <a:sym typeface="Arial" pitchFamily="34" charset="0"/>
-            </a:endParaRPr>
+              <a:t>Spatial Audio Part 1: Stereo</a:t>
+            </a:r>
           </a:p>
         </p:txBody>
       </p:sp>
@@ -17814,13 +17681,6 @@
     <a:masterClrMapping/>
   </p:clrMapOvr>
   <p:transition/>
-  <p:timing>
-    <p:tnLst>
-      <p:par>
-        <p:cTn id="1" dur="indefinite" restart="never" nodeType="tmRoot"/>
-      </p:par>
-    </p:tnLst>
-  </p:timing>
 </p:sld>
 </file>
 
@@ -17858,10 +17718,9 @@
           <a:p>
             <a:pPr algn="l"/>
             <a:r>
-              <a:rPr lang="en-GB" dirty="0" smtClean="0"/>
+              <a:rPr lang="en-GB" dirty="0"/>
               <a:t>But there’s a problem</a:t>
             </a:r>
-            <a:endParaRPr lang="en-GB" dirty="0"/>
           </a:p>
         </p:txBody>
       </p:sp>
@@ -17888,34 +17747,6 @@
           <a:lstStyle/>
           <a:p>
             <a:r>
-              <a:rPr lang="en-GB" dirty="0" smtClean="0"/>
-              <a:t>If </a:t>
-            </a:r>
-            <a:r>
-              <a:rPr lang="en-GB" i="1" dirty="0" smtClean="0">
-                <a:latin typeface="Symbol" panose="05050102010706020507" pitchFamily="18" charset="2"/>
-              </a:rPr>
-              <a:t>f</a:t>
-            </a:r>
-            <a:r>
-              <a:rPr lang="en-GB" dirty="0" smtClean="0"/>
-              <a:t> = </a:t>
-            </a:r>
-            <a:r>
-              <a:rPr lang="en-GB" i="1" dirty="0" smtClean="0">
-                <a:latin typeface="Symbol" panose="05050102010706020507" pitchFamily="18" charset="2"/>
-              </a:rPr>
-              <a:t>q</a:t>
-            </a:r>
-          </a:p>
-          <a:p>
-            <a:endParaRPr lang="en-GB" dirty="0"/>
-          </a:p>
-          <a:p>
-            <a:endParaRPr lang="en-GB" dirty="0" smtClean="0"/>
-          </a:p>
-          <a:p>
-            <a:r>
               <a:rPr lang="en-GB" dirty="0"/>
               <a:t>If </a:t>
             </a:r>
@@ -17930,7 +17761,35 @@
               <a:t> = </a:t>
             </a:r>
             <a:r>
-              <a:rPr lang="en-GB" dirty="0" smtClean="0">
+              <a:rPr lang="en-GB" i="1" dirty="0">
+                <a:latin typeface="Symbol" panose="05050102010706020507" pitchFamily="18" charset="2"/>
+              </a:rPr>
+              <a:t>q</a:t>
+            </a:r>
+          </a:p>
+          <a:p>
+            <a:endParaRPr lang="en-GB" dirty="0"/>
+          </a:p>
+          <a:p>
+            <a:endParaRPr lang="en-GB" dirty="0"/>
+          </a:p>
+          <a:p>
+            <a:r>
+              <a:rPr lang="en-GB" dirty="0"/>
+              <a:t>If </a:t>
+            </a:r>
+            <a:r>
+              <a:rPr lang="en-GB" i="1" dirty="0">
+                <a:latin typeface="Symbol" panose="05050102010706020507" pitchFamily="18" charset="2"/>
+              </a:rPr>
+              <a:t>f</a:t>
+            </a:r>
+            <a:r>
+              <a:rPr lang="en-GB" dirty="0"/>
+              <a:t> = </a:t>
+            </a:r>
+            <a:r>
+              <a:rPr lang="en-GB" dirty="0">
                 <a:latin typeface="Symbol" panose="05050102010706020507" pitchFamily="18" charset="2"/>
               </a:rPr>
               <a:t>0</a:t>
@@ -17943,7 +17802,7 @@
           </a:p>
           <a:p>
             <a:r>
-              <a:rPr lang="en-GB" dirty="0" smtClean="0">
+              <a:rPr lang="en-GB" dirty="0">
                 <a:latin typeface="Arial" panose="020B0604020202020204" pitchFamily="34" charset="0"/>
                 <a:cs typeface="Arial" panose="020B0604020202020204" pitchFamily="34" charset="0"/>
               </a:rPr>
@@ -17955,7 +17814,7 @@
               <a:buNone/>
             </a:pPr>
             <a:r>
-              <a:rPr lang="en-GB" dirty="0" smtClean="0">
+              <a:rPr lang="en-GB" dirty="0">
                 <a:latin typeface="Arial" panose="020B0604020202020204" pitchFamily="34" charset="0"/>
                 <a:cs typeface="Arial" panose="020B0604020202020204" pitchFamily="34" charset="0"/>
                 <a:sym typeface="Wingdings" panose="05000000000000000000" pitchFamily="2" charset="2"/>
@@ -17968,7 +17827,7 @@
               <a:buNone/>
             </a:pPr>
             <a:r>
-              <a:rPr lang="en-GB" dirty="0" smtClean="0">
+              <a:rPr lang="en-GB" dirty="0">
                 <a:latin typeface="Arial" panose="020B0604020202020204" pitchFamily="34" charset="0"/>
                 <a:cs typeface="Arial" panose="020B0604020202020204" pitchFamily="34" charset="0"/>
                 <a:sym typeface="Wingdings" panose="05000000000000000000" pitchFamily="2" charset="2"/>
@@ -18013,12 +17872,12 @@
           <a:graphicData uri="http://schemas.openxmlformats.org/presentationml/2006/ole">
             <mc:AlternateContent xmlns:mc="http://schemas.openxmlformats.org/markup-compatibility/2006">
               <mc:Choice xmlns:v="urn:schemas-microsoft-com:vml" Requires="v">
-                <p:oleObj spid="_x0000_s208913" name="Equation" r:id="rId3" imgW="1562040" imgH="736560" progId="Equation.DSMT4">
+                <p:oleObj name="Equation" r:id="rId2" imgW="1562040" imgH="736560" progId="Equation.DSMT4">
                   <p:embed/>
                 </p:oleObj>
               </mc:Choice>
               <mc:Fallback>
-                <p:oleObj name="Equation" r:id="rId3" imgW="1562040" imgH="736560" progId="Equation.DSMT4">
+                <p:oleObj name="Equation" r:id="rId2" imgW="1562040" imgH="736560" progId="Equation.DSMT4">
                   <p:embed/>
                   <p:pic>
                     <p:nvPicPr>
@@ -18029,7 +17888,7 @@
                       <p:nvPr/>
                     </p:nvPicPr>
                     <p:blipFill>
-                      <a:blip r:embed="rId4"/>
+                      <a:blip r:embed="rId3"/>
                       <a:srcRect/>
                       <a:stretch>
                         <a:fillRect/>
@@ -18047,7 +17906,6 @@
                       <a:ln w="15875">
                         <a:noFill/>
                       </a:ln>
-                      <a:extLst/>
                     </p:spPr>
                   </p:pic>
                 </p:oleObj>
@@ -18078,12 +17936,12 @@
           <a:graphicData uri="http://schemas.openxmlformats.org/presentationml/2006/ole">
             <mc:AlternateContent xmlns:mc="http://schemas.openxmlformats.org/markup-compatibility/2006">
               <mc:Choice xmlns:v="urn:schemas-microsoft-com:vml" Requires="v">
-                <p:oleObj spid="_x0000_s208914" name="Equation" r:id="rId5" imgW="1562040" imgH="736560" progId="Equation.DSMT4">
+                <p:oleObj name="Equation" r:id="rId4" imgW="1562040" imgH="736560" progId="Equation.DSMT4">
                   <p:embed/>
                 </p:oleObj>
               </mc:Choice>
               <mc:Fallback>
-                <p:oleObj name="Equation" r:id="rId5" imgW="1562040" imgH="736560" progId="Equation.DSMT4">
+                <p:oleObj name="Equation" r:id="rId4" imgW="1562040" imgH="736560" progId="Equation.DSMT4">
                   <p:embed/>
                   <p:pic>
                     <p:nvPicPr>
@@ -18094,7 +17952,7 @@
                       <p:nvPr/>
                     </p:nvPicPr>
                     <p:blipFill>
-                      <a:blip r:embed="rId6"/>
+                      <a:blip r:embed="rId5"/>
                       <a:srcRect/>
                       <a:stretch>
                         <a:fillRect/>
@@ -18114,7 +17972,6 @@
                           <a:srgbClr val="FF0000"/>
                         </a:solidFill>
                       </a:ln>
-                      <a:extLst/>
                     </p:spPr>
                   </p:pic>
                 </p:oleObj>
@@ -18145,12 +18002,12 @@
           <a:graphicData uri="http://schemas.openxmlformats.org/presentationml/2006/ole">
             <mc:AlternateContent xmlns:mc="http://schemas.openxmlformats.org/markup-compatibility/2006">
               <mc:Choice xmlns:v="urn:schemas-microsoft-com:vml" Requires="v">
-                <p:oleObj spid="_x0000_s208915" name="Equation" r:id="rId7" imgW="1168200" imgH="431640" progId="Equation.DSMT4">
+                <p:oleObj name="Equation" r:id="rId6" imgW="1168200" imgH="431640" progId="Equation.DSMT4">
                   <p:embed/>
                 </p:oleObj>
               </mc:Choice>
               <mc:Fallback>
-                <p:oleObj name="Equation" r:id="rId7" imgW="1168200" imgH="431640" progId="Equation.DSMT4">
+                <p:oleObj name="Equation" r:id="rId6" imgW="1168200" imgH="431640" progId="Equation.DSMT4">
                   <p:embed/>
                   <p:pic>
                     <p:nvPicPr>
@@ -18161,7 +18018,7 @@
                       <p:nvPr/>
                     </p:nvPicPr>
                     <p:blipFill>
-                      <a:blip r:embed="rId8"/>
+                      <a:blip r:embed="rId7"/>
                       <a:srcRect/>
                       <a:stretch>
                         <a:fillRect/>
@@ -18179,7 +18036,6 @@
                       <a:ln w="15875">
                         <a:noFill/>
                       </a:ln>
-                      <a:extLst/>
                     </p:spPr>
                   </p:pic>
                 </p:oleObj>
@@ -18198,13 +18054,6 @@
   <p:clrMapOvr>
     <a:masterClrMapping/>
   </p:clrMapOvr>
-  <p:timing>
-    <p:tnLst>
-      <p:par>
-        <p:cTn id="1" dur="indefinite" restart="never" nodeType="tmRoot"/>
-      </p:par>
-    </p:tnLst>
-  </p:timing>
 </p:sld>
 </file>
 
@@ -18419,7 +18268,7 @@
               </a:spcAft>
             </a:pPr>
             <a:r>
-              <a:rPr lang="en-GB" sz="3400" i="1" dirty="0" smtClean="0">
+              <a:rPr lang="en-GB" sz="3400" i="1" dirty="0">
                 <a:solidFill>
                   <a:prstClr val="black"/>
                 </a:solidFill>
@@ -18471,7 +18320,7 @@
               </a:spcAft>
             </a:pPr>
             <a:r>
-              <a:rPr lang="en-GB" sz="3400" b="1" dirty="0" smtClean="0">
+              <a:rPr lang="en-GB" sz="3400" b="1" dirty="0">
                 <a:solidFill>
                   <a:prstClr val="black"/>
                 </a:solidFill>
@@ -18482,7 +18331,7 @@
               <a:t>l</a:t>
             </a:r>
             <a:r>
-              <a:rPr lang="en-GB" sz="3400" b="1" baseline="-25000" dirty="0" smtClean="0">
+              <a:rPr lang="en-GB" sz="3400" b="1" baseline="-25000" dirty="0">
                 <a:solidFill>
                   <a:prstClr val="black"/>
                 </a:solidFill>
@@ -18681,7 +18530,7 @@
               </a:spcAft>
             </a:pPr>
             <a:r>
-              <a:rPr lang="en-GB" sz="3400" i="1" dirty="0" smtClean="0">
+              <a:rPr lang="en-GB" sz="3400" i="1" dirty="0">
                 <a:solidFill>
                   <a:prstClr val="black"/>
                 </a:solidFill>
@@ -18733,7 +18582,7 @@
               </a:spcAft>
             </a:pPr>
             <a:r>
-              <a:rPr lang="en-GB" sz="3400" b="1" dirty="0" smtClean="0">
+              <a:rPr lang="en-GB" sz="3400" b="1" dirty="0">
                 <a:solidFill>
                   <a:prstClr val="black"/>
                 </a:solidFill>
@@ -18744,7 +18593,7 @@
               <a:t>l</a:t>
             </a:r>
             <a:r>
-              <a:rPr lang="en-GB" sz="3400" b="1" baseline="-25000" dirty="0" smtClean="0">
+              <a:rPr lang="en-GB" sz="3400" b="1" baseline="-25000" dirty="0">
                 <a:solidFill>
                   <a:prstClr val="black"/>
                 </a:solidFill>
@@ -18796,7 +18645,7 @@
               </a:spcAft>
             </a:pPr>
             <a:r>
-              <a:rPr lang="en-GB" sz="3400" b="1" dirty="0" smtClean="0">
+              <a:rPr lang="en-GB" sz="3400" b="1" dirty="0">
                 <a:solidFill>
                   <a:prstClr val="black"/>
                 </a:solidFill>
@@ -18885,7 +18734,7 @@
               </a:spcAft>
             </a:pPr>
             <a:r>
-              <a:rPr lang="en-GB" sz="2600" i="1" dirty="0" smtClean="0">
+              <a:rPr lang="en-GB" sz="2600" i="1" dirty="0">
                 <a:solidFill>
                   <a:prstClr val="black"/>
                 </a:solidFill>
@@ -18896,7 +18745,7 @@
               <a:t>x </a:t>
             </a:r>
             <a:r>
-              <a:rPr lang="en-GB" sz="2600" dirty="0" smtClean="0">
+              <a:rPr lang="en-GB" sz="2600" dirty="0">
                 <a:solidFill>
                   <a:prstClr val="black"/>
                 </a:solidFill>
@@ -18948,7 +18797,7 @@
               </a:spcAft>
             </a:pPr>
             <a:r>
-              <a:rPr lang="en-GB" sz="2600" i="1" dirty="0" smtClean="0">
+              <a:rPr lang="en-GB" sz="2600" i="1" dirty="0">
                 <a:solidFill>
                   <a:prstClr val="black"/>
                 </a:solidFill>
@@ -18959,7 +18808,7 @@
               <a:t>y </a:t>
             </a:r>
             <a:r>
-              <a:rPr lang="en-GB" sz="2600" dirty="0" smtClean="0">
+              <a:rPr lang="en-GB" sz="2600" dirty="0">
                 <a:solidFill>
                   <a:prstClr val="black"/>
                 </a:solidFill>
@@ -19003,10 +18852,9 @@
           <a:lstStyle/>
           <a:p>
             <a:r>
-              <a:rPr lang="en-GB" sz="2400" dirty="0" smtClean="0"/>
+              <a:rPr lang="en-GB" sz="2400" dirty="0"/>
               <a:t>Gains scaled so that power is constant</a:t>
             </a:r>
-            <a:endParaRPr lang="en-GB" sz="2400" dirty="0"/>
           </a:p>
         </p:txBody>
       </p:sp>
@@ -19033,11 +18881,11 @@
           <a:lstStyle/>
           <a:p>
             <a:r>
-              <a:rPr lang="en-US" sz="2800" dirty="0" smtClean="0"/>
+              <a:rPr lang="en-US" sz="2800" dirty="0"/>
               <a:t>Also gives simple relation for perceived azimuth in terms of gains, </a:t>
             </a:r>
             <a:r>
-              <a:rPr lang="en-US" sz="2800" i="1" dirty="0" smtClean="0"/>
+              <a:rPr lang="en-US" sz="2800" i="1" dirty="0"/>
               <a:t>tangent law</a:t>
             </a:r>
             <a:endParaRPr lang="en-GB" sz="2800" dirty="0"/>
@@ -19066,12 +18914,12 @@
           <a:graphicData uri="http://schemas.openxmlformats.org/presentationml/2006/ole">
             <mc:AlternateContent xmlns:mc="http://schemas.openxmlformats.org/markup-compatibility/2006">
               <mc:Choice xmlns:v="urn:schemas-microsoft-com:vml" Requires="v">
-                <p:oleObj spid="_x0000_s204854" name="Equation" r:id="rId3" imgW="1041120" imgH="876240" progId="Equation.DSMT4">
+                <p:oleObj name="Equation" r:id="rId2" imgW="1041120" imgH="876240" progId="Equation.DSMT4">
                   <p:embed/>
                 </p:oleObj>
               </mc:Choice>
               <mc:Fallback>
-                <p:oleObj name="Equation" r:id="rId3" imgW="1041120" imgH="876240" progId="Equation.DSMT4">
+                <p:oleObj name="Equation" r:id="rId2" imgW="1041120" imgH="876240" progId="Equation.DSMT4">
                   <p:embed/>
                   <p:pic>
                     <p:nvPicPr>
@@ -19082,7 +18930,7 @@
                       <p:nvPr/>
                     </p:nvPicPr>
                     <p:blipFill>
-                      <a:blip r:embed="rId4"/>
+                      <a:blip r:embed="rId3"/>
                       <a:srcRect/>
                       <a:stretch>
                         <a:fillRect/>
@@ -19136,12 +18984,12 @@
           <a:graphicData uri="http://schemas.openxmlformats.org/presentationml/2006/ole">
             <mc:AlternateContent xmlns:mc="http://schemas.openxmlformats.org/markup-compatibility/2006">
               <mc:Choice xmlns:v="urn:schemas-microsoft-com:vml" Requires="v">
-                <p:oleObj spid="_x0000_s204855" name="Equation" r:id="rId5" imgW="1562040" imgH="736560" progId="Equation.DSMT4">
+                <p:oleObj name="Equation" r:id="rId4" imgW="1562040" imgH="736560" progId="Equation.DSMT4">
                   <p:embed/>
                 </p:oleObj>
               </mc:Choice>
               <mc:Fallback>
-                <p:oleObj name="Equation" r:id="rId5" imgW="1562040" imgH="736560" progId="Equation.DSMT4">
+                <p:oleObj name="Equation" r:id="rId4" imgW="1562040" imgH="736560" progId="Equation.DSMT4">
                   <p:embed/>
                   <p:pic>
                     <p:nvPicPr>
@@ -19152,7 +19000,7 @@
                       <p:nvPr/>
                     </p:nvPicPr>
                     <p:blipFill>
-                      <a:blip r:embed="rId6"/>
+                      <a:blip r:embed="rId5"/>
                       <a:srcRect/>
                       <a:stretch>
                         <a:fillRect/>
@@ -19172,7 +19020,6 @@
                           <a:srgbClr val="FF0000"/>
                         </a:solidFill>
                       </a:ln>
-                      <a:extLst/>
                     </p:spPr>
                   </p:pic>
                 </p:oleObj>
@@ -19203,12 +19050,12 @@
           <a:graphicData uri="http://schemas.openxmlformats.org/presentationml/2006/ole">
             <mc:AlternateContent xmlns:mc="http://schemas.openxmlformats.org/markup-compatibility/2006">
               <mc:Choice xmlns:v="urn:schemas-microsoft-com:vml" Requires="v">
-                <p:oleObj spid="_x0000_s204856" name="Equation" r:id="rId7" imgW="1854200" imgH="812800" progId="Equation.DSMT4">
+                <p:oleObj name="Equation" r:id="rId6" imgW="1854200" imgH="812800" progId="Equation.DSMT4">
                   <p:embed/>
                 </p:oleObj>
               </mc:Choice>
               <mc:Fallback>
-                <p:oleObj name="Equation" r:id="rId7" imgW="1854200" imgH="812800" progId="Equation.DSMT4">
+                <p:oleObj name="Equation" r:id="rId6" imgW="1854200" imgH="812800" progId="Equation.DSMT4">
                   <p:embed/>
                   <p:pic>
                     <p:nvPicPr>
@@ -19219,7 +19066,7 @@
                       <p:nvPr/>
                     </p:nvPicPr>
                     <p:blipFill>
-                      <a:blip r:embed="rId8">
+                      <a:blip r:embed="rId7">
                         <a:extLst>
                           <a:ext uri="{28A0092B-C50C-407E-A947-70E740481C1C}">
                             <a14:useLocalDpi xmlns:a14="http://schemas.microsoft.com/office/drawing/2010/main" val="0"/>
@@ -19267,13 +19114,6 @@
   <p:clrMapOvr>
     <a:masterClrMapping/>
   </p:clrMapOvr>
-  <p:timing>
-    <p:tnLst>
-      <p:par>
-        <p:cTn id="1" dur="indefinite" restart="never" nodeType="tmRoot"/>
-      </p:par>
-    </p:tnLst>
-  </p:timing>
 </p:sld>
 </file>
 
@@ -19317,10 +19157,9 @@
           <a:lstStyle/>
           <a:p>
             <a:r>
-              <a:rPr lang="en-US" sz="4400" dirty="0" smtClean="0"/>
+              <a:rPr lang="en-US" sz="4400" dirty="0"/>
               <a:t>Constant power panning for two channels</a:t>
             </a:r>
-            <a:endParaRPr lang="en-US" sz="4400" dirty="0"/>
           </a:p>
         </p:txBody>
       </p:sp>
@@ -19466,7 +19305,7 @@
           <a:lstStyle/>
           <a:p>
             <a:pPr algn="l" defTabSz="1300460"/>
-            <a:endParaRPr lang="en-US" sz="2600" dirty="0" smtClean="0">
+            <a:endParaRPr lang="en-US" sz="2600" dirty="0">
               <a:solidFill>
                 <a:schemeClr val="tx1"/>
               </a:solidFill>
@@ -19498,7 +19337,7 @@
           <a:lstStyle/>
           <a:p>
             <a:r>
-              <a:rPr lang="en-GB" sz="3600" dirty="0" smtClean="0"/>
+              <a:rPr lang="en-GB" sz="3600" dirty="0"/>
               <a:t>On the left is the gain for each channel, and on the right is the total power and total gain.</a:t>
             </a:r>
             <a:endParaRPr lang="en-US" sz="3600" dirty="0"/>
@@ -19510,13 +19349,6 @@
   <p:clrMapOvr>
     <a:masterClrMapping/>
   </p:clrMapOvr>
-  <p:timing>
-    <p:tnLst>
-      <p:par>
-        <p:cTn id="1" dur="indefinite" restart="never" nodeType="tmRoot"/>
-      </p:par>
-    </p:tnLst>
-  </p:timing>
 </p:sld>
 </file>
 
@@ -19554,7 +19386,7 @@
           <a:p>
             <a:pPr eaLnBrk="1" hangingPunct="1"/>
             <a:r>
-              <a:rPr lang="en-US" dirty="0" smtClean="0"/>
+              <a:rPr lang="en-US" dirty="0"/>
               <a:t>Panning as a rotation matrix</a:t>
             </a:r>
           </a:p>
@@ -19593,26 +19425,26 @@
               <a:t> is 45°, </a:t>
             </a:r>
             <a:r>
-              <a:rPr lang="en-GB" sz="4000" dirty="0" smtClean="0"/>
+              <a:rPr lang="en-GB" sz="4000" dirty="0"/>
               <a:t>gains applied to 2 channels in order to steer sound source to desired azimuth obtained by matrix vector multiplication </a:t>
             </a:r>
           </a:p>
           <a:p>
             <a:pPr marL="1142650" lvl="1" eaLnBrk="1" hangingPunct="1"/>
-            <a:endParaRPr lang="en-US" dirty="0" smtClean="0"/>
+            <a:endParaRPr lang="en-US" dirty="0"/>
           </a:p>
           <a:p>
             <a:pPr marL="1142650" lvl="1" eaLnBrk="1" hangingPunct="1"/>
-            <a:endParaRPr lang="en-US" dirty="0" smtClean="0"/>
+            <a:endParaRPr lang="en-US" dirty="0"/>
           </a:p>
           <a:p>
             <a:pPr marL="1142650" lvl="1" eaLnBrk="1" hangingPunct="1"/>
-            <a:endParaRPr lang="en-US" dirty="0" smtClean="0"/>
+            <a:endParaRPr lang="en-US" dirty="0"/>
           </a:p>
           <a:p>
             <a:pPr marL="1142650" lvl="1" eaLnBrk="1" hangingPunct="1"/>
             <a:r>
-              <a:rPr lang="en-US" dirty="0" err="1" smtClean="0">
+              <a:rPr lang="en-US" dirty="0" err="1">
                 <a:latin typeface="Arial Bold" charset="0"/>
                 <a:cs typeface="Arial Bold" charset="0"/>
                 <a:sym typeface="Arial Bold" charset="0"/>
@@ -19620,27 +19452,27 @@
               <a:t>A</a:t>
             </a:r>
             <a:r>
-              <a:rPr lang="en-US" baseline="-6000" dirty="0" err="1" smtClean="0"/>
+              <a:rPr lang="en-US" baseline="-6000" dirty="0" err="1"/>
               <a:t>θ</a:t>
             </a:r>
             <a:r>
-              <a:rPr lang="en-US" dirty="0" smtClean="0"/>
+              <a:rPr lang="en-US" dirty="0"/>
               <a:t> is the </a:t>
             </a:r>
             <a:r>
-              <a:rPr lang="en-US" dirty="0" smtClean="0">
+              <a:rPr lang="en-US" dirty="0">
                 <a:solidFill>
                   <a:srgbClr val="0000FF"/>
                 </a:solidFill>
               </a:rPr>
               <a:t>rotation matrix</a:t>
             </a:r>
-            <a:endParaRPr lang="en-US" dirty="0" smtClean="0"/>
+            <a:endParaRPr lang="en-US" dirty="0"/>
           </a:p>
           <a:p>
             <a:pPr marL="634808" eaLnBrk="1" hangingPunct="1"/>
             <a:r>
-              <a:rPr lang="en-US" dirty="0" smtClean="0"/>
+              <a:rPr lang="en-US" dirty="0"/>
               <a:t>no scaling is needed and we have:</a:t>
             </a:r>
           </a:p>
@@ -19668,12 +19500,12 @@
           <a:graphicData uri="http://schemas.openxmlformats.org/presentationml/2006/ole">
             <mc:AlternateContent xmlns:mc="http://schemas.openxmlformats.org/markup-compatibility/2006">
               <mc:Choice xmlns:v="urn:schemas-microsoft-com:vml" Requires="v">
-                <p:oleObj spid="_x0000_s19498" name="Equation" r:id="rId3" imgW="660240" imgH="393480" progId="Equation.DSMT4">
+                <p:oleObj name="Equation" r:id="rId2" imgW="660240" imgH="393480" progId="Equation.DSMT4">
                   <p:embed/>
                 </p:oleObj>
               </mc:Choice>
               <mc:Fallback>
-                <p:oleObj name="Equation" r:id="rId3" imgW="660240" imgH="393480" progId="Equation.DSMT4">
+                <p:oleObj name="Equation" r:id="rId2" imgW="660240" imgH="393480" progId="Equation.DSMT4">
                   <p:embed/>
                   <p:pic>
                     <p:nvPicPr>
@@ -19684,7 +19516,7 @@
                       <p:nvPr/>
                     </p:nvPicPr>
                     <p:blipFill>
-                      <a:blip r:embed="rId4"/>
+                      <a:blip r:embed="rId3"/>
                       <a:srcRect/>
                       <a:stretch>
                         <a:fillRect/>
@@ -19738,12 +19570,12 @@
           <a:graphicData uri="http://schemas.openxmlformats.org/presentationml/2006/ole">
             <mc:AlternateContent xmlns:mc="http://schemas.openxmlformats.org/markup-compatibility/2006">
               <mc:Choice xmlns:v="urn:schemas-microsoft-com:vml" Requires="v">
-                <p:oleObj spid="_x0000_s19499" name="Equation" r:id="rId5" imgW="1854000" imgH="444240" progId="Equation.DSMT4">
+                <p:oleObj name="Equation" r:id="rId4" imgW="1854000" imgH="444240" progId="Equation.DSMT4">
                   <p:embed/>
                 </p:oleObj>
               </mc:Choice>
               <mc:Fallback>
-                <p:oleObj name="Equation" r:id="rId5" imgW="1854000" imgH="444240" progId="Equation.DSMT4">
+                <p:oleObj name="Equation" r:id="rId4" imgW="1854000" imgH="444240" progId="Equation.DSMT4">
                   <p:embed/>
                   <p:pic>
                     <p:nvPicPr>
@@ -19754,7 +19586,7 @@
                       <p:nvPr/>
                     </p:nvPicPr>
                     <p:blipFill>
-                      <a:blip r:embed="rId6"/>
+                      <a:blip r:embed="rId5"/>
                       <a:srcRect/>
                       <a:stretch>
                         <a:fillRect/>
@@ -19792,13 +19624,6 @@
     <a:masterClrMapping/>
   </p:clrMapOvr>
   <p:transition/>
-  <p:timing>
-    <p:tnLst>
-      <p:par>
-        <p:cTn id="1" dur="indefinite" restart="never" nodeType="tmRoot"/>
-      </p:par>
-    </p:tnLst>
-  </p:timing>
 </p:sld>
 </file>
 
@@ -19854,18 +19679,10 @@
             </a:r>
             <a:r>
               <a:rPr lang="en-US" sz="4000" dirty="0"/>
-              <a:t> </a:t>
-            </a:r>
-            <a:r>
-              <a:rPr lang="en-US" sz="4000" dirty="0" smtClean="0"/>
-              <a:t>as </a:t>
-            </a:r>
-            <a:r>
-              <a:rPr lang="en-US" sz="4000" dirty="0"/>
-              <a:t>function of </a:t>
-            </a:r>
-            <a:r>
-              <a:rPr lang="en-US" sz="4000" dirty="0" smtClean="0">
+              <a:t> as function of </a:t>
+            </a:r>
+            <a:r>
+              <a:rPr lang="en-US" sz="4000" dirty="0">
                 <a:solidFill>
                   <a:srgbClr val="0000FF"/>
                 </a:solidFill>
@@ -19873,7 +19690,7 @@
               <a:t>stereo level </a:t>
             </a:r>
             <a:r>
-              <a:rPr lang="en-US" sz="4000" dirty="0" smtClean="0"/>
+              <a:rPr lang="en-US" sz="4000" dirty="0"/>
               <a:t>difference </a:t>
             </a:r>
             <a:endParaRPr lang="en-US" sz="4000" dirty="0">
@@ -19923,13 +19740,6 @@
     <a:masterClrMapping/>
   </p:clrMapOvr>
   <p:transition/>
-  <p:timing>
-    <p:tnLst>
-      <p:par>
-        <p:cTn id="1" dur="indefinite" restart="never" nodeType="tmRoot"/>
-      </p:par>
-    </p:tnLst>
-  </p:timing>
 </p:sld>
 </file>
 
@@ -19967,15 +19777,15 @@
           <a:p>
             <a:pPr eaLnBrk="1" hangingPunct="1"/>
             <a:r>
-              <a:rPr lang="en-US" dirty="0" smtClean="0"/>
+              <a:rPr lang="en-US" dirty="0"/>
               <a:t>Variations: </a:t>
             </a:r>
             <a:r>
-              <a:rPr lang="en-US" dirty="0" err="1" smtClean="0"/>
+              <a:rPr lang="en-US" dirty="0" err="1"/>
               <a:t>Blumlein</a:t>
             </a:r>
             <a:r>
-              <a:rPr lang="en-US" dirty="0" smtClean="0"/>
+              <a:rPr lang="en-US" dirty="0"/>
               <a:t> law</a:t>
             </a:r>
           </a:p>
@@ -20003,7 +19813,7 @@
           <a:p>
             <a:pPr marL="573812" eaLnBrk="1" hangingPunct="1"/>
             <a:r>
-              <a:rPr lang="en-US" sz="3400" dirty="0" smtClean="0"/>
+              <a:rPr lang="en-US" sz="3400" dirty="0"/>
               <a:t>We derived the tangent law</a:t>
             </a:r>
           </a:p>
@@ -20013,20 +19823,20 @@
           </a:p>
           <a:p>
             <a:pPr marL="573812" eaLnBrk="1" hangingPunct="1"/>
-            <a:endParaRPr lang="en-US" sz="3400" dirty="0" smtClean="0"/>
+            <a:endParaRPr lang="en-US" sz="3400" dirty="0"/>
           </a:p>
           <a:p>
             <a:pPr marL="573812" eaLnBrk="1" hangingPunct="1"/>
-            <a:endParaRPr lang="en-US" sz="3400" dirty="0" smtClean="0"/>
+            <a:endParaRPr lang="en-US" sz="3400" dirty="0"/>
           </a:p>
           <a:p>
             <a:pPr marL="573812" eaLnBrk="1" hangingPunct="1"/>
             <a:r>
-              <a:rPr lang="en-US" sz="3400" dirty="0" smtClean="0"/>
+              <a:rPr lang="en-US" sz="3400" dirty="0"/>
               <a:t>But for </a:t>
             </a:r>
             <a:r>
-              <a:rPr lang="en-US" sz="3400" dirty="0" smtClean="0">
+              <a:rPr lang="en-US" sz="3400" dirty="0">
                 <a:solidFill>
                   <a:srgbClr val="0000FF"/>
                 </a:solidFill>
@@ -20034,21 +19844,21 @@
               <a:t>broadband</a:t>
             </a:r>
             <a:r>
-              <a:rPr lang="en-US" sz="3400" dirty="0" smtClean="0"/>
+              <a:rPr lang="en-US" sz="3400" dirty="0"/>
               <a:t> signals (approximately):</a:t>
             </a:r>
           </a:p>
           <a:p>
             <a:pPr marL="573812" eaLnBrk="1" hangingPunct="1"/>
-            <a:endParaRPr lang="en-US" sz="3400" dirty="0" smtClean="0"/>
+            <a:endParaRPr lang="en-US" sz="3400" dirty="0"/>
           </a:p>
           <a:p>
             <a:pPr marL="573812" eaLnBrk="1" hangingPunct="1"/>
-            <a:endParaRPr lang="en-US" sz="3400" dirty="0" smtClean="0"/>
+            <a:endParaRPr lang="en-US" sz="3400" dirty="0"/>
           </a:p>
           <a:p>
             <a:pPr marL="573812" eaLnBrk="1" hangingPunct="1"/>
-            <a:endParaRPr lang="en-US" sz="3400" dirty="0" smtClean="0">
+            <a:endParaRPr lang="en-US" sz="3400" dirty="0">
               <a:latin typeface="Arial Italic" charset="0"/>
               <a:cs typeface="Arial Italic" charset="0"/>
               <a:sym typeface="Arial Italic" charset="0"/>
@@ -20057,14 +19867,14 @@
           <a:p>
             <a:pPr marL="573812" eaLnBrk="1" hangingPunct="1"/>
             <a:r>
-              <a:rPr lang="en-GB" sz="3400" dirty="0" smtClean="0">
+              <a:rPr lang="en-GB" sz="3400" dirty="0">
                 <a:cs typeface="Arial Italic" charset="0"/>
                 <a:sym typeface="Arial Italic" charset="0"/>
               </a:rPr>
               <a:t>Known as </a:t>
             </a:r>
             <a:r>
-              <a:rPr lang="en-GB" sz="3400" dirty="0" smtClean="0">
+              <a:rPr lang="en-GB" sz="3400" dirty="0">
                 <a:solidFill>
                   <a:srgbClr val="0014BE"/>
                 </a:solidFill>
@@ -20074,14 +19884,14 @@
               <a:t>sine law </a:t>
             </a:r>
             <a:r>
-              <a:rPr lang="en-GB" sz="3400" dirty="0" smtClean="0">
+              <a:rPr lang="en-GB" sz="3400" dirty="0">
                 <a:cs typeface="Arial Italic" charset="0"/>
                 <a:sym typeface="Arial Italic" charset="0"/>
               </a:rPr>
               <a:t>or </a:t>
             </a:r>
             <a:r>
-              <a:rPr lang="en-GB" sz="3400" dirty="0" err="1" smtClean="0">
+              <a:rPr lang="en-GB" sz="3400" dirty="0" err="1">
                 <a:solidFill>
                   <a:srgbClr val="0014BE"/>
                 </a:solidFill>
@@ -20091,7 +19901,7 @@
               <a:t>Blumlein</a:t>
             </a:r>
             <a:r>
-              <a:rPr lang="en-GB" sz="3400" dirty="0" smtClean="0">
+              <a:rPr lang="en-GB" sz="3400" dirty="0">
                 <a:solidFill>
                   <a:srgbClr val="0014BE"/>
                 </a:solidFill>
@@ -20100,7 +19910,7 @@
               </a:rPr>
               <a:t> law</a:t>
             </a:r>
-            <a:endParaRPr lang="en-US" sz="3400" dirty="0" smtClean="0">
+            <a:endParaRPr lang="en-US" sz="3400" dirty="0">
               <a:solidFill>
                 <a:srgbClr val="0014BE"/>
               </a:solidFill>
@@ -20111,7 +19921,7 @@
           <a:p>
             <a:pPr marL="573812" eaLnBrk="1" hangingPunct="1"/>
             <a:r>
-              <a:rPr lang="en-US" sz="3400" dirty="0" smtClean="0">
+              <a:rPr lang="en-US" sz="3400" dirty="0">
                 <a:latin typeface="+mj-lt"/>
                 <a:cs typeface="Arial Italic" charset="0"/>
                 <a:sym typeface="Arial Italic" charset="0"/>
@@ -20119,7 +19929,7 @@
               <a:t>And </a:t>
             </a:r>
             <a:r>
-              <a:rPr lang="en-US" sz="3400" dirty="0" err="1" smtClean="0">
+              <a:rPr lang="en-US" sz="3400" dirty="0" err="1">
                 <a:latin typeface="+mj-lt"/>
                 <a:cs typeface="Arial Italic" charset="0"/>
                 <a:sym typeface="Arial Italic" charset="0"/>
@@ -20127,7 +19937,7 @@
               <a:t>Blumlein’s</a:t>
             </a:r>
             <a:r>
-              <a:rPr lang="en-US" sz="3400" dirty="0" smtClean="0">
+              <a:rPr lang="en-US" sz="3400" dirty="0">
                 <a:latin typeface="+mj-lt"/>
                 <a:cs typeface="Arial Italic" charset="0"/>
                 <a:sym typeface="Arial Italic" charset="0"/>
@@ -20135,7 +19945,7 @@
               <a:t> original patent used the small angle approximation </a:t>
             </a:r>
             <a:r>
-              <a:rPr lang="en-US" sz="3400" dirty="0" smtClean="0">
+              <a:rPr lang="en-US" sz="3400" dirty="0">
                 <a:latin typeface="Arial Italic" charset="0"/>
                 <a:cs typeface="Arial Italic" charset="0"/>
                 <a:sym typeface="Arial Italic" charset="0"/>
@@ -20146,14 +19956,14 @@
           <a:p>
             <a:pPr marL="573812" eaLnBrk="1" hangingPunct="1"/>
             <a:r>
-              <a:rPr lang="en-US" sz="3400" dirty="0" smtClean="0">
+              <a:rPr lang="en-US" sz="3400" dirty="0">
                 <a:latin typeface="Arial Italic" charset="0"/>
                 <a:cs typeface="Arial Italic" charset="0"/>
                 <a:sym typeface="Arial Italic" charset="0"/>
               </a:rPr>
               <a:t>In production, all the panning laws assume you know the speaker angle for playback</a:t>
             </a:r>
-            <a:endParaRPr lang="en-US" sz="3400" dirty="0" smtClean="0"/>
+            <a:endParaRPr lang="en-US" sz="3400" dirty="0"/>
           </a:p>
         </p:txBody>
       </p:sp>
@@ -20179,12 +19989,12 @@
           <a:graphicData uri="http://schemas.openxmlformats.org/presentationml/2006/ole">
             <mc:AlternateContent xmlns:mc="http://schemas.openxmlformats.org/markup-compatibility/2006">
               <mc:Choice xmlns:v="urn:schemas-microsoft-com:vml" Requires="v">
-                <p:oleObj spid="_x0000_s211974" name="Equation" r:id="rId4" imgW="1066680" imgH="368280" progId="Equation.DSMT4">
+                <p:oleObj name="Equation" r:id="rId3" imgW="1066680" imgH="368280" progId="Equation.DSMT4">
                   <p:embed/>
                 </p:oleObj>
               </mc:Choice>
               <mc:Fallback>
-                <p:oleObj name="Equation" r:id="rId4" imgW="1066680" imgH="368280" progId="Equation.DSMT4">
+                <p:oleObj name="Equation" r:id="rId3" imgW="1066680" imgH="368280" progId="Equation.DSMT4">
                   <p:embed/>
                   <p:pic>
                     <p:nvPicPr>
@@ -20195,7 +20005,7 @@
                       <p:nvPr/>
                     </p:nvPicPr>
                     <p:blipFill>
-                      <a:blip r:embed="rId5"/>
+                      <a:blip r:embed="rId4"/>
                       <a:srcRect/>
                       <a:stretch>
                         <a:fillRect/>
@@ -20249,12 +20059,12 @@
           <a:graphicData uri="http://schemas.openxmlformats.org/presentationml/2006/ole">
             <mc:AlternateContent xmlns:mc="http://schemas.openxmlformats.org/markup-compatibility/2006">
               <mc:Choice xmlns:v="urn:schemas-microsoft-com:vml" Requires="v">
-                <p:oleObj spid="_x0000_s211975" name="Equation" r:id="rId6" imgW="1091880" imgH="368280" progId="Equation.DSMT4">
+                <p:oleObj name="Equation" r:id="rId5" imgW="1091880" imgH="368280" progId="Equation.DSMT4">
                   <p:embed/>
                 </p:oleObj>
               </mc:Choice>
               <mc:Fallback>
-                <p:oleObj name="Equation" r:id="rId6" imgW="1091880" imgH="368280" progId="Equation.DSMT4">
+                <p:oleObj name="Equation" r:id="rId5" imgW="1091880" imgH="368280" progId="Equation.DSMT4">
                   <p:embed/>
                   <p:pic>
                     <p:nvPicPr>
@@ -20265,7 +20075,7 @@
                       <p:nvPr/>
                     </p:nvPicPr>
                     <p:blipFill>
-                      <a:blip r:embed="rId7"/>
+                      <a:blip r:embed="rId6"/>
                       <a:srcRect/>
                       <a:stretch>
                         <a:fillRect/>
@@ -20308,13 +20118,6 @@
     <a:masterClrMapping/>
   </p:clrMapOvr>
   <p:transition/>
-  <p:timing>
-    <p:tnLst>
-      <p:par>
-        <p:cTn id="1" dur="indefinite" restart="never" nodeType="tmRoot"/>
-      </p:par>
-    </p:tnLst>
-  </p:timing>
 </p:sld>
 </file>
 
@@ -20352,7 +20155,7 @@
           <a:p>
             <a:pPr eaLnBrk="1" hangingPunct="1"/>
             <a:r>
-              <a:rPr lang="en-US" smtClean="0"/>
+              <a:rPr lang="en-US"/>
               <a:t>Basics</a:t>
             </a:r>
           </a:p>
@@ -20375,7 +20178,7 @@
           <a:p>
             <a:pPr marL="634808" eaLnBrk="1" hangingPunct="1"/>
             <a:r>
-              <a:rPr lang="en-US" dirty="0" smtClean="0">
+              <a:rPr lang="en-US" dirty="0">
                 <a:solidFill>
                   <a:srgbClr val="0000FF"/>
                 </a:solidFill>
@@ -20383,55 +20186,55 @@
               <a:t>Spatial audio</a:t>
             </a:r>
             <a:r>
-              <a:rPr lang="en-US" dirty="0" smtClean="0"/>
+              <a:rPr lang="en-US" dirty="0"/>
               <a:t> is the virtual positioning of sounds in space</a:t>
             </a:r>
           </a:p>
           <a:p>
             <a:pPr marL="634808" eaLnBrk="1" hangingPunct="1"/>
             <a:r>
-              <a:rPr lang="en-US" dirty="0" smtClean="0"/>
+              <a:rPr lang="en-US" dirty="0"/>
               <a:t>Simplest case of spatial audio is </a:t>
             </a:r>
             <a:r>
-              <a:rPr lang="en-US" dirty="0" smtClean="0">
+              <a:rPr lang="en-US" dirty="0">
                 <a:solidFill>
                   <a:srgbClr val="0000FF"/>
                 </a:solidFill>
               </a:rPr>
               <a:t>stereo panning</a:t>
             </a:r>
-            <a:endParaRPr lang="en-US" dirty="0" smtClean="0"/>
+            <a:endParaRPr lang="en-US" dirty="0"/>
           </a:p>
           <a:p>
             <a:pPr lvl="1" eaLnBrk="1" hangingPunct="1"/>
             <a:r>
-              <a:rPr lang="en-US" sz="4000" dirty="0" smtClean="0"/>
+              <a:rPr lang="en-US" sz="4000" dirty="0"/>
               <a:t>feed channels same signal </a:t>
             </a:r>
           </a:p>
           <a:p>
             <a:pPr lvl="1" eaLnBrk="1" hangingPunct="1"/>
             <a:r>
-              <a:rPr lang="en-US" sz="4000" dirty="0" smtClean="0"/>
+              <a:rPr lang="en-US" sz="4000" dirty="0"/>
               <a:t>Adjust relative amplitude of channels</a:t>
             </a:r>
           </a:p>
           <a:p>
             <a:pPr eaLnBrk="1" hangingPunct="1"/>
             <a:r>
-              <a:rPr lang="en-US" sz="4400" dirty="0" smtClean="0"/>
+              <a:rPr lang="en-US" sz="4400" dirty="0"/>
               <a:t>usually accomplished by sound engineer for each sound source</a:t>
             </a:r>
           </a:p>
           <a:p>
             <a:pPr lvl="1" eaLnBrk="1" hangingPunct="1"/>
             <a:r>
-              <a:rPr lang="en-US" sz="4000" dirty="0" smtClean="0"/>
+              <a:rPr lang="en-US" sz="4000" dirty="0"/>
               <a:t>composing </a:t>
             </a:r>
             <a:r>
-              <a:rPr lang="en-US" sz="4000" dirty="0" smtClean="0">
+              <a:rPr lang="en-US" sz="4000" dirty="0">
                 <a:solidFill>
                   <a:srgbClr val="0014BE"/>
                 </a:solidFill>
@@ -20439,13 +20242,13 @@
               <a:t>panorama</a:t>
             </a:r>
             <a:r>
-              <a:rPr lang="en-US" sz="4000" dirty="0" smtClean="0"/>
+              <a:rPr lang="en-US" sz="4000" dirty="0"/>
               <a:t> of acoustic events in space spanned by loudspeakers</a:t>
             </a:r>
           </a:p>
           <a:p>
             <a:pPr marL="634807" eaLnBrk="1" hangingPunct="1"/>
-            <a:endParaRPr lang="en-US" dirty="0" smtClean="0"/>
+            <a:endParaRPr lang="en-US" dirty="0"/>
           </a:p>
         </p:txBody>
       </p:sp>
@@ -20455,13 +20258,6 @@
     <a:masterClrMapping/>
   </p:clrMapOvr>
   <p:transition/>
-  <p:timing>
-    <p:tnLst>
-      <p:par>
-        <p:cTn id="1" dur="indefinite" restart="never" nodeType="tmRoot"/>
-      </p:par>
-    </p:tnLst>
-  </p:timing>
 </p:sld>
 </file>
 
@@ -20499,7 +20295,7 @@
           <a:p>
             <a:pPr eaLnBrk="1" hangingPunct="1"/>
             <a:r>
-              <a:rPr lang="en-US" smtClean="0"/>
+              <a:rPr lang="en-US"/>
               <a:t>Historical aside: origin of stereo</a:t>
             </a:r>
           </a:p>
@@ -20527,12 +20323,8 @@
           <a:p>
             <a:pPr marL="442913" indent="-360363" eaLnBrk="1" hangingPunct="1"/>
             <a:r>
-              <a:rPr lang="en-US" dirty="0" smtClean="0"/>
-              <a:t>Early sound systems in </a:t>
-            </a:r>
-            <a:r>
-              <a:rPr lang="en-US" dirty="0" smtClean="0"/>
-              <a:t>theatres</a:t>
+              <a:rPr lang="en-US" dirty="0"/>
+              <a:t>Early sound systems in theatres</a:t>
             </a:r>
           </a:p>
           <a:p>
@@ -20541,84 +20333,64 @@
             </a:pPr>
             <a:r>
               <a:rPr lang="en-US" dirty="0"/>
-              <a:t> </a:t>
-            </a:r>
-            <a:r>
-              <a:rPr lang="en-US" dirty="0" smtClean="0"/>
-              <a:t>  </a:t>
-            </a:r>
+              <a:t>   had only one channel</a:t>
+            </a:r>
+          </a:p>
+          <a:p>
+            <a:pPr marL="803275" lvl="1" indent="-360363" eaLnBrk="1" hangingPunct="1"/>
             <a:r>
               <a:rPr lang="en-US" dirty="0"/>
-              <a:t>had only </a:t>
-            </a:r>
-            <a:r>
-              <a:rPr lang="en-US" dirty="0" smtClean="0"/>
-              <a:t>one channel</a:t>
+              <a:t>Separation between location of actor </a:t>
+            </a:r>
+            <a:br>
+              <a:rPr lang="en-US" dirty="0"/>
+            </a:br>
+            <a:r>
+              <a:rPr lang="en-US" dirty="0"/>
+              <a:t>on screen and location of voice</a:t>
+            </a:r>
+          </a:p>
+          <a:p>
+            <a:pPr marL="442913" indent="-360363" eaLnBrk="1" hangingPunct="1"/>
+            <a:r>
+              <a:rPr lang="en-US" dirty="0"/>
+              <a:t>Alan </a:t>
+            </a:r>
+            <a:r>
+              <a:rPr lang="en-US" dirty="0" err="1"/>
+              <a:t>Blumlein</a:t>
+            </a:r>
+            <a:r>
+              <a:rPr lang="en-US" dirty="0"/>
+              <a:t> (1903-1942)</a:t>
             </a:r>
           </a:p>
           <a:p>
             <a:pPr marL="803275" lvl="1" indent="-360363" eaLnBrk="1" hangingPunct="1"/>
             <a:r>
-              <a:rPr lang="en-US" dirty="0" smtClean="0"/>
-              <a:t>Separation between location of actor </a:t>
-            </a:r>
-            <a:br>
-              <a:rPr lang="en-US" dirty="0" smtClean="0"/>
-            </a:br>
-            <a:r>
-              <a:rPr lang="en-US" dirty="0" smtClean="0"/>
-              <a:t>on screen and location of voice</a:t>
-            </a:r>
-          </a:p>
-          <a:p>
-            <a:pPr marL="442913" indent="-360363" eaLnBrk="1" hangingPunct="1"/>
-            <a:r>
-              <a:rPr lang="en-US" dirty="0" smtClean="0"/>
-              <a:t>Alan </a:t>
-            </a:r>
-            <a:r>
-              <a:rPr lang="en-US" dirty="0" err="1" smtClean="0"/>
+              <a:rPr lang="en-US" dirty="0"/>
+              <a:t>Researcher at EMI</a:t>
+            </a:r>
+          </a:p>
+          <a:p>
+            <a:pPr marL="803275" lvl="1" indent="-360363" eaLnBrk="1" hangingPunct="1"/>
+            <a:r>
+              <a:rPr lang="en-US" dirty="0"/>
+              <a:t>1931, </a:t>
+            </a:r>
+            <a:r>
+              <a:rPr lang="en-US" dirty="0" err="1"/>
               <a:t>Blumlein</a:t>
             </a:r>
             <a:r>
-              <a:rPr lang="en-US" dirty="0" smtClean="0"/>
-              <a:t> (1903-1942)</a:t>
-            </a:r>
-          </a:p>
-          <a:p>
-            <a:pPr marL="803275" lvl="1" indent="-360363" eaLnBrk="1" hangingPunct="1"/>
-            <a:r>
-              <a:rPr lang="en-US" dirty="0" smtClean="0"/>
-              <a:t>Researcher at EMI</a:t>
-            </a:r>
-          </a:p>
-          <a:p>
-            <a:pPr marL="803275" lvl="1" indent="-360363" eaLnBrk="1" hangingPunct="1"/>
-            <a:r>
-              <a:rPr lang="en-US" dirty="0" smtClean="0"/>
-              <a:t>1931, </a:t>
-            </a:r>
-            <a:r>
-              <a:rPr lang="en-US" dirty="0" err="1" smtClean="0"/>
-              <a:t>Blumlein</a:t>
-            </a:r>
-            <a:r>
-              <a:rPr lang="en-US" dirty="0" smtClean="0"/>
-              <a:t> takes </a:t>
-            </a:r>
-            <a:r>
-              <a:rPr lang="en-US" dirty="0" smtClean="0"/>
-              <a:t>wife </a:t>
-            </a:r>
-            <a:r>
-              <a:rPr lang="en-US" dirty="0" smtClean="0"/>
-              <a:t>to the cinema</a:t>
+              <a:rPr lang="en-US" dirty="0"/>
+              <a:t> takes wife to the cinema</a:t>
             </a:r>
           </a:p>
           <a:p>
             <a:pPr marL="984250" lvl="2" indent="-263525" eaLnBrk="1" hangingPunct="1"/>
             <a:r>
-              <a:rPr lang="en-US" dirty="0" smtClean="0">
+              <a:rPr lang="en-US" dirty="0">
                 <a:latin typeface="Arial Italic" charset="0"/>
                 <a:cs typeface="Arial Italic" charset="0"/>
                 <a:sym typeface="Arial Italic" charset="0"/>
@@ -20626,7 +20398,7 @@
               <a:t>‘Do you </a:t>
             </a:r>
             <a:r>
-              <a:rPr lang="en-US" dirty="0" err="1" smtClean="0">
+              <a:rPr lang="en-US" dirty="0" err="1">
                 <a:latin typeface="Arial Italic" charset="0"/>
                 <a:cs typeface="Arial Italic" charset="0"/>
                 <a:sym typeface="Arial Italic" charset="0"/>
@@ -20634,14 +20406,14 @@
               <a:t>realise</a:t>
             </a:r>
             <a:r>
-              <a:rPr lang="en-US" dirty="0" smtClean="0">
+              <a:rPr lang="en-US" dirty="0">
                 <a:latin typeface="Arial Italic" charset="0"/>
                 <a:cs typeface="Arial Italic" charset="0"/>
                 <a:sym typeface="Arial Italic" charset="0"/>
               </a:rPr>
               <a:t> the sound only comes from one person?’</a:t>
             </a:r>
-            <a:endParaRPr lang="en-US" dirty="0" smtClean="0">
+            <a:endParaRPr lang="en-US" dirty="0">
               <a:latin typeface="Arial Italic" charset="0"/>
               <a:sym typeface="Arial Italic" charset="0"/>
             </a:endParaRPr>
@@ -20649,14 +20421,14 @@
           <a:p>
             <a:pPr marL="984250" lvl="2" indent="-263525" eaLnBrk="1" hangingPunct="1"/>
             <a:r>
-              <a:rPr lang="en-US" dirty="0" smtClean="0">
+              <a:rPr lang="en-US" dirty="0">
                 <a:latin typeface="Arial Italic" charset="0"/>
                 <a:cs typeface="Arial Italic" charset="0"/>
                 <a:sym typeface="Arial Italic" charset="0"/>
               </a:rPr>
               <a:t>‘Oh does it?’</a:t>
             </a:r>
-            <a:endParaRPr lang="en-US" dirty="0" smtClean="0">
+            <a:endParaRPr lang="en-US" dirty="0">
               <a:latin typeface="Arial Italic" charset="0"/>
               <a:sym typeface="Arial Italic" charset="0"/>
             </a:endParaRPr>
@@ -20664,14 +20436,14 @@
           <a:p>
             <a:pPr marL="984250" lvl="2" indent="-263525" eaLnBrk="1" hangingPunct="1"/>
             <a:r>
-              <a:rPr lang="en-US" dirty="0" smtClean="0">
+              <a:rPr lang="en-US" dirty="0">
                 <a:latin typeface="Arial Italic" charset="0"/>
                 <a:cs typeface="Arial Italic" charset="0"/>
                 <a:sym typeface="Arial Italic" charset="0"/>
               </a:rPr>
               <a:t>‘Yes. And I’ve got a way to make it follow the person.’</a:t>
             </a:r>
-            <a:endParaRPr lang="en-US" dirty="0" smtClean="0">
+            <a:endParaRPr lang="en-US" dirty="0">
               <a:latin typeface="Arial Italic" charset="0"/>
               <a:sym typeface="Arial Italic" charset="0"/>
             </a:endParaRPr>
@@ -20679,31 +20451,15 @@
           <a:p>
             <a:pPr marL="803275" lvl="1" indent="-360363" eaLnBrk="1" hangingPunct="1"/>
             <a:r>
-              <a:rPr lang="en-US" dirty="0" smtClean="0"/>
+              <a:rPr lang="en-US" dirty="0"/>
               <a:t>Resulting patent</a:t>
             </a:r>
           </a:p>
           <a:p>
             <a:pPr marL="984250" lvl="2" indent="-263525" eaLnBrk="1" hangingPunct="1"/>
             <a:r>
-              <a:rPr lang="en-US" sz="2400" dirty="0" smtClean="0"/>
-              <a:t>"Improvements in and relating to Sound transmission, Sound-recording and Sound-reproducing systems". </a:t>
-            </a:r>
-            <a:r>
-              <a:rPr lang="en-US" sz="2400" dirty="0" smtClean="0"/>
-              <a:t>Dec</a:t>
-            </a:r>
-            <a:r>
-              <a:rPr lang="en-US" sz="2400" dirty="0" smtClean="0"/>
-              <a:t>. 14, 1931, British patent </a:t>
-            </a:r>
-            <a:r>
-              <a:rPr lang="en-US" sz="2400" dirty="0" smtClean="0"/>
-              <a:t>394325</a:t>
-            </a:r>
-            <a:r>
-              <a:rPr lang="en-US" sz="2400" dirty="0" smtClean="0"/>
-              <a:t>.</a:t>
+              <a:rPr lang="en-US" sz="2400" dirty="0"/>
+              <a:t>"Improvements in and relating to Sound transmission, Sound-recording and Sound-reproducing systems". Dec. 14, 1931, British patent 394325.</a:t>
             </a:r>
           </a:p>
         </p:txBody>
@@ -20717,7 +20473,7 @@
           <p:nvPr/>
         </p:nvPicPr>
         <p:blipFill>
-          <a:blip r:embed="rId3" cstate="print"/>
+          <a:blip r:embed="rId5" cstate="print"/>
           <a:srcRect/>
           <a:stretch>
             <a:fillRect/>
@@ -20749,7 +20505,7 @@
           <p:nvPr/>
         </p:nvPicPr>
         <p:blipFill>
-          <a:blip r:embed="rId4"/>
+          <a:blip r:embed="rId6"/>
           <a:stretch>
             <a:fillRect/>
           </a:stretch>
@@ -20758,6 +20514,44 @@
           <a:xfrm>
             <a:off x="10342250" y="4516760"/>
             <a:ext cx="2645467" cy="3528392"/>
+          </a:xfrm>
+          <a:prstGeom prst="rect">
+            <a:avLst/>
+          </a:prstGeom>
+        </p:spPr>
+      </p:pic>
+      <p:pic>
+        <p:nvPicPr>
+          <p:cNvPr id="3" name="doreen2">
+            <a:hlinkClick r:id="" action="ppaction://media"/>
+            <a:extLst>
+              <a:ext uri="{FF2B5EF4-FFF2-40B4-BE49-F238E27FC236}">
+                <a16:creationId xmlns:a16="http://schemas.microsoft.com/office/drawing/2014/main" id="{7C73F96D-0A3D-E31F-C3BA-2BE9F04038D0}"/>
+              </a:ext>
+            </a:extLst>
+          </p:cNvPr>
+          <p:cNvPicPr>
+            <a:picLocks noChangeAspect="1"/>
+          </p:cNvPicPr>
+          <p:nvPr>
+            <a:audioFile r:link="rId2"/>
+            <p:extLst>
+              <p:ext uri="{DAA4B4D4-6D71-4841-9C94-3DE7FCFB9230}">
+                <p14:media xmlns:p14="http://schemas.microsoft.com/office/powerpoint/2010/main" r:embed="rId1"/>
+              </p:ext>
+            </p:extLst>
+          </p:nvPr>
+        </p:nvPicPr>
+        <p:blipFill>
+          <a:blip r:embed="rId7"/>
+          <a:stretch>
+            <a:fillRect/>
+          </a:stretch>
+        </p:blipFill>
+        <p:spPr>
+          <a:xfrm>
+            <a:off x="8518624" y="3868688"/>
+            <a:ext cx="1144637" cy="1144637"/>
           </a:xfrm>
           <a:prstGeom prst="rect">
             <a:avLst/>
@@ -20778,7 +20572,84 @@
   <p:timing>
     <p:tnLst>
       <p:par>
-        <p:cTn id="1" dur="indefinite" restart="never" nodeType="tmRoot"/>
+        <p:cTn id="1" dur="indefinite" restart="never" nodeType="tmRoot">
+          <p:childTnLst>
+            <p:seq concurrent="1" nextAc="seek">
+              <p:cTn id="2" dur="indefinite" nodeType="mainSeq">
+                <p:childTnLst>
+                  <p:par>
+                    <p:cTn id="3" fill="hold">
+                      <p:stCondLst>
+                        <p:cond delay="indefinite"/>
+                      </p:stCondLst>
+                      <p:childTnLst>
+                        <p:par>
+                          <p:cTn id="4" fill="hold">
+                            <p:stCondLst>
+                              <p:cond delay="0"/>
+                            </p:stCondLst>
+                            <p:childTnLst>
+                              <p:par>
+                                <p:cTn id="5" presetID="1" presetClass="mediacall" presetSubtype="0" fill="hold" nodeType="clickEffect">
+                                  <p:stCondLst>
+                                    <p:cond delay="0"/>
+                                  </p:stCondLst>
+                                  <p:childTnLst>
+                                    <p:cmd type="call" cmd="playFrom(0.0)">
+                                      <p:cBhvr>
+                                        <p:cTn id="6" dur="49677" fill="hold"/>
+                                        <p:tgtEl>
+                                          <p:spTgt spid="3"/>
+                                        </p:tgtEl>
+                                      </p:cBhvr>
+                                    </p:cmd>
+                                  </p:childTnLst>
+                                </p:cTn>
+                              </p:par>
+                            </p:childTnLst>
+                          </p:cTn>
+                        </p:par>
+                      </p:childTnLst>
+                    </p:cTn>
+                  </p:par>
+                </p:childTnLst>
+              </p:cTn>
+              <p:prevCondLst>
+                <p:cond evt="onPrev" delay="0">
+                  <p:tgtEl>
+                    <p:sldTgt/>
+                  </p:tgtEl>
+                </p:cond>
+              </p:prevCondLst>
+              <p:nextCondLst>
+                <p:cond evt="onNext" delay="0">
+                  <p:tgtEl>
+                    <p:sldTgt/>
+                  </p:tgtEl>
+                </p:cond>
+              </p:nextCondLst>
+            </p:seq>
+            <p:audio>
+              <p:cMediaNode vol="80000">
+                <p:cTn id="7" fill="hold" display="0">
+                  <p:stCondLst>
+                    <p:cond delay="indefinite"/>
+                  </p:stCondLst>
+                  <p:endCondLst>
+                    <p:cond evt="onStopAudio" delay="0">
+                      <p:tgtEl>
+                        <p:sldTgt/>
+                      </p:tgtEl>
+                    </p:cond>
+                  </p:endCondLst>
+                </p:cTn>
+                <p:tgtEl>
+                  <p:spTgt spid="3"/>
+                </p:tgtEl>
+              </p:cMediaNode>
+            </p:audio>
+          </p:childTnLst>
+        </p:cTn>
       </p:par>
     </p:tnLst>
   </p:timing>
@@ -20819,10 +20690,9 @@
           <a:p>
             <a:pPr algn="ctr"/>
             <a:r>
-              <a:rPr lang="en-GB" dirty="0" smtClean="0"/>
+              <a:rPr lang="en-GB" dirty="0"/>
               <a:t>The problem</a:t>
             </a:r>
-            <a:endParaRPr lang="en-GB" dirty="0"/>
           </a:p>
         </p:txBody>
       </p:sp>
@@ -20850,10 +20720,9 @@
               <a:buNone/>
             </a:pPr>
             <a:r>
-              <a:rPr lang="en-GB" dirty="0" smtClean="0"/>
+              <a:rPr lang="en-GB" dirty="0"/>
               <a:t>What gains should be applied to left and right channels in order to pan a sound source to a virtual position between two loudspeakers?</a:t>
             </a:r>
-            <a:endParaRPr lang="en-GB" dirty="0"/>
           </a:p>
         </p:txBody>
       </p:sp>
@@ -20868,13 +20737,6 @@
     <a:masterClrMapping/>
   </p:clrMapOvr>
   <p:transition/>
-  <p:timing>
-    <p:tnLst>
-      <p:par>
-        <p:cTn id="1" dur="indefinite" restart="never" nodeType="tmRoot"/>
-      </p:par>
-    </p:tnLst>
-  </p:timing>
 </p:sld>
 </file>
 
@@ -22152,7 +22014,7 @@
                 </a:spcAft>
               </a:pPr>
               <a:r>
-                <a:rPr lang="en-GB" sz="3400" i="1" dirty="0" smtClean="0">
+                <a:rPr lang="en-GB" sz="3400" i="1" dirty="0">
                   <a:solidFill>
                     <a:prstClr val="black"/>
                   </a:solidFill>
@@ -22204,7 +22066,7 @@
                 </a:spcAft>
               </a:pPr>
               <a:r>
-                <a:rPr lang="en-GB" sz="3400" b="1" dirty="0" smtClean="0">
+                <a:rPr lang="en-GB" sz="3400" b="1" dirty="0">
                   <a:solidFill>
                     <a:prstClr val="black"/>
                   </a:solidFill>
@@ -22215,7 +22077,7 @@
                 <a:t>l</a:t>
               </a:r>
               <a:r>
-                <a:rPr lang="en-GB" sz="3400" b="1" baseline="-25000" dirty="0" smtClean="0">
+                <a:rPr lang="en-GB" sz="3400" b="1" baseline="-25000" dirty="0">
                   <a:solidFill>
                     <a:prstClr val="black"/>
                   </a:solidFill>
@@ -22414,7 +22276,7 @@
                 </a:spcAft>
               </a:pPr>
               <a:r>
-                <a:rPr lang="en-GB" sz="3400" i="1" dirty="0" smtClean="0">
+                <a:rPr lang="en-GB" sz="3400" i="1" dirty="0">
                   <a:solidFill>
                     <a:prstClr val="black"/>
                   </a:solidFill>
@@ -22466,7 +22328,7 @@
                 </a:spcAft>
               </a:pPr>
               <a:r>
-                <a:rPr lang="en-GB" sz="3400" b="1" dirty="0" smtClean="0">
+                <a:rPr lang="en-GB" sz="3400" b="1" dirty="0">
                   <a:solidFill>
                     <a:prstClr val="black"/>
                   </a:solidFill>
@@ -22477,7 +22339,7 @@
                 <a:t>l</a:t>
               </a:r>
               <a:r>
-                <a:rPr lang="en-GB" sz="3400" b="1" baseline="-25000" dirty="0" smtClean="0">
+                <a:rPr lang="en-GB" sz="3400" b="1" baseline="-25000" dirty="0">
                   <a:solidFill>
                     <a:prstClr val="black"/>
                   </a:solidFill>
@@ -22529,7 +22391,7 @@
                 </a:spcAft>
               </a:pPr>
               <a:r>
-                <a:rPr lang="en-GB" sz="3400" b="1" dirty="0" smtClean="0">
+                <a:rPr lang="en-GB" sz="3400" b="1" dirty="0">
                   <a:solidFill>
                     <a:prstClr val="black"/>
                   </a:solidFill>
@@ -22618,7 +22480,7 @@
                 </a:spcAft>
               </a:pPr>
               <a:r>
-                <a:rPr lang="en-GB" sz="2600" i="1" dirty="0" smtClean="0">
+                <a:rPr lang="en-GB" sz="2600" i="1" dirty="0">
                   <a:solidFill>
                     <a:prstClr val="black"/>
                   </a:solidFill>
@@ -22629,7 +22491,7 @@
                 <a:t>x </a:t>
               </a:r>
               <a:r>
-                <a:rPr lang="en-GB" sz="2600" dirty="0" smtClean="0">
+                <a:rPr lang="en-GB" sz="2600" dirty="0">
                   <a:solidFill>
                     <a:prstClr val="black"/>
                   </a:solidFill>
@@ -22681,7 +22543,7 @@
                 </a:spcAft>
               </a:pPr>
               <a:r>
-                <a:rPr lang="en-GB" sz="2600" i="1" dirty="0" smtClean="0">
+                <a:rPr lang="en-GB" sz="2600" i="1" dirty="0">
                   <a:solidFill>
                     <a:prstClr val="black"/>
                   </a:solidFill>
@@ -22692,7 +22554,7 @@
                 <a:t>y </a:t>
               </a:r>
               <a:r>
-                <a:rPr lang="en-GB" sz="2600" dirty="0" smtClean="0">
+                <a:rPr lang="en-GB" sz="2600" dirty="0">
                   <a:solidFill>
                     <a:prstClr val="black"/>
                   </a:solidFill>
@@ -22737,13 +22599,13 @@
           <a:lstStyle/>
           <a:p>
             <a:r>
-              <a:rPr lang="en-GB" sz="3400" b="1" dirty="0" smtClean="0">
+              <a:rPr lang="en-GB" sz="3400" b="1" dirty="0">
                 <a:latin typeface="Times New Roman"/>
                 <a:ea typeface="Times New Roman"/>
               </a:rPr>
               <a:t>Listener and loudspeakers configuration for placing a sound source using level difference.</a:t>
             </a:r>
-            <a:endParaRPr lang="en-US" sz="3400" b="1" dirty="0" smtClean="0">
+            <a:endParaRPr lang="en-US" sz="3400" b="1" dirty="0">
               <a:latin typeface="Times New Roman"/>
               <a:ea typeface="Times New Roman"/>
             </a:endParaRPr>
@@ -22789,29 +22651,7 @@
                 <a:cs typeface="Arial" pitchFamily="34" charset="0"/>
                 <a:sym typeface="Arial" pitchFamily="34" charset="0"/>
               </a:rPr>
-              <a:t>Central listener and </a:t>
-            </a:r>
-            <a:r>
-              <a:rPr lang="en-US" sz="3100" dirty="0" smtClean="0">
-                <a:solidFill>
-                  <a:srgbClr val="0000FF"/>
-                </a:solidFill>
-                <a:latin typeface="Arial" pitchFamily="34" charset="0"/>
-                <a:cs typeface="Arial" pitchFamily="34" charset="0"/>
-                <a:sym typeface="Arial" pitchFamily="34" charset="0"/>
-              </a:rPr>
-              <a:t>two </a:t>
-            </a:r>
-            <a:r>
-              <a:rPr lang="en-US" sz="3100" dirty="0">
-                <a:solidFill>
-                  <a:srgbClr val="0000FF"/>
-                </a:solidFill>
-                <a:latin typeface="Arial" pitchFamily="34" charset="0"/>
-                <a:cs typeface="Arial" pitchFamily="34" charset="0"/>
-                <a:sym typeface="Arial" pitchFamily="34" charset="0"/>
-              </a:rPr>
-              <a:t>speakers</a:t>
+              <a:t>Central listener and two speakers</a:t>
             </a:r>
             <a:r>
               <a:rPr lang="en-US" dirty="0">
@@ -22856,7 +22696,7 @@
           <a:lstStyle/>
           <a:p>
             <a:r>
-              <a:rPr lang="en-US" sz="3100" dirty="0" smtClean="0">
+              <a:rPr lang="en-US" sz="3100" dirty="0">
                 <a:solidFill>
                   <a:schemeClr val="tx1"/>
                 </a:solidFill>
@@ -22880,17 +22720,6 @@
           </a:p>
           <a:p>
             <a:r>
-              <a:rPr lang="en-US" sz="3100" dirty="0" smtClean="0">
-                <a:solidFill>
-                  <a:schemeClr val="tx1"/>
-                </a:solidFill>
-                <a:latin typeface="Arial" pitchFamily="34" charset="0"/>
-                <a:cs typeface="Arial" pitchFamily="34" charset="0"/>
-                <a:sym typeface="Arial" pitchFamily="34" charset="0"/>
-              </a:rPr>
-              <a:t>θ </a:t>
-            </a:r>
-            <a:r>
               <a:rPr lang="en-US" sz="3100" dirty="0">
                 <a:solidFill>
                   <a:schemeClr val="tx1"/>
@@ -22899,7 +22728,7 @@
                 <a:cs typeface="Arial" pitchFamily="34" charset="0"/>
                 <a:sym typeface="Arial" pitchFamily="34" charset="0"/>
               </a:rPr>
-              <a:t>= angle of each speaker</a:t>
+              <a:t>θ = angle of each speaker</a:t>
             </a:r>
           </a:p>
         </p:txBody>
@@ -22989,12 +22818,12 @@
           <a:graphicData uri="http://schemas.openxmlformats.org/presentationml/2006/ole">
             <mc:AlternateContent xmlns:mc="http://schemas.openxmlformats.org/markup-compatibility/2006">
               <mc:Choice xmlns:v="urn:schemas-microsoft-com:vml" Requires="v">
-                <p:oleObj spid="_x0000_s1032" name="Equation" r:id="rId3" imgW="1256755" imgH="634725" progId="Equation.DSMT4">
+                <p:oleObj name="Equation" r:id="rId2" imgW="1256755" imgH="634725" progId="Equation.DSMT4">
                   <p:embed/>
                 </p:oleObj>
               </mc:Choice>
               <mc:Fallback>
-                <p:oleObj name="Equation" r:id="rId3" imgW="1256755" imgH="634725" progId="Equation.DSMT4">
+                <p:oleObj name="Equation" r:id="rId2" imgW="1256755" imgH="634725" progId="Equation.DSMT4">
                   <p:embed/>
                   <p:pic>
                     <p:nvPicPr>
@@ -23005,7 +22834,7 @@
                       <p:nvPr/>
                     </p:nvPicPr>
                     <p:blipFill>
-                      <a:blip r:embed="rId4">
+                      <a:blip r:embed="rId3">
                         <a:extLst>
                           <a:ext uri="{28A0092B-C50C-407E-A947-70E740481C1C}">
                             <a14:useLocalDpi xmlns:a14="http://schemas.microsoft.com/office/drawing/2010/main" val="0"/>
@@ -23048,13 +22877,6 @@
   <p:clrMapOvr>
     <a:masterClrMapping/>
   </p:clrMapOvr>
-  <p:timing>
-    <p:tnLst>
-      <p:par>
-        <p:cTn id="1" dur="indefinite" restart="never" nodeType="tmRoot"/>
-      </p:par>
-    </p:tnLst>
-  </p:timing>
 </p:sld>
 </file>
 
@@ -23160,12 +22982,12 @@
           <a:graphicData uri="http://schemas.openxmlformats.org/presentationml/2006/ole">
             <mc:AlternateContent xmlns:mc="http://schemas.openxmlformats.org/markup-compatibility/2006">
               <mc:Choice xmlns:v="urn:schemas-microsoft-com:vml" Requires="v">
-                <p:oleObj spid="_x0000_s203841" name="Equation" r:id="rId3" imgW="1256755" imgH="634725" progId="Equation.DSMT4">
+                <p:oleObj name="Equation" r:id="rId2" imgW="1256755" imgH="634725" progId="Equation.DSMT4">
                   <p:embed/>
                 </p:oleObj>
               </mc:Choice>
               <mc:Fallback>
-                <p:oleObj name="Equation" r:id="rId3" imgW="1256755" imgH="634725" progId="Equation.DSMT4">
+                <p:oleObj name="Equation" r:id="rId2" imgW="1256755" imgH="634725" progId="Equation.DSMT4">
                   <p:embed/>
                   <p:pic>
                     <p:nvPicPr>
@@ -23176,7 +22998,7 @@
                       <p:nvPr/>
                     </p:nvPicPr>
                     <p:blipFill>
-                      <a:blip r:embed="rId4">
+                      <a:blip r:embed="rId3">
                         <a:extLst>
                           <a:ext uri="{28A0092B-C50C-407E-A947-70E740481C1C}">
                             <a14:useLocalDpi xmlns:a14="http://schemas.microsoft.com/office/drawing/2010/main" val="0"/>
@@ -23345,7 +23167,7 @@
               </a:spcAft>
             </a:pPr>
             <a:r>
-              <a:rPr lang="en-GB" sz="3400" i="1" dirty="0" smtClean="0">
+              <a:rPr lang="en-GB" sz="3400" i="1" dirty="0">
                 <a:solidFill>
                   <a:prstClr val="black"/>
                 </a:solidFill>
@@ -23397,7 +23219,7 @@
               </a:spcAft>
             </a:pPr>
             <a:r>
-              <a:rPr lang="en-GB" sz="3400" b="1" dirty="0" smtClean="0">
+              <a:rPr lang="en-GB" sz="3400" b="1" dirty="0">
                 <a:solidFill>
                   <a:prstClr val="black"/>
                 </a:solidFill>
@@ -23408,7 +23230,7 @@
               <a:t>l</a:t>
             </a:r>
             <a:r>
-              <a:rPr lang="en-GB" sz="3400" b="1" baseline="-25000" dirty="0" smtClean="0">
+              <a:rPr lang="en-GB" sz="3400" b="1" baseline="-25000" dirty="0">
                 <a:solidFill>
                   <a:prstClr val="black"/>
                 </a:solidFill>
@@ -23607,7 +23429,7 @@
               </a:spcAft>
             </a:pPr>
             <a:r>
-              <a:rPr lang="en-GB" sz="3400" i="1" dirty="0" smtClean="0">
+              <a:rPr lang="en-GB" sz="3400" i="1" dirty="0">
                 <a:solidFill>
                   <a:prstClr val="black"/>
                 </a:solidFill>
@@ -23659,7 +23481,7 @@
               </a:spcAft>
             </a:pPr>
             <a:r>
-              <a:rPr lang="en-GB" sz="3400" b="1" dirty="0" smtClean="0">
+              <a:rPr lang="en-GB" sz="3400" b="1" dirty="0">
                 <a:solidFill>
                   <a:prstClr val="black"/>
                 </a:solidFill>
@@ -23670,7 +23492,7 @@
               <a:t>l</a:t>
             </a:r>
             <a:r>
-              <a:rPr lang="en-GB" sz="3400" b="1" baseline="-25000" dirty="0" smtClean="0">
+              <a:rPr lang="en-GB" sz="3400" b="1" baseline="-25000" dirty="0">
                 <a:solidFill>
                   <a:prstClr val="black"/>
                 </a:solidFill>
@@ -23722,7 +23544,7 @@
               </a:spcAft>
             </a:pPr>
             <a:r>
-              <a:rPr lang="en-GB" sz="3400" b="1" dirty="0" smtClean="0">
+              <a:rPr lang="en-GB" sz="3400" b="1" dirty="0">
                 <a:solidFill>
                   <a:prstClr val="black"/>
                 </a:solidFill>
@@ -23811,7 +23633,7 @@
               </a:spcAft>
             </a:pPr>
             <a:r>
-              <a:rPr lang="en-GB" sz="2600" i="1" dirty="0" smtClean="0">
+              <a:rPr lang="en-GB" sz="2600" i="1" dirty="0">
                 <a:solidFill>
                   <a:prstClr val="black"/>
                 </a:solidFill>
@@ -23822,7 +23644,7 @@
               <a:t>x </a:t>
             </a:r>
             <a:r>
-              <a:rPr lang="en-GB" sz="2600" dirty="0" smtClean="0">
+              <a:rPr lang="en-GB" sz="2600" dirty="0">
                 <a:solidFill>
                   <a:prstClr val="black"/>
                 </a:solidFill>
@@ -23874,7 +23696,7 @@
               </a:spcAft>
             </a:pPr>
             <a:r>
-              <a:rPr lang="en-GB" sz="2600" i="1" dirty="0" smtClean="0">
+              <a:rPr lang="en-GB" sz="2600" i="1" dirty="0">
                 <a:solidFill>
                   <a:prstClr val="black"/>
                 </a:solidFill>
@@ -23885,7 +23707,7 @@
               <a:t>y </a:t>
             </a:r>
             <a:r>
-              <a:rPr lang="en-GB" sz="2600" dirty="0" smtClean="0">
+              <a:rPr lang="en-GB" sz="2600" dirty="0">
                 <a:solidFill>
                   <a:prstClr val="black"/>
                 </a:solidFill>
@@ -23929,10 +23751,9 @@
           <a:lstStyle/>
           <a:p>
             <a:r>
-              <a:rPr lang="en-GB" sz="2800" dirty="0" smtClean="0"/>
+              <a:rPr lang="en-GB" sz="2800" dirty="0"/>
               <a:t>Unit vectors in loudspeaker directions</a:t>
             </a:r>
-            <a:endParaRPr lang="en-GB" sz="2800" dirty="0"/>
           </a:p>
         </p:txBody>
       </p:sp>
@@ -24021,12 +23842,12 @@
           <a:graphicData uri="http://schemas.openxmlformats.org/presentationml/2006/ole">
             <mc:AlternateContent xmlns:mc="http://schemas.openxmlformats.org/markup-compatibility/2006">
               <mc:Choice xmlns:v="urn:schemas-microsoft-com:vml" Requires="v">
-                <p:oleObj spid="_x0000_s203842" name="Equation" r:id="rId5" imgW="1536700" imgH="431800" progId="Equation.DSMT4">
+                <p:oleObj name="Equation" r:id="rId4" imgW="1536700" imgH="431800" progId="Equation.DSMT4">
                   <p:embed/>
                 </p:oleObj>
               </mc:Choice>
               <mc:Fallback>
-                <p:oleObj name="Equation" r:id="rId5" imgW="1536700" imgH="431800" progId="Equation.DSMT4">
+                <p:oleObj name="Equation" r:id="rId4" imgW="1536700" imgH="431800" progId="Equation.DSMT4">
                   <p:embed/>
                   <p:pic>
                     <p:nvPicPr>
@@ -24037,7 +23858,7 @@
                       <p:nvPr/>
                     </p:nvPicPr>
                     <p:blipFill>
-                      <a:blip r:embed="rId6">
+                      <a:blip r:embed="rId5">
                         <a:extLst>
                           <a:ext uri="{28A0092B-C50C-407E-A947-70E740481C1C}">
                             <a14:useLocalDpi xmlns:a14="http://schemas.microsoft.com/office/drawing/2010/main" val="0"/>
@@ -24099,35 +23920,15 @@
           <a:p>
             <a:r>
               <a:rPr lang="en-US" sz="2800" dirty="0"/>
-              <a:t>vector pointing towards </a:t>
-            </a:r>
-            <a:r>
-              <a:rPr lang="en-US" sz="2800" dirty="0" smtClean="0"/>
-              <a:t>source constructed </a:t>
+              <a:t>vector pointing towards source constructed by applying gains</a:t>
+            </a:r>
+            <a:r>
+              <a:rPr lang="en-US" sz="2800" baseline="-25000" dirty="0"/>
+              <a:t> </a:t>
             </a:r>
             <a:r>
               <a:rPr lang="en-US" sz="2800" dirty="0"/>
-              <a:t>by applying </a:t>
-            </a:r>
-            <a:r>
-              <a:rPr lang="en-US" sz="2800" dirty="0" smtClean="0"/>
-              <a:t>gains</a:t>
-            </a:r>
-            <a:r>
-              <a:rPr lang="en-US" sz="2800" baseline="-25000" dirty="0" smtClean="0"/>
-              <a:t> </a:t>
-            </a:r>
-            <a:r>
-              <a:rPr lang="en-US" sz="2800" dirty="0" smtClean="0"/>
-              <a:t>to vectors </a:t>
-            </a:r>
-            <a:r>
-              <a:rPr lang="en-US" sz="2800" dirty="0"/>
-              <a:t>pointing to </a:t>
-            </a:r>
-            <a:r>
-              <a:rPr lang="en-US" sz="2800" dirty="0" smtClean="0"/>
-              <a:t>speakers</a:t>
+              <a:t>to vectors pointing to speakers</a:t>
             </a:r>
             <a:endParaRPr lang="en-GB" sz="2800" dirty="0"/>
           </a:p>
@@ -24218,12 +24019,12 @@
           <a:graphicData uri="http://schemas.openxmlformats.org/presentationml/2006/ole">
             <mc:AlternateContent xmlns:mc="http://schemas.openxmlformats.org/markup-compatibility/2006">
               <mc:Choice xmlns:v="urn:schemas-microsoft-com:vml" Requires="v">
-                <p:oleObj spid="_x0000_s203843" name="Equation" r:id="rId7" imgW="2577960" imgH="431640" progId="Equation.DSMT4">
+                <p:oleObj name="Equation" r:id="rId6" imgW="2577960" imgH="431640" progId="Equation.DSMT4">
                   <p:embed/>
                 </p:oleObj>
               </mc:Choice>
               <mc:Fallback>
-                <p:oleObj name="Equation" r:id="rId7" imgW="2577960" imgH="431640" progId="Equation.DSMT4">
+                <p:oleObj name="Equation" r:id="rId6" imgW="2577960" imgH="431640" progId="Equation.DSMT4">
                   <p:embed/>
                   <p:pic>
                     <p:nvPicPr>
@@ -24234,7 +24035,7 @@
                       <p:nvPr/>
                     </p:nvPicPr>
                     <p:blipFill>
-                      <a:blip r:embed="rId8"/>
+                      <a:blip r:embed="rId7"/>
                       <a:srcRect/>
                       <a:stretch>
                         <a:fillRect/>
@@ -24339,13 +24140,6 @@
   <p:clrMapOvr>
     <a:masterClrMapping/>
   </p:clrMapOvr>
-  <p:timing>
-    <p:tnLst>
-      <p:par>
-        <p:cTn id="1" dur="indefinite" restart="never" nodeType="tmRoot"/>
-      </p:par>
-    </p:tnLst>
-  </p:timing>
 </p:sld>
 </file>
 
@@ -24435,9 +24229,7 @@
           <p:cNvGraphicFramePr>
             <a:graphicFrameLocks noChangeAspect="1"/>
           </p:cNvGraphicFramePr>
-          <p:nvPr>
-            <p:extLst/>
-          </p:nvPr>
+          <p:nvPr/>
         </p:nvGraphicFramePr>
         <p:xfrm>
           <a:off x="8308068" y="365685"/>
@@ -24447,12 +24239,12 @@
           <a:graphicData uri="http://schemas.openxmlformats.org/presentationml/2006/ole">
             <mc:AlternateContent xmlns:mc="http://schemas.openxmlformats.org/markup-compatibility/2006">
               <mc:Choice xmlns:v="urn:schemas-microsoft-com:vml" Requires="v">
-                <p:oleObj spid="_x0000_s209931" name="Equation" r:id="rId3" imgW="1256755" imgH="634725" progId="Equation.DSMT4">
+                <p:oleObj name="Equation" r:id="rId2" imgW="1256755" imgH="634725" progId="Equation.DSMT4">
                   <p:embed/>
                 </p:oleObj>
               </mc:Choice>
               <mc:Fallback>
-                <p:oleObj name="Equation" r:id="rId3" imgW="1256755" imgH="634725" progId="Equation.DSMT4">
+                <p:oleObj name="Equation" r:id="rId2" imgW="1256755" imgH="634725" progId="Equation.DSMT4">
                   <p:embed/>
                   <p:pic>
                     <p:nvPicPr>
@@ -24463,7 +24255,7 @@
                       <p:nvPr/>
                     </p:nvPicPr>
                     <p:blipFill>
-                      <a:blip r:embed="rId4">
+                      <a:blip r:embed="rId3">
                         <a:extLst>
                           <a:ext uri="{28A0092B-C50C-407E-A947-70E740481C1C}">
                             <a14:useLocalDpi xmlns:a14="http://schemas.microsoft.com/office/drawing/2010/main" val="0"/>
@@ -24632,7 +24424,7 @@
               </a:spcAft>
             </a:pPr>
             <a:r>
-              <a:rPr lang="en-GB" sz="3400" i="1" dirty="0" smtClean="0">
+              <a:rPr lang="en-GB" sz="3400" i="1" dirty="0">
                 <a:solidFill>
                   <a:prstClr val="black"/>
                 </a:solidFill>
@@ -24684,7 +24476,7 @@
               </a:spcAft>
             </a:pPr>
             <a:r>
-              <a:rPr lang="en-GB" sz="3400" b="1" dirty="0" smtClean="0">
+              <a:rPr lang="en-GB" sz="3400" b="1" dirty="0">
                 <a:solidFill>
                   <a:prstClr val="black"/>
                 </a:solidFill>
@@ -24695,7 +24487,7 @@
               <a:t>l</a:t>
             </a:r>
             <a:r>
-              <a:rPr lang="en-GB" sz="3400" b="1" baseline="-25000" dirty="0" smtClean="0">
+              <a:rPr lang="en-GB" sz="3400" b="1" baseline="-25000" dirty="0">
                 <a:solidFill>
                   <a:prstClr val="black"/>
                 </a:solidFill>
@@ -24894,7 +24686,7 @@
               </a:spcAft>
             </a:pPr>
             <a:r>
-              <a:rPr lang="en-GB" sz="3400" i="1" dirty="0" smtClean="0">
+              <a:rPr lang="en-GB" sz="3400" i="1" dirty="0">
                 <a:solidFill>
                   <a:prstClr val="black"/>
                 </a:solidFill>
@@ -24946,7 +24738,7 @@
               </a:spcAft>
             </a:pPr>
             <a:r>
-              <a:rPr lang="en-GB" sz="3400" b="1" dirty="0" smtClean="0">
+              <a:rPr lang="en-GB" sz="3400" b="1" dirty="0">
                 <a:solidFill>
                   <a:prstClr val="black"/>
                 </a:solidFill>
@@ -24957,7 +24749,7 @@
               <a:t>l</a:t>
             </a:r>
             <a:r>
-              <a:rPr lang="en-GB" sz="3400" b="1" baseline="-25000" dirty="0" smtClean="0">
+              <a:rPr lang="en-GB" sz="3400" b="1" baseline="-25000" dirty="0">
                 <a:solidFill>
                   <a:prstClr val="black"/>
                 </a:solidFill>
@@ -25009,7 +24801,7 @@
               </a:spcAft>
             </a:pPr>
             <a:r>
-              <a:rPr lang="en-GB" sz="3400" b="1" dirty="0" smtClean="0">
+              <a:rPr lang="en-GB" sz="3400" b="1" dirty="0">
                 <a:solidFill>
                   <a:prstClr val="black"/>
                 </a:solidFill>
@@ -25098,7 +24890,7 @@
               </a:spcAft>
             </a:pPr>
             <a:r>
-              <a:rPr lang="en-GB" sz="2600" i="1" dirty="0" smtClean="0">
+              <a:rPr lang="en-GB" sz="2600" i="1" dirty="0">
                 <a:solidFill>
                   <a:prstClr val="black"/>
                 </a:solidFill>
@@ -25109,7 +24901,7 @@
               <a:t>x </a:t>
             </a:r>
             <a:r>
-              <a:rPr lang="en-GB" sz="2600" dirty="0" smtClean="0">
+              <a:rPr lang="en-GB" sz="2600" dirty="0">
                 <a:solidFill>
                   <a:prstClr val="black"/>
                 </a:solidFill>
@@ -25161,7 +24953,7 @@
               </a:spcAft>
             </a:pPr>
             <a:r>
-              <a:rPr lang="en-GB" sz="2600" i="1" dirty="0" smtClean="0">
+              <a:rPr lang="en-GB" sz="2600" i="1" dirty="0">
                 <a:solidFill>
                   <a:prstClr val="black"/>
                 </a:solidFill>
@@ -25172,7 +24964,7 @@
               <a:t>y </a:t>
             </a:r>
             <a:r>
-              <a:rPr lang="en-GB" sz="2600" dirty="0" smtClean="0">
+              <a:rPr lang="en-GB" sz="2600" dirty="0">
                 <a:solidFill>
                   <a:prstClr val="black"/>
                 </a:solidFill>
@@ -25216,10 +25008,9 @@
           <a:lstStyle/>
           <a:p>
             <a:r>
-              <a:rPr lang="en-GB" sz="2800" dirty="0" smtClean="0"/>
+              <a:rPr lang="en-GB" sz="2800" dirty="0"/>
               <a:t>Unit vectors in loudspeaker directions</a:t>
             </a:r>
-            <a:endParaRPr lang="en-GB" sz="2800" dirty="0"/>
           </a:p>
         </p:txBody>
       </p:sp>
@@ -25292,9 +25083,7 @@
           <p:cNvGraphicFramePr>
             <a:graphicFrameLocks noChangeAspect="1"/>
           </p:cNvGraphicFramePr>
-          <p:nvPr>
-            <p:extLst/>
-          </p:nvPr>
+          <p:nvPr/>
         </p:nvGraphicFramePr>
         <p:xfrm>
           <a:off x="8063713" y="3592952"/>
@@ -25304,12 +25093,12 @@
           <a:graphicData uri="http://schemas.openxmlformats.org/presentationml/2006/ole">
             <mc:AlternateContent xmlns:mc="http://schemas.openxmlformats.org/markup-compatibility/2006">
               <mc:Choice xmlns:v="urn:schemas-microsoft-com:vml" Requires="v">
-                <p:oleObj spid="_x0000_s209932" name="Equation" r:id="rId5" imgW="1536700" imgH="431800" progId="Equation.DSMT4">
+                <p:oleObj name="Equation" r:id="rId4" imgW="1536700" imgH="431800" progId="Equation.DSMT4">
                   <p:embed/>
                 </p:oleObj>
               </mc:Choice>
               <mc:Fallback>
-                <p:oleObj name="Equation" r:id="rId5" imgW="1536700" imgH="431800" progId="Equation.DSMT4">
+                <p:oleObj name="Equation" r:id="rId4" imgW="1536700" imgH="431800" progId="Equation.DSMT4">
                   <p:embed/>
                   <p:pic>
                     <p:nvPicPr>
@@ -25320,7 +25109,7 @@
                       <p:nvPr/>
                     </p:nvPicPr>
                     <p:blipFill>
-                      <a:blip r:embed="rId6">
+                      <a:blip r:embed="rId5">
                         <a:extLst>
                           <a:ext uri="{28A0092B-C50C-407E-A947-70E740481C1C}">
                             <a14:useLocalDpi xmlns:a14="http://schemas.microsoft.com/office/drawing/2010/main" val="0"/>
@@ -25382,35 +25171,15 @@
           <a:p>
             <a:r>
               <a:rPr lang="en-US" sz="2800" dirty="0"/>
-              <a:t>vector pointing towards </a:t>
-            </a:r>
-            <a:r>
-              <a:rPr lang="en-US" sz="2800" dirty="0" smtClean="0"/>
-              <a:t>source constructed </a:t>
+              <a:t>vector pointing towards source constructed by applying gains</a:t>
+            </a:r>
+            <a:r>
+              <a:rPr lang="en-US" sz="2800" baseline="-25000" dirty="0"/>
+              <a:t> </a:t>
             </a:r>
             <a:r>
               <a:rPr lang="en-US" sz="2800" dirty="0"/>
-              <a:t>by applying </a:t>
-            </a:r>
-            <a:r>
-              <a:rPr lang="en-US" sz="2800" dirty="0" smtClean="0"/>
-              <a:t>gains</a:t>
-            </a:r>
-            <a:r>
-              <a:rPr lang="en-US" sz="2800" baseline="-25000" dirty="0" smtClean="0"/>
-              <a:t> </a:t>
-            </a:r>
-            <a:r>
-              <a:rPr lang="en-US" sz="2800" dirty="0" smtClean="0"/>
-              <a:t>to vectors </a:t>
-            </a:r>
-            <a:r>
-              <a:rPr lang="en-US" sz="2800" dirty="0"/>
-              <a:t>pointing to </a:t>
-            </a:r>
-            <a:r>
-              <a:rPr lang="en-US" sz="2800" dirty="0" smtClean="0"/>
-              <a:t>speakers</a:t>
+              <a:t>to vectors pointing to speakers</a:t>
             </a:r>
             <a:endParaRPr lang="en-GB" sz="2800" dirty="0"/>
           </a:p>
@@ -25485,9 +25254,7 @@
           <p:cNvGraphicFramePr>
             <a:graphicFrameLocks noChangeAspect="1"/>
           </p:cNvGraphicFramePr>
-          <p:nvPr>
-            <p:extLst/>
-          </p:nvPr>
+          <p:nvPr/>
         </p:nvGraphicFramePr>
         <p:xfrm>
           <a:off x="5241285" y="5274260"/>
@@ -25497,12 +25264,12 @@
           <a:graphicData uri="http://schemas.openxmlformats.org/presentationml/2006/ole">
             <mc:AlternateContent xmlns:mc="http://schemas.openxmlformats.org/markup-compatibility/2006">
               <mc:Choice xmlns:v="urn:schemas-microsoft-com:vml" Requires="v">
-                <p:oleObj spid="_x0000_s209933" name="Equation" r:id="rId7" imgW="2577960" imgH="431640" progId="Equation.DSMT4">
+                <p:oleObj name="Equation" r:id="rId6" imgW="2577960" imgH="431640" progId="Equation.DSMT4">
                   <p:embed/>
                 </p:oleObj>
               </mc:Choice>
               <mc:Fallback>
-                <p:oleObj name="Equation" r:id="rId7" imgW="2577960" imgH="431640" progId="Equation.DSMT4">
+                <p:oleObj name="Equation" r:id="rId6" imgW="2577960" imgH="431640" progId="Equation.DSMT4">
                   <p:embed/>
                   <p:pic>
                     <p:nvPicPr>
@@ -25513,7 +25280,7 @@
                       <p:nvPr/>
                     </p:nvPicPr>
                     <p:blipFill>
-                      <a:blip r:embed="rId8"/>
+                      <a:blip r:embed="rId7"/>
                       <a:srcRect/>
                       <a:stretch>
                         <a:fillRect/>
@@ -25567,7 +25334,7 @@
           <a:lstStyle/>
           <a:p>
             <a:r>
-              <a:rPr lang="en-US" sz="2800" dirty="0" smtClean="0">
+              <a:rPr lang="en-US" sz="2800" dirty="0">
                 <a:latin typeface="Arial" panose="020B0604020202020204" pitchFamily="34" charset="0"/>
                 <a:ea typeface="Times New Roman" panose="02020603050405020304" pitchFamily="18" charset="0"/>
                 <a:cs typeface="Arial" panose="020B0604020202020204" pitchFamily="34" charset="0"/>
@@ -25651,13 +25418,6 @@
   <p:clrMapOvr>
     <a:masterClrMapping/>
   </p:clrMapOvr>
-  <p:timing>
-    <p:tnLst>
-      <p:par>
-        <p:cTn id="1" dur="indefinite" restart="never" nodeType="tmRoot"/>
-      </p:par>
-    </p:tnLst>
-  </p:timing>
 </p:sld>
 </file>
 
@@ -25809,7 +25569,7 @@
               </a:spcAft>
             </a:pPr>
             <a:r>
-              <a:rPr lang="en-GB" sz="3400" i="1" dirty="0" smtClean="0">
+              <a:rPr lang="en-GB" sz="3400" i="1" dirty="0">
                 <a:solidFill>
                   <a:prstClr val="black"/>
                 </a:solidFill>
@@ -25861,7 +25621,7 @@
               </a:spcAft>
             </a:pPr>
             <a:r>
-              <a:rPr lang="en-GB" sz="3400" b="1" dirty="0" smtClean="0">
+              <a:rPr lang="en-GB" sz="3400" b="1" dirty="0">
                 <a:solidFill>
                   <a:prstClr val="black"/>
                 </a:solidFill>
@@ -25872,7 +25632,7 @@
               <a:t>l</a:t>
             </a:r>
             <a:r>
-              <a:rPr lang="en-GB" sz="3400" b="1" baseline="-25000" dirty="0" smtClean="0">
+              <a:rPr lang="en-GB" sz="3400" b="1" baseline="-25000" dirty="0">
                 <a:solidFill>
                   <a:prstClr val="black"/>
                 </a:solidFill>
@@ -26071,7 +25831,7 @@
               </a:spcAft>
             </a:pPr>
             <a:r>
-              <a:rPr lang="en-GB" sz="3400" i="1" dirty="0" smtClean="0">
+              <a:rPr lang="en-GB" sz="3400" i="1" dirty="0">
                 <a:solidFill>
                   <a:prstClr val="black"/>
                 </a:solidFill>
@@ -26123,7 +25883,7 @@
               </a:spcAft>
             </a:pPr>
             <a:r>
-              <a:rPr lang="en-GB" sz="3400" b="1" dirty="0" smtClean="0">
+              <a:rPr lang="en-GB" sz="3400" b="1" dirty="0">
                 <a:solidFill>
                   <a:prstClr val="black"/>
                 </a:solidFill>
@@ -26134,7 +25894,7 @@
               <a:t>l</a:t>
             </a:r>
             <a:r>
-              <a:rPr lang="en-GB" sz="3400" b="1" baseline="-25000" dirty="0" smtClean="0">
+              <a:rPr lang="en-GB" sz="3400" b="1" baseline="-25000" dirty="0">
                 <a:solidFill>
                   <a:prstClr val="black"/>
                 </a:solidFill>
@@ -26186,7 +25946,7 @@
               </a:spcAft>
             </a:pPr>
             <a:r>
-              <a:rPr lang="en-GB" sz="3400" b="1" dirty="0" smtClean="0">
+              <a:rPr lang="en-GB" sz="3400" b="1" dirty="0">
                 <a:solidFill>
                   <a:prstClr val="black"/>
                 </a:solidFill>
@@ -26275,7 +26035,7 @@
               </a:spcAft>
             </a:pPr>
             <a:r>
-              <a:rPr lang="en-GB" sz="2600" i="1" dirty="0" smtClean="0">
+              <a:rPr lang="en-GB" sz="2600" i="1" dirty="0">
                 <a:solidFill>
                   <a:prstClr val="black"/>
                 </a:solidFill>
@@ -26286,7 +26046,7 @@
               <a:t>x </a:t>
             </a:r>
             <a:r>
-              <a:rPr lang="en-GB" sz="2600" dirty="0" smtClean="0">
+              <a:rPr lang="en-GB" sz="2600" dirty="0">
                 <a:solidFill>
                   <a:prstClr val="black"/>
                 </a:solidFill>
@@ -26338,7 +26098,7 @@
               </a:spcAft>
             </a:pPr>
             <a:r>
-              <a:rPr lang="en-GB" sz="2600" i="1" dirty="0" smtClean="0">
+              <a:rPr lang="en-GB" sz="2600" i="1" dirty="0">
                 <a:solidFill>
                   <a:prstClr val="black"/>
                 </a:solidFill>
@@ -26349,7 +26109,7 @@
               <a:t>y </a:t>
             </a:r>
             <a:r>
-              <a:rPr lang="en-GB" sz="2600" dirty="0" smtClean="0">
+              <a:rPr lang="en-GB" sz="2600" dirty="0">
                 <a:solidFill>
                   <a:prstClr val="black"/>
                 </a:solidFill>
@@ -26393,21 +26153,21 @@
           <a:lstStyle/>
           <a:p>
             <a:r>
-              <a:rPr lang="en-US" sz="2800" dirty="0" smtClean="0"/>
+              <a:rPr lang="en-US" sz="2800" dirty="0"/>
               <a:t>Problem: Find gains in terms of </a:t>
             </a:r>
             <a:r>
-              <a:rPr lang="en-US" sz="2800" i="1" dirty="0" smtClean="0">
+              <a:rPr lang="en-US" sz="2800" i="1" dirty="0">
                 <a:latin typeface="Symbol" panose="05050102010706020507" pitchFamily="18" charset="2"/>
               </a:rPr>
               <a:t>q</a:t>
             </a:r>
             <a:r>
-              <a:rPr lang="en-US" sz="2800" dirty="0" smtClean="0"/>
+              <a:rPr lang="en-US" sz="2800" dirty="0"/>
               <a:t> and </a:t>
             </a:r>
             <a:r>
-              <a:rPr lang="en-US" sz="2800" i="1" dirty="0" smtClean="0">
+              <a:rPr lang="en-US" sz="2800" i="1" dirty="0">
                 <a:latin typeface="Symbol" panose="05050102010706020507" pitchFamily="18" charset="2"/>
               </a:rPr>
               <a:t>f</a:t>
@@ -26440,12 +26200,12 @@
           <a:graphicData uri="http://schemas.openxmlformats.org/presentationml/2006/ole">
             <mc:AlternateContent xmlns:mc="http://schemas.openxmlformats.org/markup-compatibility/2006">
               <mc:Choice xmlns:v="urn:schemas-microsoft-com:vml" Requires="v">
-                <p:oleObj spid="_x0000_s207910" name="Equation" r:id="rId3" imgW="2057400" imgH="431640" progId="Equation.DSMT4">
+                <p:oleObj name="Equation" r:id="rId2" imgW="2057400" imgH="431640" progId="Equation.DSMT4">
                   <p:embed/>
                 </p:oleObj>
               </mc:Choice>
               <mc:Fallback>
-                <p:oleObj name="Equation" r:id="rId3" imgW="2057400" imgH="431640" progId="Equation.DSMT4">
+                <p:oleObj name="Equation" r:id="rId2" imgW="2057400" imgH="431640" progId="Equation.DSMT4">
                   <p:embed/>
                   <p:pic>
                     <p:nvPicPr>
@@ -26456,7 +26216,7 @@
                       <p:nvPr/>
                     </p:nvPicPr>
                     <p:blipFill>
-                      <a:blip r:embed="rId4"/>
+                      <a:blip r:embed="rId3"/>
                       <a:srcRect/>
                       <a:stretch>
                         <a:fillRect/>
@@ -26511,7 +26271,7 @@
           <a:p>
             <a:pPr algn="l"/>
             <a:r>
-              <a:rPr lang="en-US" sz="2800" dirty="0" smtClean="0">
+              <a:rPr lang="en-US" sz="2800" dirty="0">
                 <a:latin typeface="Arial" panose="020B0604020202020204" pitchFamily="34" charset="0"/>
                 <a:ea typeface="Times New Roman" panose="02020603050405020304" pitchFamily="18" charset="0"/>
                 <a:cs typeface="Arial" panose="020B0604020202020204" pitchFamily="34" charset="0"/>
@@ -26521,21 +26281,7 @@
           </a:p>
           <a:p>
             <a:pPr algn="l"/>
-            <a:endParaRPr lang="en-US" sz="2400" dirty="0" smtClean="0">
-              <a:latin typeface="Arial" panose="020B0604020202020204" pitchFamily="34" charset="0"/>
-              <a:cs typeface="Arial" panose="020B0604020202020204" pitchFamily="34" charset="0"/>
-            </a:endParaRPr>
-          </a:p>
-          <a:p>
-            <a:pPr algn="l"/>
-            <a:endParaRPr lang="en-US" sz="2400" dirty="0" smtClean="0">
-              <a:latin typeface="Arial" panose="020B0604020202020204" pitchFamily="34" charset="0"/>
-              <a:cs typeface="Arial" panose="020B0604020202020204" pitchFamily="34" charset="0"/>
-            </a:endParaRPr>
-          </a:p>
-          <a:p>
-            <a:pPr algn="l"/>
-            <a:endParaRPr lang="en-US" sz="2400" dirty="0" smtClean="0">
+            <a:endParaRPr lang="en-US" sz="2400" dirty="0">
               <a:latin typeface="Arial" panose="020B0604020202020204" pitchFamily="34" charset="0"/>
               <a:cs typeface="Arial" panose="020B0604020202020204" pitchFamily="34" charset="0"/>
             </a:endParaRPr>
@@ -26549,31 +26295,7 @@
           </a:p>
           <a:p>
             <a:pPr algn="l"/>
-            <a:r>
-              <a:rPr lang="en-US" sz="2800" dirty="0" smtClean="0">
-                <a:latin typeface="Arial" panose="020B0604020202020204" pitchFamily="34" charset="0"/>
-                <a:cs typeface="Arial" panose="020B0604020202020204" pitchFamily="34" charset="0"/>
-              </a:rPr>
-              <a:t>Move terms</a:t>
-            </a:r>
-          </a:p>
-          <a:p>
-            <a:pPr algn="l"/>
-            <a:endParaRPr lang="en-US" sz="2400" dirty="0" smtClean="0">
-              <a:latin typeface="Arial" panose="020B0604020202020204" pitchFamily="34" charset="0"/>
-              <a:cs typeface="Arial" panose="020B0604020202020204" pitchFamily="34" charset="0"/>
-            </a:endParaRPr>
-          </a:p>
-          <a:p>
-            <a:pPr algn="l"/>
-            <a:endParaRPr lang="en-US" sz="2400" dirty="0" smtClean="0">
-              <a:latin typeface="Arial" panose="020B0604020202020204" pitchFamily="34" charset="0"/>
-              <a:cs typeface="Arial" panose="020B0604020202020204" pitchFamily="34" charset="0"/>
-            </a:endParaRPr>
-          </a:p>
-          <a:p>
-            <a:pPr algn="l"/>
-            <a:endParaRPr lang="en-US" sz="2400" dirty="0" smtClean="0">
+            <a:endParaRPr lang="en-US" sz="2400" dirty="0">
               <a:latin typeface="Arial" panose="020B0604020202020204" pitchFamily="34" charset="0"/>
               <a:cs typeface="Arial" panose="020B0604020202020204" pitchFamily="34" charset="0"/>
             </a:endParaRPr>
@@ -26588,19 +26310,50 @@
           <a:p>
             <a:pPr algn="l"/>
             <a:r>
-              <a:rPr lang="en-US" sz="2800" dirty="0" smtClean="0">
+              <a:rPr lang="en-US" sz="2800" dirty="0">
+                <a:latin typeface="Arial" panose="020B0604020202020204" pitchFamily="34" charset="0"/>
+                <a:cs typeface="Arial" panose="020B0604020202020204" pitchFamily="34" charset="0"/>
+              </a:rPr>
+              <a:t>Move terms</a:t>
+            </a:r>
+          </a:p>
+          <a:p>
+            <a:pPr algn="l"/>
+            <a:endParaRPr lang="en-US" sz="2400" dirty="0">
+              <a:latin typeface="Arial" panose="020B0604020202020204" pitchFamily="34" charset="0"/>
+              <a:cs typeface="Arial" panose="020B0604020202020204" pitchFamily="34" charset="0"/>
+            </a:endParaRPr>
+          </a:p>
+          <a:p>
+            <a:pPr algn="l"/>
+            <a:endParaRPr lang="en-US" sz="2400" dirty="0">
+              <a:latin typeface="Arial" panose="020B0604020202020204" pitchFamily="34" charset="0"/>
+              <a:cs typeface="Arial" panose="020B0604020202020204" pitchFamily="34" charset="0"/>
+            </a:endParaRPr>
+          </a:p>
+          <a:p>
+            <a:pPr algn="l"/>
+            <a:endParaRPr lang="en-US" sz="2400" dirty="0">
+              <a:latin typeface="Arial" panose="020B0604020202020204" pitchFamily="34" charset="0"/>
+              <a:cs typeface="Arial" panose="020B0604020202020204" pitchFamily="34" charset="0"/>
+            </a:endParaRPr>
+          </a:p>
+          <a:p>
+            <a:pPr algn="l"/>
+            <a:endParaRPr lang="en-US" sz="2400" dirty="0">
+              <a:latin typeface="Arial" panose="020B0604020202020204" pitchFamily="34" charset="0"/>
+              <a:cs typeface="Arial" panose="020B0604020202020204" pitchFamily="34" charset="0"/>
+            </a:endParaRPr>
+          </a:p>
+          <a:p>
+            <a:pPr algn="l"/>
+            <a:r>
+              <a:rPr lang="en-US" sz="2800" dirty="0">
                 <a:latin typeface="Arial" panose="020B0604020202020204" pitchFamily="34" charset="0"/>
                 <a:cs typeface="Arial" panose="020B0604020202020204" pitchFamily="34" charset="0"/>
               </a:rPr>
               <a:t>Add and subtract equations to separate gain terms</a:t>
             </a:r>
-          </a:p>
-          <a:p>
-            <a:pPr algn="l"/>
-            <a:endParaRPr lang="en-US" sz="2800" dirty="0" smtClean="0">
-              <a:latin typeface="Arial" panose="020B0604020202020204" pitchFamily="34" charset="0"/>
-              <a:cs typeface="Arial" panose="020B0604020202020204" pitchFamily="34" charset="0"/>
-            </a:endParaRPr>
           </a:p>
           <a:p>
             <a:pPr algn="l"/>
@@ -26618,18 +26371,24 @@
           </a:p>
           <a:p>
             <a:pPr algn="l"/>
-            <a:endParaRPr lang="en-US" sz="2800" dirty="0" smtClean="0">
+            <a:endParaRPr lang="en-US" sz="2800" dirty="0">
               <a:latin typeface="Arial" panose="020B0604020202020204" pitchFamily="34" charset="0"/>
               <a:cs typeface="Arial" panose="020B0604020202020204" pitchFamily="34" charset="0"/>
             </a:endParaRPr>
           </a:p>
           <a:p>
             <a:pPr algn="l"/>
-            <a:r>
-              <a:rPr lang="en-GB" sz="2800" dirty="0" smtClean="0"/>
+            <a:endParaRPr lang="en-US" sz="2800" dirty="0">
+              <a:latin typeface="Arial" panose="020B0604020202020204" pitchFamily="34" charset="0"/>
+              <a:cs typeface="Arial" panose="020B0604020202020204" pitchFamily="34" charset="0"/>
+            </a:endParaRPr>
+          </a:p>
+          <a:p>
+            <a:pPr algn="l"/>
+            <a:r>
+              <a:rPr lang="en-GB" sz="2800" dirty="0"/>
               <a:t>Reduce</a:t>
             </a:r>
-            <a:endParaRPr lang="en-GB" sz="2800" dirty="0"/>
           </a:p>
         </p:txBody>
       </p:sp>
@@ -26655,12 +26414,12 @@
           <a:graphicData uri="http://schemas.openxmlformats.org/presentationml/2006/ole">
             <mc:AlternateContent xmlns:mc="http://schemas.openxmlformats.org/markup-compatibility/2006">
               <mc:Choice xmlns:v="urn:schemas-microsoft-com:vml" Requires="v">
-                <p:oleObj spid="_x0000_s207911" name="Equation" r:id="rId5" imgW="1091880" imgH="419040" progId="Equation.DSMT4">
+                <p:oleObj name="Equation" r:id="rId4" imgW="1091880" imgH="419040" progId="Equation.DSMT4">
                   <p:embed/>
                 </p:oleObj>
               </mc:Choice>
               <mc:Fallback>
-                <p:oleObj name="Equation" r:id="rId5" imgW="1091880" imgH="419040" progId="Equation.DSMT4">
+                <p:oleObj name="Equation" r:id="rId4" imgW="1091880" imgH="419040" progId="Equation.DSMT4">
                   <p:embed/>
                   <p:pic>
                     <p:nvPicPr>
@@ -26671,7 +26430,7 @@
                       <p:nvPr/>
                     </p:nvPicPr>
                     <p:blipFill>
-                      <a:blip r:embed="rId6"/>
+                      <a:blip r:embed="rId5"/>
                       <a:srcRect/>
                       <a:stretch>
                         <a:fillRect/>
@@ -26725,12 +26484,12 @@
           <a:graphicData uri="http://schemas.openxmlformats.org/presentationml/2006/ole">
             <mc:AlternateContent xmlns:mc="http://schemas.openxmlformats.org/markup-compatibility/2006">
               <mc:Choice xmlns:v="urn:schemas-microsoft-com:vml" Requires="v">
-                <p:oleObj spid="_x0000_s207912" name="Equation" r:id="rId7" imgW="1168200" imgH="203040" progId="Equation.DSMT4">
+                <p:oleObj name="Equation" r:id="rId6" imgW="1168200" imgH="203040" progId="Equation.DSMT4">
                   <p:embed/>
                 </p:oleObj>
               </mc:Choice>
               <mc:Fallback>
-                <p:oleObj name="Equation" r:id="rId7" imgW="1168200" imgH="203040" progId="Equation.DSMT4">
+                <p:oleObj name="Equation" r:id="rId6" imgW="1168200" imgH="203040" progId="Equation.DSMT4">
                   <p:embed/>
                   <p:pic>
                     <p:nvPicPr>
@@ -26741,7 +26500,7 @@
                       <p:nvPr/>
                     </p:nvPicPr>
                     <p:blipFill>
-                      <a:blip r:embed="rId8"/>
+                      <a:blip r:embed="rId7"/>
                       <a:srcRect/>
                       <a:stretch>
                         <a:fillRect/>
@@ -26795,12 +26554,12 @@
           <a:graphicData uri="http://schemas.openxmlformats.org/presentationml/2006/ole">
             <mc:AlternateContent xmlns:mc="http://schemas.openxmlformats.org/markup-compatibility/2006">
               <mc:Choice xmlns:v="urn:schemas-microsoft-com:vml" Requires="v">
-                <p:oleObj spid="_x0000_s207913" name="Equation" r:id="rId9" imgW="1066680" imgH="419040" progId="Equation.DSMT4">
+                <p:oleObj name="Equation" r:id="rId8" imgW="1066680" imgH="419040" progId="Equation.DSMT4">
                   <p:embed/>
                 </p:oleObj>
               </mc:Choice>
               <mc:Fallback>
-                <p:oleObj name="Equation" r:id="rId9" imgW="1066680" imgH="419040" progId="Equation.DSMT4">
+                <p:oleObj name="Equation" r:id="rId8" imgW="1066680" imgH="419040" progId="Equation.DSMT4">
                   <p:embed/>
                   <p:pic>
                     <p:nvPicPr>
@@ -26811,7 +26570,7 @@
                       <p:nvPr/>
                     </p:nvPicPr>
                     <p:blipFill>
-                      <a:blip r:embed="rId10"/>
+                      <a:blip r:embed="rId9"/>
                       <a:srcRect/>
                       <a:stretch>
                         <a:fillRect/>
@@ -26865,12 +26624,12 @@
           <a:graphicData uri="http://schemas.openxmlformats.org/presentationml/2006/ole">
             <mc:AlternateContent xmlns:mc="http://schemas.openxmlformats.org/markup-compatibility/2006">
               <mc:Choice xmlns:v="urn:schemas-microsoft-com:vml" Requires="v">
-                <p:oleObj spid="_x0000_s207914" name="Equation" r:id="rId11" imgW="1104840" imgH="736560" progId="Equation.DSMT4">
+                <p:oleObj name="Equation" r:id="rId10" imgW="1104840" imgH="736560" progId="Equation.DSMT4">
                   <p:embed/>
                 </p:oleObj>
               </mc:Choice>
               <mc:Fallback>
-                <p:oleObj name="Equation" r:id="rId11" imgW="1104840" imgH="736560" progId="Equation.DSMT4">
+                <p:oleObj name="Equation" r:id="rId10" imgW="1104840" imgH="736560" progId="Equation.DSMT4">
                   <p:embed/>
                   <p:pic>
                     <p:nvPicPr>
@@ -26881,7 +26640,7 @@
                       <p:nvPr/>
                     </p:nvPicPr>
                     <p:blipFill>
-                      <a:blip r:embed="rId12"/>
+                      <a:blip r:embed="rId11"/>
                       <a:srcRect/>
                       <a:stretch>
                         <a:fillRect/>
@@ -26935,12 +26694,12 @@
           <a:graphicData uri="http://schemas.openxmlformats.org/presentationml/2006/ole">
             <mc:AlternateContent xmlns:mc="http://schemas.openxmlformats.org/markup-compatibility/2006">
               <mc:Choice xmlns:v="urn:schemas-microsoft-com:vml" Requires="v">
-                <p:oleObj spid="_x0000_s207915" name="Equation" r:id="rId13" imgW="1562040" imgH="736560" progId="Equation.DSMT4">
+                <p:oleObj name="Equation" r:id="rId12" imgW="1562040" imgH="736560" progId="Equation.DSMT4">
                   <p:embed/>
                 </p:oleObj>
               </mc:Choice>
               <mc:Fallback>
-                <p:oleObj name="Equation" r:id="rId13" imgW="1562040" imgH="736560" progId="Equation.DSMT4">
+                <p:oleObj name="Equation" r:id="rId12" imgW="1562040" imgH="736560" progId="Equation.DSMT4">
                   <p:embed/>
                   <p:pic>
                     <p:nvPicPr>
@@ -26951,7 +26710,7 @@
                       <p:nvPr/>
                     </p:nvPicPr>
                     <p:blipFill>
-                      <a:blip r:embed="rId14"/>
+                      <a:blip r:embed="rId13"/>
                       <a:srcRect/>
                       <a:stretch>
                         <a:fillRect/>
@@ -26971,7 +26730,6 @@
                           <a:srgbClr val="FF0000"/>
                         </a:solidFill>
                       </a:ln>
-                      <a:extLst/>
                     </p:spPr>
                   </p:pic>
                 </p:oleObj>
@@ -27026,13 +26784,6 @@
   <p:clrMapOvr>
     <a:masterClrMapping/>
   </p:clrMapOvr>
-  <p:timing>
-    <p:tnLst>
-      <p:par>
-        <p:cTn id="1" dur="indefinite" restart="never" nodeType="tmRoot"/>
-      </p:par>
-    </p:tnLst>
-  </p:timing>
 </p:sld>
 </file>
 
@@ -27122,9 +26873,7 @@
           <p:cNvGraphicFramePr>
             <a:graphicFrameLocks noChangeAspect="1"/>
           </p:cNvGraphicFramePr>
-          <p:nvPr>
-            <p:extLst/>
-          </p:nvPr>
+          <p:nvPr/>
         </p:nvGraphicFramePr>
         <p:xfrm>
           <a:off x="8308068" y="365685"/>
@@ -27134,12 +26883,12 @@
           <a:graphicData uri="http://schemas.openxmlformats.org/presentationml/2006/ole">
             <mc:AlternateContent xmlns:mc="http://schemas.openxmlformats.org/markup-compatibility/2006">
               <mc:Choice xmlns:v="urn:schemas-microsoft-com:vml" Requires="v">
-                <p:oleObj spid="_x0000_s210958" name="Equation" r:id="rId3" imgW="1256755" imgH="634725" progId="Equation.DSMT4">
+                <p:oleObj name="Equation" r:id="rId2" imgW="1256755" imgH="634725" progId="Equation.DSMT4">
                   <p:embed/>
                 </p:oleObj>
               </mc:Choice>
               <mc:Fallback>
-                <p:oleObj name="Equation" r:id="rId3" imgW="1256755" imgH="634725" progId="Equation.DSMT4">
+                <p:oleObj name="Equation" r:id="rId2" imgW="1256755" imgH="634725" progId="Equation.DSMT4">
                   <p:embed/>
                   <p:pic>
                     <p:nvPicPr>
@@ -27150,7 +26899,7 @@
                       <p:nvPr/>
                     </p:nvPicPr>
                     <p:blipFill>
-                      <a:blip r:embed="rId4">
+                      <a:blip r:embed="rId3">
                         <a:extLst>
                           <a:ext uri="{28A0092B-C50C-407E-A947-70E740481C1C}">
                             <a14:useLocalDpi xmlns:a14="http://schemas.microsoft.com/office/drawing/2010/main" val="0"/>
@@ -27319,7 +27068,7 @@
               </a:spcAft>
             </a:pPr>
             <a:r>
-              <a:rPr lang="en-GB" sz="3400" i="1" dirty="0" smtClean="0">
+              <a:rPr lang="en-GB" sz="3400" i="1" dirty="0">
                 <a:solidFill>
                   <a:prstClr val="black"/>
                 </a:solidFill>
@@ -27371,7 +27120,7 @@
               </a:spcAft>
             </a:pPr>
             <a:r>
-              <a:rPr lang="en-GB" sz="3400" b="1" dirty="0" smtClean="0">
+              <a:rPr lang="en-GB" sz="3400" b="1" dirty="0">
                 <a:solidFill>
                   <a:prstClr val="black"/>
                 </a:solidFill>
@@ -27382,7 +27131,7 @@
               <a:t>l</a:t>
             </a:r>
             <a:r>
-              <a:rPr lang="en-GB" sz="3400" b="1" baseline="-25000" dirty="0" smtClean="0">
+              <a:rPr lang="en-GB" sz="3400" b="1" baseline="-25000" dirty="0">
                 <a:solidFill>
                   <a:prstClr val="black"/>
                 </a:solidFill>
@@ -27581,7 +27330,7 @@
               </a:spcAft>
             </a:pPr>
             <a:r>
-              <a:rPr lang="en-GB" sz="3400" i="1" dirty="0" smtClean="0">
+              <a:rPr lang="en-GB" sz="3400" i="1" dirty="0">
                 <a:solidFill>
                   <a:prstClr val="black"/>
                 </a:solidFill>
@@ -27633,7 +27382,7 @@
               </a:spcAft>
             </a:pPr>
             <a:r>
-              <a:rPr lang="en-GB" sz="3400" b="1" dirty="0" smtClean="0">
+              <a:rPr lang="en-GB" sz="3400" b="1" dirty="0">
                 <a:solidFill>
                   <a:prstClr val="black"/>
                 </a:solidFill>
@@ -27644,7 +27393,7 @@
               <a:t>l</a:t>
             </a:r>
             <a:r>
-              <a:rPr lang="en-GB" sz="3400" b="1" baseline="-25000" dirty="0" smtClean="0">
+              <a:rPr lang="en-GB" sz="3400" b="1" baseline="-25000" dirty="0">
                 <a:solidFill>
                   <a:prstClr val="black"/>
                 </a:solidFill>
@@ -27696,7 +27445,7 @@
               </a:spcAft>
             </a:pPr>
             <a:r>
-              <a:rPr lang="en-GB" sz="3400" b="1" dirty="0" smtClean="0">
+              <a:rPr lang="en-GB" sz="3400" b="1" dirty="0">
                 <a:solidFill>
                   <a:prstClr val="black"/>
                 </a:solidFill>
@@ -27785,7 +27534,7 @@
               </a:spcAft>
             </a:pPr>
             <a:r>
-              <a:rPr lang="en-GB" sz="2600" i="1" dirty="0" smtClean="0">
+              <a:rPr lang="en-GB" sz="2600" i="1" dirty="0">
                 <a:solidFill>
                   <a:prstClr val="black"/>
                 </a:solidFill>
@@ -27796,7 +27545,7 @@
               <a:t>x </a:t>
             </a:r>
             <a:r>
-              <a:rPr lang="en-GB" sz="2600" dirty="0" smtClean="0">
+              <a:rPr lang="en-GB" sz="2600" dirty="0">
                 <a:solidFill>
                   <a:prstClr val="black"/>
                 </a:solidFill>
@@ -27848,7 +27597,7 @@
               </a:spcAft>
             </a:pPr>
             <a:r>
-              <a:rPr lang="en-GB" sz="2600" i="1" dirty="0" smtClean="0">
+              <a:rPr lang="en-GB" sz="2600" i="1" dirty="0">
                 <a:solidFill>
                   <a:prstClr val="black"/>
                 </a:solidFill>
@@ -27859,7 +27608,7 @@
               <a:t>y </a:t>
             </a:r>
             <a:r>
-              <a:rPr lang="en-GB" sz="2600" dirty="0" smtClean="0">
+              <a:rPr lang="en-GB" sz="2600" dirty="0">
                 <a:solidFill>
                   <a:prstClr val="black"/>
                 </a:solidFill>
@@ -27903,10 +27652,9 @@
           <a:lstStyle/>
           <a:p>
             <a:r>
-              <a:rPr lang="en-GB" sz="2800" dirty="0" smtClean="0"/>
+              <a:rPr lang="en-GB" sz="2800" dirty="0"/>
               <a:t>Unit vectors in loudspeaker directions</a:t>
             </a:r>
-            <a:endParaRPr lang="en-GB" sz="2800" dirty="0"/>
           </a:p>
         </p:txBody>
       </p:sp>
@@ -27979,9 +27727,7 @@
           <p:cNvGraphicFramePr>
             <a:graphicFrameLocks noChangeAspect="1"/>
           </p:cNvGraphicFramePr>
-          <p:nvPr>
-            <p:extLst/>
-          </p:nvPr>
+          <p:nvPr/>
         </p:nvGraphicFramePr>
         <p:xfrm>
           <a:off x="8063713" y="3592952"/>
@@ -27991,12 +27737,12 @@
           <a:graphicData uri="http://schemas.openxmlformats.org/presentationml/2006/ole">
             <mc:AlternateContent xmlns:mc="http://schemas.openxmlformats.org/markup-compatibility/2006">
               <mc:Choice xmlns:v="urn:schemas-microsoft-com:vml" Requires="v">
-                <p:oleObj spid="_x0000_s210959" name="Equation" r:id="rId5" imgW="1536700" imgH="431800" progId="Equation.DSMT4">
+                <p:oleObj name="Equation" r:id="rId4" imgW="1536700" imgH="431800" progId="Equation.DSMT4">
                   <p:embed/>
                 </p:oleObj>
               </mc:Choice>
               <mc:Fallback>
-                <p:oleObj name="Equation" r:id="rId5" imgW="1536700" imgH="431800" progId="Equation.DSMT4">
+                <p:oleObj name="Equation" r:id="rId4" imgW="1536700" imgH="431800" progId="Equation.DSMT4">
                   <p:embed/>
                   <p:pic>
                     <p:nvPicPr>
@@ -28007,7 +27753,7 @@
                       <p:nvPr/>
                     </p:nvPicPr>
                     <p:blipFill>
-                      <a:blip r:embed="rId6">
+                      <a:blip r:embed="rId5">
                         <a:extLst>
                           <a:ext uri="{28A0092B-C50C-407E-A947-70E740481C1C}">
                             <a14:useLocalDpi xmlns:a14="http://schemas.microsoft.com/office/drawing/2010/main" val="0"/>
@@ -28069,35 +27815,15 @@
           <a:p>
             <a:r>
               <a:rPr lang="en-US" sz="2800" dirty="0"/>
-              <a:t>vector pointing towards </a:t>
-            </a:r>
-            <a:r>
-              <a:rPr lang="en-US" sz="2800" dirty="0" smtClean="0"/>
-              <a:t>source constructed </a:t>
+              <a:t>vector pointing towards source constructed by applying gains</a:t>
+            </a:r>
+            <a:r>
+              <a:rPr lang="en-US" sz="2800" baseline="-25000" dirty="0"/>
+              <a:t> </a:t>
             </a:r>
             <a:r>
               <a:rPr lang="en-US" sz="2800" dirty="0"/>
-              <a:t>by applying </a:t>
-            </a:r>
-            <a:r>
-              <a:rPr lang="en-US" sz="2800" dirty="0" smtClean="0"/>
-              <a:t>gains</a:t>
-            </a:r>
-            <a:r>
-              <a:rPr lang="en-US" sz="2800" baseline="-25000" dirty="0" smtClean="0"/>
-              <a:t> </a:t>
-            </a:r>
-            <a:r>
-              <a:rPr lang="en-US" sz="2800" dirty="0" smtClean="0"/>
-              <a:t>to vectors </a:t>
-            </a:r>
-            <a:r>
-              <a:rPr lang="en-US" sz="2800" dirty="0"/>
-              <a:t>pointing to </a:t>
-            </a:r>
-            <a:r>
-              <a:rPr lang="en-US" sz="2800" dirty="0" smtClean="0"/>
-              <a:t>speakers</a:t>
+              <a:t>to vectors pointing to speakers</a:t>
             </a:r>
             <a:endParaRPr lang="en-GB" sz="2800" dirty="0"/>
           </a:p>
@@ -28172,9 +27898,7 @@
           <p:cNvGraphicFramePr>
             <a:graphicFrameLocks noChangeAspect="1"/>
           </p:cNvGraphicFramePr>
-          <p:nvPr>
-            <p:extLst/>
-          </p:nvPr>
+          <p:nvPr/>
         </p:nvGraphicFramePr>
         <p:xfrm>
           <a:off x="5241285" y="5274260"/>
@@ -28184,12 +27908,12 @@
           <a:graphicData uri="http://schemas.openxmlformats.org/presentationml/2006/ole">
             <mc:AlternateContent xmlns:mc="http://schemas.openxmlformats.org/markup-compatibility/2006">
               <mc:Choice xmlns:v="urn:schemas-microsoft-com:vml" Requires="v">
-                <p:oleObj spid="_x0000_s210960" name="Equation" r:id="rId7" imgW="2577960" imgH="431640" progId="Equation.DSMT4">
+                <p:oleObj name="Equation" r:id="rId6" imgW="2577960" imgH="431640" progId="Equation.DSMT4">
                   <p:embed/>
                 </p:oleObj>
               </mc:Choice>
               <mc:Fallback>
-                <p:oleObj name="Equation" r:id="rId7" imgW="2577960" imgH="431640" progId="Equation.DSMT4">
+                <p:oleObj name="Equation" r:id="rId6" imgW="2577960" imgH="431640" progId="Equation.DSMT4">
                   <p:embed/>
                   <p:pic>
                     <p:nvPicPr>
@@ -28200,7 +27924,7 @@
                       <p:nvPr/>
                     </p:nvPicPr>
                     <p:blipFill>
-                      <a:blip r:embed="rId8"/>
+                      <a:blip r:embed="rId7"/>
                       <a:srcRect/>
                       <a:stretch>
                         <a:fillRect/>
@@ -28362,9 +28086,7 @@
           <p:cNvGraphicFramePr>
             <a:graphicFrameLocks noChangeAspect="1"/>
           </p:cNvGraphicFramePr>
-          <p:nvPr>
-            <p:extLst/>
-          </p:nvPr>
+          <p:nvPr/>
         </p:nvGraphicFramePr>
         <p:xfrm>
           <a:off x="4279900" y="6896016"/>
@@ -28374,12 +28096,12 @@
           <a:graphicData uri="http://schemas.openxmlformats.org/presentationml/2006/ole">
             <mc:AlternateContent xmlns:mc="http://schemas.openxmlformats.org/markup-compatibility/2006">
               <mc:Choice xmlns:v="urn:schemas-microsoft-com:vml" Requires="v">
-                <p:oleObj spid="_x0000_s210961" name="Equation" r:id="rId9" imgW="2908080" imgH="850680" progId="Equation.DSMT4">
+                <p:oleObj name="Equation" r:id="rId8" imgW="2908080" imgH="850680" progId="Equation.DSMT4">
                   <p:embed/>
                 </p:oleObj>
               </mc:Choice>
               <mc:Fallback>
-                <p:oleObj name="Equation" r:id="rId9" imgW="2908080" imgH="850680" progId="Equation.DSMT4">
+                <p:oleObj name="Equation" r:id="rId8" imgW="2908080" imgH="850680" progId="Equation.DSMT4">
                   <p:embed/>
                   <p:pic>
                     <p:nvPicPr>
@@ -28390,7 +28112,7 @@
                       <p:nvPr/>
                     </p:nvPicPr>
                     <p:blipFill>
-                      <a:blip r:embed="rId10"/>
+                      <a:blip r:embed="rId9"/>
                       <a:srcRect/>
                       <a:stretch>
                         <a:fillRect/>
@@ -28432,13 +28154,6 @@
   <p:clrMapOvr>
     <a:masterClrMapping/>
   </p:clrMapOvr>
-  <p:timing>
-    <p:tnLst>
-      <p:par>
-        <p:cTn id="1" dur="indefinite" restart="never" nodeType="tmRoot"/>
-      </p:par>
-    </p:tnLst>
-  </p:timing>
 </p:sld>
 </file>
 
